--- a/Presentation.pptx
+++ b/Presentation.pptx
@@ -42,7 +42,7 @@
             <a:spLocks noGrp="1"/>
           </p:cNvSpPr>
           <p:nvPr>
-            <p:ph type="ftr" idx="2"/>
+            <p:ph type="ftr" idx="1"/>
           </p:nvPr>
         </p:nvSpPr>
         <p:spPr/>
@@ -62,14 +62,14 @@
             <a:spLocks noGrp="1"/>
           </p:cNvSpPr>
           <p:nvPr>
-            <p:ph type="sldNum" idx="3"/>
+            <p:ph type="sldNum" idx="2"/>
           </p:nvPr>
         </p:nvSpPr>
         <p:spPr/>
         <p:txBody>
           <a:bodyPr/>
           <a:p>
-            <a:fld id="{E1B09079-81B5-4560-BFA2-243DFCF61019}" type="slidenum">
+            <a:fld id="{38FBD71A-4C86-43BF-807B-FDC624E314F6}" type="slidenum">
               <a:t>&lt;#&gt;</a:t>
             </a:fld>
           </a:p>
@@ -82,7 +82,7 @@
             <a:spLocks noGrp="1"/>
           </p:cNvSpPr>
           <p:nvPr>
-            <p:ph type="dt" idx="1"/>
+            <p:ph type="dt" idx="3"/>
           </p:nvPr>
         </p:nvSpPr>
         <p:spPr/>
@@ -146,14 +146,14 @@
             <a:noAutofit/>
           </a:bodyPr>
           <a:p>
-            <a:pPr indent="0">
+            <a:pPr indent="0" algn="ctr">
               <a:buNone/>
             </a:pPr>
-            <a:endParaRPr b="0" lang="en-US" sz="1800" spc="-1" strike="noStrike">
-              <a:solidFill>
-                <a:srgbClr val="000000"/>
-              </a:solidFill>
-              <a:latin typeface="Trebuchet MS"/>
+            <a:endParaRPr b="0" lang="en-IN" sz="4400" spc="-1" strike="noStrike">
+              <a:solidFill>
+                <a:srgbClr val="000000"/>
+              </a:solidFill>
+              <a:latin typeface="Arial"/>
             </a:endParaRPr>
           </a:p>
         </p:txBody>
@@ -192,11 +192,11 @@
               </a:spcBef>
               <a:buNone/>
             </a:pPr>
-            <a:endParaRPr b="0" lang="en-US" sz="1800" spc="-1" strike="noStrike">
-              <a:solidFill>
-                <a:srgbClr val="404040"/>
-              </a:solidFill>
-              <a:latin typeface="Trebuchet MS"/>
+            <a:endParaRPr b="0" lang="en-IN" sz="3200" spc="-1" strike="noStrike">
+              <a:solidFill>
+                <a:srgbClr val="000000"/>
+              </a:solidFill>
+              <a:latin typeface="Arial"/>
             </a:endParaRPr>
           </a:p>
         </p:txBody>
@@ -235,11 +235,11 @@
               </a:spcBef>
               <a:buNone/>
             </a:pPr>
-            <a:endParaRPr b="0" lang="en-US" sz="1800" spc="-1" strike="noStrike">
-              <a:solidFill>
-                <a:srgbClr val="404040"/>
-              </a:solidFill>
-              <a:latin typeface="Trebuchet MS"/>
+            <a:endParaRPr b="0" lang="en-IN" sz="3200" spc="-1" strike="noStrike">
+              <a:solidFill>
+                <a:srgbClr val="000000"/>
+              </a:solidFill>
+              <a:latin typeface="Arial"/>
             </a:endParaRPr>
           </a:p>
         </p:txBody>
@@ -251,7 +251,7 @@
             <a:spLocks noGrp="1"/>
           </p:cNvSpPr>
           <p:nvPr>
-            <p:ph type="ftr" idx="2"/>
+            <p:ph type="ftr" idx="1"/>
           </p:nvPr>
         </p:nvSpPr>
         <p:spPr/>
@@ -271,14 +271,14 @@
             <a:spLocks noGrp="1"/>
           </p:cNvSpPr>
           <p:nvPr>
-            <p:ph type="sldNum" idx="3"/>
+            <p:ph type="sldNum" idx="2"/>
           </p:nvPr>
         </p:nvSpPr>
         <p:spPr/>
         <p:txBody>
           <a:bodyPr/>
           <a:p>
-            <a:fld id="{C3882F50-7152-4406-AE48-ED5FB6E88CF9}" type="slidenum">
+            <a:fld id="{16680C2F-54F6-4942-BF5A-60A56A95A6AE}" type="slidenum">
               <a:t>&lt;#&gt;</a:t>
             </a:fld>
           </a:p>
@@ -291,7 +291,7 @@
             <a:spLocks noGrp="1"/>
           </p:cNvSpPr>
           <p:nvPr>
-            <p:ph type="dt" idx="1"/>
+            <p:ph type="dt" idx="3"/>
           </p:nvPr>
         </p:nvSpPr>
         <p:spPr/>
@@ -355,14 +355,14 @@
             <a:noAutofit/>
           </a:bodyPr>
           <a:p>
-            <a:pPr indent="0">
+            <a:pPr indent="0" algn="ctr">
               <a:buNone/>
             </a:pPr>
-            <a:endParaRPr b="0" lang="en-US" sz="1800" spc="-1" strike="noStrike">
-              <a:solidFill>
-                <a:srgbClr val="000000"/>
-              </a:solidFill>
-              <a:latin typeface="Trebuchet MS"/>
+            <a:endParaRPr b="0" lang="en-IN" sz="4400" spc="-1" strike="noStrike">
+              <a:solidFill>
+                <a:srgbClr val="000000"/>
+              </a:solidFill>
+              <a:latin typeface="Arial"/>
             </a:endParaRPr>
           </a:p>
         </p:txBody>
@@ -401,11 +401,11 @@
               </a:spcBef>
               <a:buNone/>
             </a:pPr>
-            <a:endParaRPr b="0" lang="en-US" sz="1800" spc="-1" strike="noStrike">
-              <a:solidFill>
-                <a:srgbClr val="404040"/>
-              </a:solidFill>
-              <a:latin typeface="Trebuchet MS"/>
+            <a:endParaRPr b="0" lang="en-IN" sz="3200" spc="-1" strike="noStrike">
+              <a:solidFill>
+                <a:srgbClr val="000000"/>
+              </a:solidFill>
+              <a:latin typeface="Arial"/>
             </a:endParaRPr>
           </a:p>
         </p:txBody>
@@ -444,11 +444,11 @@
               </a:spcBef>
               <a:buNone/>
             </a:pPr>
-            <a:endParaRPr b="0" lang="en-US" sz="1800" spc="-1" strike="noStrike">
-              <a:solidFill>
-                <a:srgbClr val="404040"/>
-              </a:solidFill>
-              <a:latin typeface="Trebuchet MS"/>
+            <a:endParaRPr b="0" lang="en-IN" sz="3200" spc="-1" strike="noStrike">
+              <a:solidFill>
+                <a:srgbClr val="000000"/>
+              </a:solidFill>
+              <a:latin typeface="Arial"/>
             </a:endParaRPr>
           </a:p>
         </p:txBody>
@@ -487,11 +487,11 @@
               </a:spcBef>
               <a:buNone/>
             </a:pPr>
-            <a:endParaRPr b="0" lang="en-US" sz="1800" spc="-1" strike="noStrike">
-              <a:solidFill>
-                <a:srgbClr val="404040"/>
-              </a:solidFill>
-              <a:latin typeface="Trebuchet MS"/>
+            <a:endParaRPr b="0" lang="en-IN" sz="3200" spc="-1" strike="noStrike">
+              <a:solidFill>
+                <a:srgbClr val="000000"/>
+              </a:solidFill>
+              <a:latin typeface="Arial"/>
             </a:endParaRPr>
           </a:p>
         </p:txBody>
@@ -530,11 +530,11 @@
               </a:spcBef>
               <a:buNone/>
             </a:pPr>
-            <a:endParaRPr b="0" lang="en-US" sz="1800" spc="-1" strike="noStrike">
-              <a:solidFill>
-                <a:srgbClr val="404040"/>
-              </a:solidFill>
-              <a:latin typeface="Trebuchet MS"/>
+            <a:endParaRPr b="0" lang="en-IN" sz="3200" spc="-1" strike="noStrike">
+              <a:solidFill>
+                <a:srgbClr val="000000"/>
+              </a:solidFill>
+              <a:latin typeface="Arial"/>
             </a:endParaRPr>
           </a:p>
         </p:txBody>
@@ -546,7 +546,7 @@
             <a:spLocks noGrp="1"/>
           </p:cNvSpPr>
           <p:nvPr>
-            <p:ph type="ftr" idx="2"/>
+            <p:ph type="ftr" idx="1"/>
           </p:nvPr>
         </p:nvSpPr>
         <p:spPr/>
@@ -566,14 +566,14 @@
             <a:spLocks noGrp="1"/>
           </p:cNvSpPr>
           <p:nvPr>
-            <p:ph type="sldNum" idx="3"/>
+            <p:ph type="sldNum" idx="2"/>
           </p:nvPr>
         </p:nvSpPr>
         <p:spPr/>
         <p:txBody>
           <a:bodyPr/>
           <a:p>
-            <a:fld id="{90F1E784-5CBE-4811-A7A9-053662B0539D}" type="slidenum">
+            <a:fld id="{44ABFAA0-277E-4435-B6C3-30C121619982}" type="slidenum">
               <a:t>&lt;#&gt;</a:t>
             </a:fld>
           </a:p>
@@ -586,7 +586,7 @@
             <a:spLocks noGrp="1"/>
           </p:cNvSpPr>
           <p:nvPr>
-            <p:ph type="dt" idx="1"/>
+            <p:ph type="dt" idx="3"/>
           </p:nvPr>
         </p:nvSpPr>
         <p:spPr/>
@@ -650,14 +650,14 @@
             <a:noAutofit/>
           </a:bodyPr>
           <a:p>
-            <a:pPr indent="0">
+            <a:pPr indent="0" algn="ctr">
               <a:buNone/>
             </a:pPr>
-            <a:endParaRPr b="0" lang="en-US" sz="1800" spc="-1" strike="noStrike">
-              <a:solidFill>
-                <a:srgbClr val="000000"/>
-              </a:solidFill>
-              <a:latin typeface="Trebuchet MS"/>
+            <a:endParaRPr b="0" lang="en-IN" sz="4400" spc="-1" strike="noStrike">
+              <a:solidFill>
+                <a:srgbClr val="000000"/>
+              </a:solidFill>
+              <a:latin typeface="Arial"/>
             </a:endParaRPr>
           </a:p>
         </p:txBody>
@@ -696,11 +696,11 @@
               </a:spcBef>
               <a:buNone/>
             </a:pPr>
-            <a:endParaRPr b="0" lang="en-US" sz="1800" spc="-1" strike="noStrike">
-              <a:solidFill>
-                <a:srgbClr val="404040"/>
-              </a:solidFill>
-              <a:latin typeface="Trebuchet MS"/>
+            <a:endParaRPr b="0" lang="en-IN" sz="3200" spc="-1" strike="noStrike">
+              <a:solidFill>
+                <a:srgbClr val="000000"/>
+              </a:solidFill>
+              <a:latin typeface="Arial"/>
             </a:endParaRPr>
           </a:p>
         </p:txBody>
@@ -739,11 +739,11 @@
               </a:spcBef>
               <a:buNone/>
             </a:pPr>
-            <a:endParaRPr b="0" lang="en-US" sz="1800" spc="-1" strike="noStrike">
-              <a:solidFill>
-                <a:srgbClr val="404040"/>
-              </a:solidFill>
-              <a:latin typeface="Trebuchet MS"/>
+            <a:endParaRPr b="0" lang="en-IN" sz="3200" spc="-1" strike="noStrike">
+              <a:solidFill>
+                <a:srgbClr val="000000"/>
+              </a:solidFill>
+              <a:latin typeface="Arial"/>
             </a:endParaRPr>
           </a:p>
         </p:txBody>
@@ -782,11 +782,11 @@
               </a:spcBef>
               <a:buNone/>
             </a:pPr>
-            <a:endParaRPr b="0" lang="en-US" sz="1800" spc="-1" strike="noStrike">
-              <a:solidFill>
-                <a:srgbClr val="404040"/>
-              </a:solidFill>
-              <a:latin typeface="Trebuchet MS"/>
+            <a:endParaRPr b="0" lang="en-IN" sz="3200" spc="-1" strike="noStrike">
+              <a:solidFill>
+                <a:srgbClr val="000000"/>
+              </a:solidFill>
+              <a:latin typeface="Arial"/>
             </a:endParaRPr>
           </a:p>
         </p:txBody>
@@ -825,11 +825,11 @@
               </a:spcBef>
               <a:buNone/>
             </a:pPr>
-            <a:endParaRPr b="0" lang="en-US" sz="1800" spc="-1" strike="noStrike">
-              <a:solidFill>
-                <a:srgbClr val="404040"/>
-              </a:solidFill>
-              <a:latin typeface="Trebuchet MS"/>
+            <a:endParaRPr b="0" lang="en-IN" sz="3200" spc="-1" strike="noStrike">
+              <a:solidFill>
+                <a:srgbClr val="000000"/>
+              </a:solidFill>
+              <a:latin typeface="Arial"/>
             </a:endParaRPr>
           </a:p>
         </p:txBody>
@@ -868,11 +868,11 @@
               </a:spcBef>
               <a:buNone/>
             </a:pPr>
-            <a:endParaRPr b="0" lang="en-US" sz="1800" spc="-1" strike="noStrike">
-              <a:solidFill>
-                <a:srgbClr val="404040"/>
-              </a:solidFill>
-              <a:latin typeface="Trebuchet MS"/>
+            <a:endParaRPr b="0" lang="en-IN" sz="3200" spc="-1" strike="noStrike">
+              <a:solidFill>
+                <a:srgbClr val="000000"/>
+              </a:solidFill>
+              <a:latin typeface="Arial"/>
             </a:endParaRPr>
           </a:p>
         </p:txBody>
@@ -911,11 +911,11 @@
               </a:spcBef>
               <a:buNone/>
             </a:pPr>
-            <a:endParaRPr b="0" lang="en-US" sz="1800" spc="-1" strike="noStrike">
-              <a:solidFill>
-                <a:srgbClr val="404040"/>
-              </a:solidFill>
-              <a:latin typeface="Trebuchet MS"/>
+            <a:endParaRPr b="0" lang="en-IN" sz="3200" spc="-1" strike="noStrike">
+              <a:solidFill>
+                <a:srgbClr val="000000"/>
+              </a:solidFill>
+              <a:latin typeface="Arial"/>
             </a:endParaRPr>
           </a:p>
         </p:txBody>
@@ -927,7 +927,7 @@
             <a:spLocks noGrp="1"/>
           </p:cNvSpPr>
           <p:nvPr>
-            <p:ph type="ftr" idx="2"/>
+            <p:ph type="ftr" idx="1"/>
           </p:nvPr>
         </p:nvSpPr>
         <p:spPr/>
@@ -947,14 +947,14 @@
             <a:spLocks noGrp="1"/>
           </p:cNvSpPr>
           <p:nvPr>
-            <p:ph type="sldNum" idx="3"/>
+            <p:ph type="sldNum" idx="2"/>
           </p:nvPr>
         </p:nvSpPr>
         <p:spPr/>
         <p:txBody>
           <a:bodyPr/>
           <a:p>
-            <a:fld id="{E8AC1803-FCB6-4E32-94F6-19DA7A05C07E}" type="slidenum">
+            <a:fld id="{97E35C05-701B-45E1-B8DC-894B00E9BD92}" type="slidenum">
               <a:t>&lt;#&gt;</a:t>
             </a:fld>
           </a:p>
@@ -967,7 +967,7 @@
             <a:spLocks noGrp="1"/>
           </p:cNvSpPr>
           <p:nvPr>
-            <p:ph type="dt" idx="1"/>
+            <p:ph type="dt" idx="3"/>
           </p:nvPr>
         </p:nvSpPr>
         <p:spPr/>
@@ -1010,7 +1010,7 @@
             <a:spLocks noGrp="1"/>
           </p:cNvSpPr>
           <p:nvPr>
-            <p:ph type="ftr" idx="5"/>
+            <p:ph type="ftr" idx="4"/>
           </p:nvPr>
         </p:nvSpPr>
         <p:spPr/>
@@ -1030,14 +1030,14 @@
             <a:spLocks noGrp="1"/>
           </p:cNvSpPr>
           <p:nvPr>
-            <p:ph type="sldNum" idx="6"/>
+            <p:ph type="sldNum" idx="5"/>
           </p:nvPr>
         </p:nvSpPr>
         <p:spPr/>
         <p:txBody>
           <a:bodyPr/>
           <a:p>
-            <a:fld id="{989B7E1F-6FC8-4F83-931D-5CBA43A34FD4}" type="slidenum">
+            <a:fld id="{10D3E75C-61B3-4A01-8FA0-4835023EE87E}" type="slidenum">
               <a:t>&lt;#&gt;</a:t>
             </a:fld>
           </a:p>
@@ -1050,7 +1050,7 @@
             <a:spLocks noGrp="1"/>
           </p:cNvSpPr>
           <p:nvPr>
-            <p:ph type="dt" idx="4"/>
+            <p:ph type="dt" idx="6"/>
           </p:nvPr>
         </p:nvSpPr>
         <p:spPr/>
@@ -1114,14 +1114,14 @@
             <a:noAutofit/>
           </a:bodyPr>
           <a:p>
-            <a:pPr indent="0">
+            <a:pPr indent="0" algn="ctr">
               <a:buNone/>
             </a:pPr>
-            <a:endParaRPr b="0" lang="en-US" sz="1800" spc="-1" strike="noStrike">
-              <a:solidFill>
-                <a:srgbClr val="000000"/>
-              </a:solidFill>
-              <a:latin typeface="Trebuchet MS"/>
+            <a:endParaRPr b="0" lang="en-IN" sz="4400" spc="-1" strike="noStrike">
+              <a:solidFill>
+                <a:srgbClr val="000000"/>
+              </a:solidFill>
+              <a:latin typeface="Arial"/>
             </a:endParaRPr>
           </a:p>
         </p:txBody>
@@ -1173,7 +1173,7 @@
             <a:spLocks noGrp="1"/>
           </p:cNvSpPr>
           <p:nvPr>
-            <p:ph type="ftr" idx="5"/>
+            <p:ph type="ftr" idx="4"/>
           </p:nvPr>
         </p:nvSpPr>
         <p:spPr/>
@@ -1193,14 +1193,14 @@
             <a:spLocks noGrp="1"/>
           </p:cNvSpPr>
           <p:nvPr>
-            <p:ph type="sldNum" idx="6"/>
+            <p:ph type="sldNum" idx="5"/>
           </p:nvPr>
         </p:nvSpPr>
         <p:spPr/>
         <p:txBody>
           <a:bodyPr/>
           <a:p>
-            <a:fld id="{5F5A78A5-BFE7-40B5-8781-E7BC617AC646}" type="slidenum">
+            <a:fld id="{30F40A9C-4CE0-4345-B57A-4F5B965E5631}" type="slidenum">
               <a:t>&lt;#&gt;</a:t>
             </a:fld>
           </a:p>
@@ -1213,7 +1213,7 @@
             <a:spLocks noGrp="1"/>
           </p:cNvSpPr>
           <p:nvPr>
-            <p:ph type="dt" idx="4"/>
+            <p:ph type="dt" idx="6"/>
           </p:nvPr>
         </p:nvSpPr>
         <p:spPr/>
@@ -1277,14 +1277,14 @@
             <a:noAutofit/>
           </a:bodyPr>
           <a:p>
-            <a:pPr indent="0">
+            <a:pPr indent="0" algn="ctr">
               <a:buNone/>
             </a:pPr>
-            <a:endParaRPr b="0" lang="en-US" sz="1800" spc="-1" strike="noStrike">
-              <a:solidFill>
-                <a:srgbClr val="000000"/>
-              </a:solidFill>
-              <a:latin typeface="Trebuchet MS"/>
+            <a:endParaRPr b="0" lang="en-IN" sz="4400" spc="-1" strike="noStrike">
+              <a:solidFill>
+                <a:srgbClr val="000000"/>
+              </a:solidFill>
+              <a:latin typeface="Arial"/>
             </a:endParaRPr>
           </a:p>
         </p:txBody>
@@ -1323,11 +1323,11 @@
               </a:spcBef>
               <a:buNone/>
             </a:pPr>
-            <a:endParaRPr b="0" lang="en-US" sz="1800" spc="-1" strike="noStrike">
-              <a:solidFill>
-                <a:srgbClr val="404040"/>
-              </a:solidFill>
-              <a:latin typeface="Trebuchet MS"/>
+            <a:endParaRPr b="0" lang="en-IN" sz="3200" spc="-1" strike="noStrike">
+              <a:solidFill>
+                <a:srgbClr val="000000"/>
+              </a:solidFill>
+              <a:latin typeface="Arial"/>
             </a:endParaRPr>
           </a:p>
         </p:txBody>
@@ -1339,7 +1339,7 @@
             <a:spLocks noGrp="1"/>
           </p:cNvSpPr>
           <p:nvPr>
-            <p:ph type="ftr" idx="5"/>
+            <p:ph type="ftr" idx="4"/>
           </p:nvPr>
         </p:nvSpPr>
         <p:spPr/>
@@ -1359,14 +1359,14 @@
             <a:spLocks noGrp="1"/>
           </p:cNvSpPr>
           <p:nvPr>
-            <p:ph type="sldNum" idx="6"/>
+            <p:ph type="sldNum" idx="5"/>
           </p:nvPr>
         </p:nvSpPr>
         <p:spPr/>
         <p:txBody>
           <a:bodyPr/>
           <a:p>
-            <a:fld id="{3D442594-BAC3-4936-B44B-5568B98DDA64}" type="slidenum">
+            <a:fld id="{6FE8C1B7-53C5-4518-8EC3-76CDCF851AAD}" type="slidenum">
               <a:t>&lt;#&gt;</a:t>
             </a:fld>
           </a:p>
@@ -1379,7 +1379,7 @@
             <a:spLocks noGrp="1"/>
           </p:cNvSpPr>
           <p:nvPr>
-            <p:ph type="dt" idx="4"/>
+            <p:ph type="dt" idx="6"/>
           </p:nvPr>
         </p:nvSpPr>
         <p:spPr/>
@@ -1443,14 +1443,14 @@
             <a:noAutofit/>
           </a:bodyPr>
           <a:p>
-            <a:pPr indent="0">
+            <a:pPr indent="0" algn="ctr">
               <a:buNone/>
             </a:pPr>
-            <a:endParaRPr b="0" lang="en-US" sz="1800" spc="-1" strike="noStrike">
-              <a:solidFill>
-                <a:srgbClr val="000000"/>
-              </a:solidFill>
-              <a:latin typeface="Trebuchet MS"/>
+            <a:endParaRPr b="0" lang="en-IN" sz="4400" spc="-1" strike="noStrike">
+              <a:solidFill>
+                <a:srgbClr val="000000"/>
+              </a:solidFill>
+              <a:latin typeface="Arial"/>
             </a:endParaRPr>
           </a:p>
         </p:txBody>
@@ -1489,11 +1489,11 @@
               </a:spcBef>
               <a:buNone/>
             </a:pPr>
-            <a:endParaRPr b="0" lang="en-US" sz="1800" spc="-1" strike="noStrike">
-              <a:solidFill>
-                <a:srgbClr val="404040"/>
-              </a:solidFill>
-              <a:latin typeface="Trebuchet MS"/>
+            <a:endParaRPr b="0" lang="en-IN" sz="3200" spc="-1" strike="noStrike">
+              <a:solidFill>
+                <a:srgbClr val="000000"/>
+              </a:solidFill>
+              <a:latin typeface="Arial"/>
             </a:endParaRPr>
           </a:p>
         </p:txBody>
@@ -1532,11 +1532,11 @@
               </a:spcBef>
               <a:buNone/>
             </a:pPr>
-            <a:endParaRPr b="0" lang="en-US" sz="1800" spc="-1" strike="noStrike">
-              <a:solidFill>
-                <a:srgbClr val="404040"/>
-              </a:solidFill>
-              <a:latin typeface="Trebuchet MS"/>
+            <a:endParaRPr b="0" lang="en-IN" sz="3200" spc="-1" strike="noStrike">
+              <a:solidFill>
+                <a:srgbClr val="000000"/>
+              </a:solidFill>
+              <a:latin typeface="Arial"/>
             </a:endParaRPr>
           </a:p>
         </p:txBody>
@@ -1548,7 +1548,7 @@
             <a:spLocks noGrp="1"/>
           </p:cNvSpPr>
           <p:nvPr>
-            <p:ph type="ftr" idx="5"/>
+            <p:ph type="ftr" idx="4"/>
           </p:nvPr>
         </p:nvSpPr>
         <p:spPr/>
@@ -1568,14 +1568,14 @@
             <a:spLocks noGrp="1"/>
           </p:cNvSpPr>
           <p:nvPr>
-            <p:ph type="sldNum" idx="6"/>
+            <p:ph type="sldNum" idx="5"/>
           </p:nvPr>
         </p:nvSpPr>
         <p:spPr/>
         <p:txBody>
           <a:bodyPr/>
           <a:p>
-            <a:fld id="{CDFD8405-E7D4-40F1-ADBC-9A80AF7304FB}" type="slidenum">
+            <a:fld id="{659067F0-055B-4753-A14B-93DE95C1845C}" type="slidenum">
               <a:t>&lt;#&gt;</a:t>
             </a:fld>
           </a:p>
@@ -1588,7 +1588,7 @@
             <a:spLocks noGrp="1"/>
           </p:cNvSpPr>
           <p:nvPr>
-            <p:ph type="dt" idx="4"/>
+            <p:ph type="dt" idx="6"/>
           </p:nvPr>
         </p:nvSpPr>
         <p:spPr/>
@@ -1652,14 +1652,14 @@
             <a:noAutofit/>
           </a:bodyPr>
           <a:p>
-            <a:pPr indent="0">
+            <a:pPr indent="0" algn="ctr">
               <a:buNone/>
             </a:pPr>
-            <a:endParaRPr b="0" lang="en-US" sz="1800" spc="-1" strike="noStrike">
-              <a:solidFill>
-                <a:srgbClr val="000000"/>
-              </a:solidFill>
-              <a:latin typeface="Trebuchet MS"/>
+            <a:endParaRPr b="0" lang="en-IN" sz="4400" spc="-1" strike="noStrike">
+              <a:solidFill>
+                <a:srgbClr val="000000"/>
+              </a:solidFill>
+              <a:latin typeface="Arial"/>
             </a:endParaRPr>
           </a:p>
         </p:txBody>
@@ -1671,7 +1671,7 @@
             <a:spLocks noGrp="1"/>
           </p:cNvSpPr>
           <p:nvPr>
-            <p:ph type="ftr" idx="5"/>
+            <p:ph type="ftr" idx="4"/>
           </p:nvPr>
         </p:nvSpPr>
         <p:spPr/>
@@ -1691,14 +1691,14 @@
             <a:spLocks noGrp="1"/>
           </p:cNvSpPr>
           <p:nvPr>
-            <p:ph type="sldNum" idx="6"/>
+            <p:ph type="sldNum" idx="5"/>
           </p:nvPr>
         </p:nvSpPr>
         <p:spPr/>
         <p:txBody>
           <a:bodyPr/>
           <a:p>
-            <a:fld id="{6CFF670E-AA2D-4BED-816E-C07F50096019}" type="slidenum">
+            <a:fld id="{BCDCD15B-95B8-4998-83C7-702B9DE38647}" type="slidenum">
               <a:t>&lt;#&gt;</a:t>
             </a:fld>
           </a:p>
@@ -1711,7 +1711,7 @@
             <a:spLocks noGrp="1"/>
           </p:cNvSpPr>
           <p:nvPr>
-            <p:ph type="dt" idx="4"/>
+            <p:ph type="dt" idx="6"/>
           </p:nvPr>
         </p:nvSpPr>
         <p:spPr/>
@@ -1792,7 +1792,7 @@
             <a:spLocks noGrp="1"/>
           </p:cNvSpPr>
           <p:nvPr>
-            <p:ph type="ftr" idx="5"/>
+            <p:ph type="ftr" idx="4"/>
           </p:nvPr>
         </p:nvSpPr>
         <p:spPr/>
@@ -1812,14 +1812,14 @@
             <a:spLocks noGrp="1"/>
           </p:cNvSpPr>
           <p:nvPr>
-            <p:ph type="sldNum" idx="6"/>
+            <p:ph type="sldNum" idx="5"/>
           </p:nvPr>
         </p:nvSpPr>
         <p:spPr/>
         <p:txBody>
           <a:bodyPr/>
           <a:p>
-            <a:fld id="{B922B7D8-32D0-4221-A78C-AD8AEFF93DD5}" type="slidenum">
+            <a:fld id="{58E06EA8-2BF1-402E-95FD-76FC114506DD}" type="slidenum">
               <a:t>&lt;#&gt;</a:t>
             </a:fld>
           </a:p>
@@ -1832,7 +1832,7 @@
             <a:spLocks noGrp="1"/>
           </p:cNvSpPr>
           <p:nvPr>
-            <p:ph type="dt" idx="4"/>
+            <p:ph type="dt" idx="6"/>
           </p:nvPr>
         </p:nvSpPr>
         <p:spPr/>
@@ -1896,14 +1896,14 @@
             <a:noAutofit/>
           </a:bodyPr>
           <a:p>
-            <a:pPr indent="0">
+            <a:pPr indent="0" algn="ctr">
               <a:buNone/>
             </a:pPr>
-            <a:endParaRPr b="0" lang="en-US" sz="1800" spc="-1" strike="noStrike">
-              <a:solidFill>
-                <a:srgbClr val="000000"/>
-              </a:solidFill>
-              <a:latin typeface="Trebuchet MS"/>
+            <a:endParaRPr b="0" lang="en-IN" sz="4400" spc="-1" strike="noStrike">
+              <a:solidFill>
+                <a:srgbClr val="000000"/>
+              </a:solidFill>
+              <a:latin typeface="Arial"/>
             </a:endParaRPr>
           </a:p>
         </p:txBody>
@@ -1942,11 +1942,11 @@
               </a:spcBef>
               <a:buNone/>
             </a:pPr>
-            <a:endParaRPr b="0" lang="en-US" sz="1800" spc="-1" strike="noStrike">
-              <a:solidFill>
-                <a:srgbClr val="404040"/>
-              </a:solidFill>
-              <a:latin typeface="Trebuchet MS"/>
+            <a:endParaRPr b="0" lang="en-IN" sz="3200" spc="-1" strike="noStrike">
+              <a:solidFill>
+                <a:srgbClr val="000000"/>
+              </a:solidFill>
+              <a:latin typeface="Arial"/>
             </a:endParaRPr>
           </a:p>
         </p:txBody>
@@ -1985,11 +1985,11 @@
               </a:spcBef>
               <a:buNone/>
             </a:pPr>
-            <a:endParaRPr b="0" lang="en-US" sz="1800" spc="-1" strike="noStrike">
-              <a:solidFill>
-                <a:srgbClr val="404040"/>
-              </a:solidFill>
-              <a:latin typeface="Trebuchet MS"/>
+            <a:endParaRPr b="0" lang="en-IN" sz="3200" spc="-1" strike="noStrike">
+              <a:solidFill>
+                <a:srgbClr val="000000"/>
+              </a:solidFill>
+              <a:latin typeface="Arial"/>
             </a:endParaRPr>
           </a:p>
         </p:txBody>
@@ -2028,11 +2028,11 @@
               </a:spcBef>
               <a:buNone/>
             </a:pPr>
-            <a:endParaRPr b="0" lang="en-US" sz="1800" spc="-1" strike="noStrike">
-              <a:solidFill>
-                <a:srgbClr val="404040"/>
-              </a:solidFill>
-              <a:latin typeface="Trebuchet MS"/>
+            <a:endParaRPr b="0" lang="en-IN" sz="3200" spc="-1" strike="noStrike">
+              <a:solidFill>
+                <a:srgbClr val="000000"/>
+              </a:solidFill>
+              <a:latin typeface="Arial"/>
             </a:endParaRPr>
           </a:p>
         </p:txBody>
@@ -2044,7 +2044,7 @@
             <a:spLocks noGrp="1"/>
           </p:cNvSpPr>
           <p:nvPr>
-            <p:ph type="ftr" idx="5"/>
+            <p:ph type="ftr" idx="4"/>
           </p:nvPr>
         </p:nvSpPr>
         <p:spPr/>
@@ -2064,14 +2064,14 @@
             <a:spLocks noGrp="1"/>
           </p:cNvSpPr>
           <p:nvPr>
-            <p:ph type="sldNum" idx="6"/>
+            <p:ph type="sldNum" idx="5"/>
           </p:nvPr>
         </p:nvSpPr>
         <p:spPr/>
         <p:txBody>
           <a:bodyPr/>
           <a:p>
-            <a:fld id="{9956562C-AA2D-4076-8A18-FC0268B0D108}" type="slidenum">
+            <a:fld id="{F6349CF5-6CEE-4BD2-97FC-5B1F3871748A}" type="slidenum">
               <a:t>&lt;#&gt;</a:t>
             </a:fld>
           </a:p>
@@ -2084,7 +2084,7 @@
             <a:spLocks noGrp="1"/>
           </p:cNvSpPr>
           <p:nvPr>
-            <p:ph type="dt" idx="4"/>
+            <p:ph type="dt" idx="6"/>
           </p:nvPr>
         </p:nvSpPr>
         <p:spPr/>
@@ -2148,14 +2148,14 @@
             <a:noAutofit/>
           </a:bodyPr>
           <a:p>
-            <a:pPr indent="0">
+            <a:pPr indent="0" algn="ctr">
               <a:buNone/>
             </a:pPr>
-            <a:endParaRPr b="0" lang="en-US" sz="1800" spc="-1" strike="noStrike">
-              <a:solidFill>
-                <a:srgbClr val="000000"/>
-              </a:solidFill>
-              <a:latin typeface="Trebuchet MS"/>
+            <a:endParaRPr b="0" lang="en-IN" sz="4400" spc="-1" strike="noStrike">
+              <a:solidFill>
+                <a:srgbClr val="000000"/>
+              </a:solidFill>
+              <a:latin typeface="Arial"/>
             </a:endParaRPr>
           </a:p>
         </p:txBody>
@@ -2207,7 +2207,7 @@
             <a:spLocks noGrp="1"/>
           </p:cNvSpPr>
           <p:nvPr>
-            <p:ph type="ftr" idx="2"/>
+            <p:ph type="ftr" idx="1"/>
           </p:nvPr>
         </p:nvSpPr>
         <p:spPr/>
@@ -2227,14 +2227,14 @@
             <a:spLocks noGrp="1"/>
           </p:cNvSpPr>
           <p:nvPr>
-            <p:ph type="sldNum" idx="3"/>
+            <p:ph type="sldNum" idx="2"/>
           </p:nvPr>
         </p:nvSpPr>
         <p:spPr/>
         <p:txBody>
           <a:bodyPr/>
           <a:p>
-            <a:fld id="{5119DF86-131A-4C4A-9019-05F86C6FE007}" type="slidenum">
+            <a:fld id="{95E8DBC4-7B54-4A8E-868F-8A01BA664FF8}" type="slidenum">
               <a:t>&lt;#&gt;</a:t>
             </a:fld>
           </a:p>
@@ -2247,7 +2247,7 @@
             <a:spLocks noGrp="1"/>
           </p:cNvSpPr>
           <p:nvPr>
-            <p:ph type="dt" idx="1"/>
+            <p:ph type="dt" idx="3"/>
           </p:nvPr>
         </p:nvSpPr>
         <p:spPr/>
@@ -2311,14 +2311,14 @@
             <a:noAutofit/>
           </a:bodyPr>
           <a:p>
-            <a:pPr indent="0">
+            <a:pPr indent="0" algn="ctr">
               <a:buNone/>
             </a:pPr>
-            <a:endParaRPr b="0" lang="en-US" sz="1800" spc="-1" strike="noStrike">
-              <a:solidFill>
-                <a:srgbClr val="000000"/>
-              </a:solidFill>
-              <a:latin typeface="Trebuchet MS"/>
+            <a:endParaRPr b="0" lang="en-IN" sz="4400" spc="-1" strike="noStrike">
+              <a:solidFill>
+                <a:srgbClr val="000000"/>
+              </a:solidFill>
+              <a:latin typeface="Arial"/>
             </a:endParaRPr>
           </a:p>
         </p:txBody>
@@ -2357,11 +2357,11 @@
               </a:spcBef>
               <a:buNone/>
             </a:pPr>
-            <a:endParaRPr b="0" lang="en-US" sz="1800" spc="-1" strike="noStrike">
-              <a:solidFill>
-                <a:srgbClr val="404040"/>
-              </a:solidFill>
-              <a:latin typeface="Trebuchet MS"/>
+            <a:endParaRPr b="0" lang="en-IN" sz="3200" spc="-1" strike="noStrike">
+              <a:solidFill>
+                <a:srgbClr val="000000"/>
+              </a:solidFill>
+              <a:latin typeface="Arial"/>
             </a:endParaRPr>
           </a:p>
         </p:txBody>
@@ -2400,11 +2400,11 @@
               </a:spcBef>
               <a:buNone/>
             </a:pPr>
-            <a:endParaRPr b="0" lang="en-US" sz="1800" spc="-1" strike="noStrike">
-              <a:solidFill>
-                <a:srgbClr val="404040"/>
-              </a:solidFill>
-              <a:latin typeface="Trebuchet MS"/>
+            <a:endParaRPr b="0" lang="en-IN" sz="3200" spc="-1" strike="noStrike">
+              <a:solidFill>
+                <a:srgbClr val="000000"/>
+              </a:solidFill>
+              <a:latin typeface="Arial"/>
             </a:endParaRPr>
           </a:p>
         </p:txBody>
@@ -2443,11 +2443,11 @@
               </a:spcBef>
               <a:buNone/>
             </a:pPr>
-            <a:endParaRPr b="0" lang="en-US" sz="1800" spc="-1" strike="noStrike">
-              <a:solidFill>
-                <a:srgbClr val="404040"/>
-              </a:solidFill>
-              <a:latin typeface="Trebuchet MS"/>
+            <a:endParaRPr b="0" lang="en-IN" sz="3200" spc="-1" strike="noStrike">
+              <a:solidFill>
+                <a:srgbClr val="000000"/>
+              </a:solidFill>
+              <a:latin typeface="Arial"/>
             </a:endParaRPr>
           </a:p>
         </p:txBody>
@@ -2459,7 +2459,7 @@
             <a:spLocks noGrp="1"/>
           </p:cNvSpPr>
           <p:nvPr>
-            <p:ph type="ftr" idx="5"/>
+            <p:ph type="ftr" idx="4"/>
           </p:nvPr>
         </p:nvSpPr>
         <p:spPr/>
@@ -2479,14 +2479,14 @@
             <a:spLocks noGrp="1"/>
           </p:cNvSpPr>
           <p:nvPr>
-            <p:ph type="sldNum" idx="6"/>
+            <p:ph type="sldNum" idx="5"/>
           </p:nvPr>
         </p:nvSpPr>
         <p:spPr/>
         <p:txBody>
           <a:bodyPr/>
           <a:p>
-            <a:fld id="{3D8B8E2C-FE19-46E1-B573-EB58C2C82833}" type="slidenum">
+            <a:fld id="{7CF31E4D-1AB1-4E37-9C67-BE47AFA687F8}" type="slidenum">
               <a:t>&lt;#&gt;</a:t>
             </a:fld>
           </a:p>
@@ -2499,7 +2499,7 @@
             <a:spLocks noGrp="1"/>
           </p:cNvSpPr>
           <p:nvPr>
-            <p:ph type="dt" idx="4"/>
+            <p:ph type="dt" idx="6"/>
           </p:nvPr>
         </p:nvSpPr>
         <p:spPr/>
@@ -2563,14 +2563,14 @@
             <a:noAutofit/>
           </a:bodyPr>
           <a:p>
-            <a:pPr indent="0">
+            <a:pPr indent="0" algn="ctr">
               <a:buNone/>
             </a:pPr>
-            <a:endParaRPr b="0" lang="en-US" sz="1800" spc="-1" strike="noStrike">
-              <a:solidFill>
-                <a:srgbClr val="000000"/>
-              </a:solidFill>
-              <a:latin typeface="Trebuchet MS"/>
+            <a:endParaRPr b="0" lang="en-IN" sz="4400" spc="-1" strike="noStrike">
+              <a:solidFill>
+                <a:srgbClr val="000000"/>
+              </a:solidFill>
+              <a:latin typeface="Arial"/>
             </a:endParaRPr>
           </a:p>
         </p:txBody>
@@ -2609,11 +2609,11 @@
               </a:spcBef>
               <a:buNone/>
             </a:pPr>
-            <a:endParaRPr b="0" lang="en-US" sz="1800" spc="-1" strike="noStrike">
-              <a:solidFill>
-                <a:srgbClr val="404040"/>
-              </a:solidFill>
-              <a:latin typeface="Trebuchet MS"/>
+            <a:endParaRPr b="0" lang="en-IN" sz="3200" spc="-1" strike="noStrike">
+              <a:solidFill>
+                <a:srgbClr val="000000"/>
+              </a:solidFill>
+              <a:latin typeface="Arial"/>
             </a:endParaRPr>
           </a:p>
         </p:txBody>
@@ -2652,11 +2652,11 @@
               </a:spcBef>
               <a:buNone/>
             </a:pPr>
-            <a:endParaRPr b="0" lang="en-US" sz="1800" spc="-1" strike="noStrike">
-              <a:solidFill>
-                <a:srgbClr val="404040"/>
-              </a:solidFill>
-              <a:latin typeface="Trebuchet MS"/>
+            <a:endParaRPr b="0" lang="en-IN" sz="3200" spc="-1" strike="noStrike">
+              <a:solidFill>
+                <a:srgbClr val="000000"/>
+              </a:solidFill>
+              <a:latin typeface="Arial"/>
             </a:endParaRPr>
           </a:p>
         </p:txBody>
@@ -2695,11 +2695,11 @@
               </a:spcBef>
               <a:buNone/>
             </a:pPr>
-            <a:endParaRPr b="0" lang="en-US" sz="1800" spc="-1" strike="noStrike">
-              <a:solidFill>
-                <a:srgbClr val="404040"/>
-              </a:solidFill>
-              <a:latin typeface="Trebuchet MS"/>
+            <a:endParaRPr b="0" lang="en-IN" sz="3200" spc="-1" strike="noStrike">
+              <a:solidFill>
+                <a:srgbClr val="000000"/>
+              </a:solidFill>
+              <a:latin typeface="Arial"/>
             </a:endParaRPr>
           </a:p>
         </p:txBody>
@@ -2711,7 +2711,7 @@
             <a:spLocks noGrp="1"/>
           </p:cNvSpPr>
           <p:nvPr>
-            <p:ph type="ftr" idx="5"/>
+            <p:ph type="ftr" idx="4"/>
           </p:nvPr>
         </p:nvSpPr>
         <p:spPr/>
@@ -2731,14 +2731,14 @@
             <a:spLocks noGrp="1"/>
           </p:cNvSpPr>
           <p:nvPr>
-            <p:ph type="sldNum" idx="6"/>
+            <p:ph type="sldNum" idx="5"/>
           </p:nvPr>
         </p:nvSpPr>
         <p:spPr/>
         <p:txBody>
           <a:bodyPr/>
           <a:p>
-            <a:fld id="{1A4C5A0F-6CAB-4681-9698-0588AB4E749A}" type="slidenum">
+            <a:fld id="{B042302E-AC1E-4931-91FF-E9427BBB76E4}" type="slidenum">
               <a:t>&lt;#&gt;</a:t>
             </a:fld>
           </a:p>
@@ -2751,7 +2751,7 @@
             <a:spLocks noGrp="1"/>
           </p:cNvSpPr>
           <p:nvPr>
-            <p:ph type="dt" idx="4"/>
+            <p:ph type="dt" idx="6"/>
           </p:nvPr>
         </p:nvSpPr>
         <p:spPr/>
@@ -2815,14 +2815,14 @@
             <a:noAutofit/>
           </a:bodyPr>
           <a:p>
-            <a:pPr indent="0">
+            <a:pPr indent="0" algn="ctr">
               <a:buNone/>
             </a:pPr>
-            <a:endParaRPr b="0" lang="en-US" sz="1800" spc="-1" strike="noStrike">
-              <a:solidFill>
-                <a:srgbClr val="000000"/>
-              </a:solidFill>
-              <a:latin typeface="Trebuchet MS"/>
+            <a:endParaRPr b="0" lang="en-IN" sz="4400" spc="-1" strike="noStrike">
+              <a:solidFill>
+                <a:srgbClr val="000000"/>
+              </a:solidFill>
+              <a:latin typeface="Arial"/>
             </a:endParaRPr>
           </a:p>
         </p:txBody>
@@ -2861,11 +2861,11 @@
               </a:spcBef>
               <a:buNone/>
             </a:pPr>
-            <a:endParaRPr b="0" lang="en-US" sz="1800" spc="-1" strike="noStrike">
-              <a:solidFill>
-                <a:srgbClr val="404040"/>
-              </a:solidFill>
-              <a:latin typeface="Trebuchet MS"/>
+            <a:endParaRPr b="0" lang="en-IN" sz="3200" spc="-1" strike="noStrike">
+              <a:solidFill>
+                <a:srgbClr val="000000"/>
+              </a:solidFill>
+              <a:latin typeface="Arial"/>
             </a:endParaRPr>
           </a:p>
         </p:txBody>
@@ -2904,11 +2904,11 @@
               </a:spcBef>
               <a:buNone/>
             </a:pPr>
-            <a:endParaRPr b="0" lang="en-US" sz="1800" spc="-1" strike="noStrike">
-              <a:solidFill>
-                <a:srgbClr val="404040"/>
-              </a:solidFill>
-              <a:latin typeface="Trebuchet MS"/>
+            <a:endParaRPr b="0" lang="en-IN" sz="3200" spc="-1" strike="noStrike">
+              <a:solidFill>
+                <a:srgbClr val="000000"/>
+              </a:solidFill>
+              <a:latin typeface="Arial"/>
             </a:endParaRPr>
           </a:p>
         </p:txBody>
@@ -2920,7 +2920,7 @@
             <a:spLocks noGrp="1"/>
           </p:cNvSpPr>
           <p:nvPr>
-            <p:ph type="ftr" idx="5"/>
+            <p:ph type="ftr" idx="4"/>
           </p:nvPr>
         </p:nvSpPr>
         <p:spPr/>
@@ -2940,14 +2940,14 @@
             <a:spLocks noGrp="1"/>
           </p:cNvSpPr>
           <p:nvPr>
-            <p:ph type="sldNum" idx="6"/>
+            <p:ph type="sldNum" idx="5"/>
           </p:nvPr>
         </p:nvSpPr>
         <p:spPr/>
         <p:txBody>
           <a:bodyPr/>
           <a:p>
-            <a:fld id="{3BF2C492-6C7B-4D77-8966-B1C0E0432E92}" type="slidenum">
+            <a:fld id="{7024CDD8-F9A0-456D-A59B-36DFC2D32B15}" type="slidenum">
               <a:t>&lt;#&gt;</a:t>
             </a:fld>
           </a:p>
@@ -2960,7 +2960,7 @@
             <a:spLocks noGrp="1"/>
           </p:cNvSpPr>
           <p:nvPr>
-            <p:ph type="dt" idx="4"/>
+            <p:ph type="dt" idx="6"/>
           </p:nvPr>
         </p:nvSpPr>
         <p:spPr/>
@@ -3024,14 +3024,14 @@
             <a:noAutofit/>
           </a:bodyPr>
           <a:p>
-            <a:pPr indent="0">
+            <a:pPr indent="0" algn="ctr">
               <a:buNone/>
             </a:pPr>
-            <a:endParaRPr b="0" lang="en-US" sz="1800" spc="-1" strike="noStrike">
-              <a:solidFill>
-                <a:srgbClr val="000000"/>
-              </a:solidFill>
-              <a:latin typeface="Trebuchet MS"/>
+            <a:endParaRPr b="0" lang="en-IN" sz="4400" spc="-1" strike="noStrike">
+              <a:solidFill>
+                <a:srgbClr val="000000"/>
+              </a:solidFill>
+              <a:latin typeface="Arial"/>
             </a:endParaRPr>
           </a:p>
         </p:txBody>
@@ -3070,11 +3070,11 @@
               </a:spcBef>
               <a:buNone/>
             </a:pPr>
-            <a:endParaRPr b="0" lang="en-US" sz="1800" spc="-1" strike="noStrike">
-              <a:solidFill>
-                <a:srgbClr val="404040"/>
-              </a:solidFill>
-              <a:latin typeface="Trebuchet MS"/>
+            <a:endParaRPr b="0" lang="en-IN" sz="3200" spc="-1" strike="noStrike">
+              <a:solidFill>
+                <a:srgbClr val="000000"/>
+              </a:solidFill>
+              <a:latin typeface="Arial"/>
             </a:endParaRPr>
           </a:p>
         </p:txBody>
@@ -3113,11 +3113,11 @@
               </a:spcBef>
               <a:buNone/>
             </a:pPr>
-            <a:endParaRPr b="0" lang="en-US" sz="1800" spc="-1" strike="noStrike">
-              <a:solidFill>
-                <a:srgbClr val="404040"/>
-              </a:solidFill>
-              <a:latin typeface="Trebuchet MS"/>
+            <a:endParaRPr b="0" lang="en-IN" sz="3200" spc="-1" strike="noStrike">
+              <a:solidFill>
+                <a:srgbClr val="000000"/>
+              </a:solidFill>
+              <a:latin typeface="Arial"/>
             </a:endParaRPr>
           </a:p>
         </p:txBody>
@@ -3156,11 +3156,11 @@
               </a:spcBef>
               <a:buNone/>
             </a:pPr>
-            <a:endParaRPr b="0" lang="en-US" sz="1800" spc="-1" strike="noStrike">
-              <a:solidFill>
-                <a:srgbClr val="404040"/>
-              </a:solidFill>
-              <a:latin typeface="Trebuchet MS"/>
+            <a:endParaRPr b="0" lang="en-IN" sz="3200" spc="-1" strike="noStrike">
+              <a:solidFill>
+                <a:srgbClr val="000000"/>
+              </a:solidFill>
+              <a:latin typeface="Arial"/>
             </a:endParaRPr>
           </a:p>
         </p:txBody>
@@ -3199,11 +3199,11 @@
               </a:spcBef>
               <a:buNone/>
             </a:pPr>
-            <a:endParaRPr b="0" lang="en-US" sz="1800" spc="-1" strike="noStrike">
-              <a:solidFill>
-                <a:srgbClr val="404040"/>
-              </a:solidFill>
-              <a:latin typeface="Trebuchet MS"/>
+            <a:endParaRPr b="0" lang="en-IN" sz="3200" spc="-1" strike="noStrike">
+              <a:solidFill>
+                <a:srgbClr val="000000"/>
+              </a:solidFill>
+              <a:latin typeface="Arial"/>
             </a:endParaRPr>
           </a:p>
         </p:txBody>
@@ -3215,7 +3215,7 @@
             <a:spLocks noGrp="1"/>
           </p:cNvSpPr>
           <p:nvPr>
-            <p:ph type="ftr" idx="5"/>
+            <p:ph type="ftr" idx="4"/>
           </p:nvPr>
         </p:nvSpPr>
         <p:spPr/>
@@ -3235,14 +3235,14 @@
             <a:spLocks noGrp="1"/>
           </p:cNvSpPr>
           <p:nvPr>
-            <p:ph type="sldNum" idx="6"/>
+            <p:ph type="sldNum" idx="5"/>
           </p:nvPr>
         </p:nvSpPr>
         <p:spPr/>
         <p:txBody>
           <a:bodyPr/>
           <a:p>
-            <a:fld id="{21EAF60D-ECF5-4E14-A17A-5FF9C8B82E1D}" type="slidenum">
+            <a:fld id="{8E8D03BA-AD68-4798-ACE5-36B97687EEEF}" type="slidenum">
               <a:t>&lt;#&gt;</a:t>
             </a:fld>
           </a:p>
@@ -3255,7 +3255,7 @@
             <a:spLocks noGrp="1"/>
           </p:cNvSpPr>
           <p:nvPr>
-            <p:ph type="dt" idx="4"/>
+            <p:ph type="dt" idx="6"/>
           </p:nvPr>
         </p:nvSpPr>
         <p:spPr/>
@@ -3319,14 +3319,14 @@
             <a:noAutofit/>
           </a:bodyPr>
           <a:p>
-            <a:pPr indent="0">
+            <a:pPr indent="0" algn="ctr">
               <a:buNone/>
             </a:pPr>
-            <a:endParaRPr b="0" lang="en-US" sz="1800" spc="-1" strike="noStrike">
-              <a:solidFill>
-                <a:srgbClr val="000000"/>
-              </a:solidFill>
-              <a:latin typeface="Trebuchet MS"/>
+            <a:endParaRPr b="0" lang="en-IN" sz="4400" spc="-1" strike="noStrike">
+              <a:solidFill>
+                <a:srgbClr val="000000"/>
+              </a:solidFill>
+              <a:latin typeface="Arial"/>
             </a:endParaRPr>
           </a:p>
         </p:txBody>
@@ -3365,11 +3365,11 @@
               </a:spcBef>
               <a:buNone/>
             </a:pPr>
-            <a:endParaRPr b="0" lang="en-US" sz="1800" spc="-1" strike="noStrike">
-              <a:solidFill>
-                <a:srgbClr val="404040"/>
-              </a:solidFill>
-              <a:latin typeface="Trebuchet MS"/>
+            <a:endParaRPr b="0" lang="en-IN" sz="3200" spc="-1" strike="noStrike">
+              <a:solidFill>
+                <a:srgbClr val="000000"/>
+              </a:solidFill>
+              <a:latin typeface="Arial"/>
             </a:endParaRPr>
           </a:p>
         </p:txBody>
@@ -3408,11 +3408,11 @@
               </a:spcBef>
               <a:buNone/>
             </a:pPr>
-            <a:endParaRPr b="0" lang="en-US" sz="1800" spc="-1" strike="noStrike">
-              <a:solidFill>
-                <a:srgbClr val="404040"/>
-              </a:solidFill>
-              <a:latin typeface="Trebuchet MS"/>
+            <a:endParaRPr b="0" lang="en-IN" sz="3200" spc="-1" strike="noStrike">
+              <a:solidFill>
+                <a:srgbClr val="000000"/>
+              </a:solidFill>
+              <a:latin typeface="Arial"/>
             </a:endParaRPr>
           </a:p>
         </p:txBody>
@@ -3451,11 +3451,11 @@
               </a:spcBef>
               <a:buNone/>
             </a:pPr>
-            <a:endParaRPr b="0" lang="en-US" sz="1800" spc="-1" strike="noStrike">
-              <a:solidFill>
-                <a:srgbClr val="404040"/>
-              </a:solidFill>
-              <a:latin typeface="Trebuchet MS"/>
+            <a:endParaRPr b="0" lang="en-IN" sz="3200" spc="-1" strike="noStrike">
+              <a:solidFill>
+                <a:srgbClr val="000000"/>
+              </a:solidFill>
+              <a:latin typeface="Arial"/>
             </a:endParaRPr>
           </a:p>
         </p:txBody>
@@ -3494,11 +3494,11 @@
               </a:spcBef>
               <a:buNone/>
             </a:pPr>
-            <a:endParaRPr b="0" lang="en-US" sz="1800" spc="-1" strike="noStrike">
-              <a:solidFill>
-                <a:srgbClr val="404040"/>
-              </a:solidFill>
-              <a:latin typeface="Trebuchet MS"/>
+            <a:endParaRPr b="0" lang="en-IN" sz="3200" spc="-1" strike="noStrike">
+              <a:solidFill>
+                <a:srgbClr val="000000"/>
+              </a:solidFill>
+              <a:latin typeface="Arial"/>
             </a:endParaRPr>
           </a:p>
         </p:txBody>
@@ -3537,11 +3537,11 @@
               </a:spcBef>
               <a:buNone/>
             </a:pPr>
-            <a:endParaRPr b="0" lang="en-US" sz="1800" spc="-1" strike="noStrike">
-              <a:solidFill>
-                <a:srgbClr val="404040"/>
-              </a:solidFill>
-              <a:latin typeface="Trebuchet MS"/>
+            <a:endParaRPr b="0" lang="en-IN" sz="3200" spc="-1" strike="noStrike">
+              <a:solidFill>
+                <a:srgbClr val="000000"/>
+              </a:solidFill>
+              <a:latin typeface="Arial"/>
             </a:endParaRPr>
           </a:p>
         </p:txBody>
@@ -3580,11 +3580,11 @@
               </a:spcBef>
               <a:buNone/>
             </a:pPr>
-            <a:endParaRPr b="0" lang="en-US" sz="1800" spc="-1" strike="noStrike">
-              <a:solidFill>
-                <a:srgbClr val="404040"/>
-              </a:solidFill>
-              <a:latin typeface="Trebuchet MS"/>
+            <a:endParaRPr b="0" lang="en-IN" sz="3200" spc="-1" strike="noStrike">
+              <a:solidFill>
+                <a:srgbClr val="000000"/>
+              </a:solidFill>
+              <a:latin typeface="Arial"/>
             </a:endParaRPr>
           </a:p>
         </p:txBody>
@@ -3596,7 +3596,7 @@
             <a:spLocks noGrp="1"/>
           </p:cNvSpPr>
           <p:nvPr>
-            <p:ph type="ftr" idx="5"/>
+            <p:ph type="ftr" idx="4"/>
           </p:nvPr>
         </p:nvSpPr>
         <p:spPr/>
@@ -3616,14 +3616,14 @@
             <a:spLocks noGrp="1"/>
           </p:cNvSpPr>
           <p:nvPr>
-            <p:ph type="sldNum" idx="6"/>
+            <p:ph type="sldNum" idx="5"/>
           </p:nvPr>
         </p:nvSpPr>
         <p:spPr/>
         <p:txBody>
           <a:bodyPr/>
           <a:p>
-            <a:fld id="{99EB537A-CDA6-489E-8A98-296E756300EC}" type="slidenum">
+            <a:fld id="{312985F4-0891-46B2-BBE3-15CF378A22C9}" type="slidenum">
               <a:t>&lt;#&gt;</a:t>
             </a:fld>
           </a:p>
@@ -3636,7 +3636,7 @@
             <a:spLocks noGrp="1"/>
           </p:cNvSpPr>
           <p:nvPr>
-            <p:ph type="dt" idx="4"/>
+            <p:ph type="dt" idx="6"/>
           </p:nvPr>
         </p:nvSpPr>
         <p:spPr/>
@@ -3700,14 +3700,14 @@
             <a:noAutofit/>
           </a:bodyPr>
           <a:p>
-            <a:pPr indent="0">
+            <a:pPr indent="0" algn="ctr">
               <a:buNone/>
             </a:pPr>
-            <a:endParaRPr b="0" lang="en-US" sz="1800" spc="-1" strike="noStrike">
-              <a:solidFill>
-                <a:srgbClr val="000000"/>
-              </a:solidFill>
-              <a:latin typeface="Trebuchet MS"/>
+            <a:endParaRPr b="0" lang="en-IN" sz="4400" spc="-1" strike="noStrike">
+              <a:solidFill>
+                <a:srgbClr val="000000"/>
+              </a:solidFill>
+              <a:latin typeface="Arial"/>
             </a:endParaRPr>
           </a:p>
         </p:txBody>
@@ -3746,11 +3746,11 @@
               </a:spcBef>
               <a:buNone/>
             </a:pPr>
-            <a:endParaRPr b="0" lang="en-US" sz="1800" spc="-1" strike="noStrike">
-              <a:solidFill>
-                <a:srgbClr val="404040"/>
-              </a:solidFill>
-              <a:latin typeface="Trebuchet MS"/>
+            <a:endParaRPr b="0" lang="en-IN" sz="3200" spc="-1" strike="noStrike">
+              <a:solidFill>
+                <a:srgbClr val="000000"/>
+              </a:solidFill>
+              <a:latin typeface="Arial"/>
             </a:endParaRPr>
           </a:p>
         </p:txBody>
@@ -3762,7 +3762,7 @@
             <a:spLocks noGrp="1"/>
           </p:cNvSpPr>
           <p:nvPr>
-            <p:ph type="ftr" idx="2"/>
+            <p:ph type="ftr" idx="1"/>
           </p:nvPr>
         </p:nvSpPr>
         <p:spPr/>
@@ -3782,14 +3782,14 @@
             <a:spLocks noGrp="1"/>
           </p:cNvSpPr>
           <p:nvPr>
-            <p:ph type="sldNum" idx="3"/>
+            <p:ph type="sldNum" idx="2"/>
           </p:nvPr>
         </p:nvSpPr>
         <p:spPr/>
         <p:txBody>
           <a:bodyPr/>
           <a:p>
-            <a:fld id="{9B43A99E-88F9-42A5-B48D-85D581E673F5}" type="slidenum">
+            <a:fld id="{DBFD544B-AFBE-4289-B7E1-07E1B7C7582C}" type="slidenum">
               <a:t>&lt;#&gt;</a:t>
             </a:fld>
           </a:p>
@@ -3802,7 +3802,7 @@
             <a:spLocks noGrp="1"/>
           </p:cNvSpPr>
           <p:nvPr>
-            <p:ph type="dt" idx="1"/>
+            <p:ph type="dt" idx="3"/>
           </p:nvPr>
         </p:nvSpPr>
         <p:spPr/>
@@ -3866,14 +3866,14 @@
             <a:noAutofit/>
           </a:bodyPr>
           <a:p>
-            <a:pPr indent="0">
+            <a:pPr indent="0" algn="ctr">
               <a:buNone/>
             </a:pPr>
-            <a:endParaRPr b="0" lang="en-US" sz="1800" spc="-1" strike="noStrike">
-              <a:solidFill>
-                <a:srgbClr val="000000"/>
-              </a:solidFill>
-              <a:latin typeface="Trebuchet MS"/>
+            <a:endParaRPr b="0" lang="en-IN" sz="4400" spc="-1" strike="noStrike">
+              <a:solidFill>
+                <a:srgbClr val="000000"/>
+              </a:solidFill>
+              <a:latin typeface="Arial"/>
             </a:endParaRPr>
           </a:p>
         </p:txBody>
@@ -3912,11 +3912,11 @@
               </a:spcBef>
               <a:buNone/>
             </a:pPr>
-            <a:endParaRPr b="0" lang="en-US" sz="1800" spc="-1" strike="noStrike">
-              <a:solidFill>
-                <a:srgbClr val="404040"/>
-              </a:solidFill>
-              <a:latin typeface="Trebuchet MS"/>
+            <a:endParaRPr b="0" lang="en-IN" sz="3200" spc="-1" strike="noStrike">
+              <a:solidFill>
+                <a:srgbClr val="000000"/>
+              </a:solidFill>
+              <a:latin typeface="Arial"/>
             </a:endParaRPr>
           </a:p>
         </p:txBody>
@@ -3955,11 +3955,11 @@
               </a:spcBef>
               <a:buNone/>
             </a:pPr>
-            <a:endParaRPr b="0" lang="en-US" sz="1800" spc="-1" strike="noStrike">
-              <a:solidFill>
-                <a:srgbClr val="404040"/>
-              </a:solidFill>
-              <a:latin typeface="Trebuchet MS"/>
+            <a:endParaRPr b="0" lang="en-IN" sz="3200" spc="-1" strike="noStrike">
+              <a:solidFill>
+                <a:srgbClr val="000000"/>
+              </a:solidFill>
+              <a:latin typeface="Arial"/>
             </a:endParaRPr>
           </a:p>
         </p:txBody>
@@ -3971,7 +3971,7 @@
             <a:spLocks noGrp="1"/>
           </p:cNvSpPr>
           <p:nvPr>
-            <p:ph type="ftr" idx="2"/>
+            <p:ph type="ftr" idx="1"/>
           </p:nvPr>
         </p:nvSpPr>
         <p:spPr/>
@@ -3991,14 +3991,14 @@
             <a:spLocks noGrp="1"/>
           </p:cNvSpPr>
           <p:nvPr>
-            <p:ph type="sldNum" idx="3"/>
+            <p:ph type="sldNum" idx="2"/>
           </p:nvPr>
         </p:nvSpPr>
         <p:spPr/>
         <p:txBody>
           <a:bodyPr/>
           <a:p>
-            <a:fld id="{0000C314-FAE3-4A73-A940-981DDB2AA0FD}" type="slidenum">
+            <a:fld id="{832EED47-A5F5-4836-A436-ADB5C871406E}" type="slidenum">
               <a:t>&lt;#&gt;</a:t>
             </a:fld>
           </a:p>
@@ -4011,7 +4011,7 @@
             <a:spLocks noGrp="1"/>
           </p:cNvSpPr>
           <p:nvPr>
-            <p:ph type="dt" idx="1"/>
+            <p:ph type="dt" idx="3"/>
           </p:nvPr>
         </p:nvSpPr>
         <p:spPr/>
@@ -4075,14 +4075,14 @@
             <a:noAutofit/>
           </a:bodyPr>
           <a:p>
-            <a:pPr indent="0">
+            <a:pPr indent="0" algn="ctr">
               <a:buNone/>
             </a:pPr>
-            <a:endParaRPr b="0" lang="en-US" sz="1800" spc="-1" strike="noStrike">
-              <a:solidFill>
-                <a:srgbClr val="000000"/>
-              </a:solidFill>
-              <a:latin typeface="Trebuchet MS"/>
+            <a:endParaRPr b="0" lang="en-IN" sz="4400" spc="-1" strike="noStrike">
+              <a:solidFill>
+                <a:srgbClr val="000000"/>
+              </a:solidFill>
+              <a:latin typeface="Arial"/>
             </a:endParaRPr>
           </a:p>
         </p:txBody>
@@ -4094,7 +4094,7 @@
             <a:spLocks noGrp="1"/>
           </p:cNvSpPr>
           <p:nvPr>
-            <p:ph type="ftr" idx="2"/>
+            <p:ph type="ftr" idx="1"/>
           </p:nvPr>
         </p:nvSpPr>
         <p:spPr/>
@@ -4114,14 +4114,14 @@
             <a:spLocks noGrp="1"/>
           </p:cNvSpPr>
           <p:nvPr>
-            <p:ph type="sldNum" idx="3"/>
+            <p:ph type="sldNum" idx="2"/>
           </p:nvPr>
         </p:nvSpPr>
         <p:spPr/>
         <p:txBody>
           <a:bodyPr/>
           <a:p>
-            <a:fld id="{C9B14C92-8BE2-47E5-BEC1-5DE55B9C3F34}" type="slidenum">
+            <a:fld id="{34FCA244-E436-45F0-BDA7-AC702DFC3CF9}" type="slidenum">
               <a:t>&lt;#&gt;</a:t>
             </a:fld>
           </a:p>
@@ -4134,7 +4134,7 @@
             <a:spLocks noGrp="1"/>
           </p:cNvSpPr>
           <p:nvPr>
-            <p:ph type="dt" idx="1"/>
+            <p:ph type="dt" idx="3"/>
           </p:nvPr>
         </p:nvSpPr>
         <p:spPr/>
@@ -4215,7 +4215,7 @@
             <a:spLocks noGrp="1"/>
           </p:cNvSpPr>
           <p:nvPr>
-            <p:ph type="ftr" idx="2"/>
+            <p:ph type="ftr" idx="1"/>
           </p:nvPr>
         </p:nvSpPr>
         <p:spPr/>
@@ -4235,14 +4235,14 @@
             <a:spLocks noGrp="1"/>
           </p:cNvSpPr>
           <p:nvPr>
-            <p:ph type="sldNum" idx="3"/>
+            <p:ph type="sldNum" idx="2"/>
           </p:nvPr>
         </p:nvSpPr>
         <p:spPr/>
         <p:txBody>
           <a:bodyPr/>
           <a:p>
-            <a:fld id="{2E2F48A0-EB0E-4FB9-9BD3-8CFC65DE08EA}" type="slidenum">
+            <a:fld id="{21DCC4A9-E05A-409A-A43C-5BAE57924A72}" type="slidenum">
               <a:t>&lt;#&gt;</a:t>
             </a:fld>
           </a:p>
@@ -4255,7 +4255,7 @@
             <a:spLocks noGrp="1"/>
           </p:cNvSpPr>
           <p:nvPr>
-            <p:ph type="dt" idx="1"/>
+            <p:ph type="dt" idx="3"/>
           </p:nvPr>
         </p:nvSpPr>
         <p:spPr/>
@@ -4319,14 +4319,14 @@
             <a:noAutofit/>
           </a:bodyPr>
           <a:p>
-            <a:pPr indent="0">
+            <a:pPr indent="0" algn="ctr">
               <a:buNone/>
             </a:pPr>
-            <a:endParaRPr b="0" lang="en-US" sz="1800" spc="-1" strike="noStrike">
-              <a:solidFill>
-                <a:srgbClr val="000000"/>
-              </a:solidFill>
-              <a:latin typeface="Trebuchet MS"/>
+            <a:endParaRPr b="0" lang="en-IN" sz="4400" spc="-1" strike="noStrike">
+              <a:solidFill>
+                <a:srgbClr val="000000"/>
+              </a:solidFill>
+              <a:latin typeface="Arial"/>
             </a:endParaRPr>
           </a:p>
         </p:txBody>
@@ -4365,11 +4365,11 @@
               </a:spcBef>
               <a:buNone/>
             </a:pPr>
-            <a:endParaRPr b="0" lang="en-US" sz="1800" spc="-1" strike="noStrike">
-              <a:solidFill>
-                <a:srgbClr val="404040"/>
-              </a:solidFill>
-              <a:latin typeface="Trebuchet MS"/>
+            <a:endParaRPr b="0" lang="en-IN" sz="3200" spc="-1" strike="noStrike">
+              <a:solidFill>
+                <a:srgbClr val="000000"/>
+              </a:solidFill>
+              <a:latin typeface="Arial"/>
             </a:endParaRPr>
           </a:p>
         </p:txBody>
@@ -4408,11 +4408,11 @@
               </a:spcBef>
               <a:buNone/>
             </a:pPr>
-            <a:endParaRPr b="0" lang="en-US" sz="1800" spc="-1" strike="noStrike">
-              <a:solidFill>
-                <a:srgbClr val="404040"/>
-              </a:solidFill>
-              <a:latin typeface="Trebuchet MS"/>
+            <a:endParaRPr b="0" lang="en-IN" sz="3200" spc="-1" strike="noStrike">
+              <a:solidFill>
+                <a:srgbClr val="000000"/>
+              </a:solidFill>
+              <a:latin typeface="Arial"/>
             </a:endParaRPr>
           </a:p>
         </p:txBody>
@@ -4451,11 +4451,11 @@
               </a:spcBef>
               <a:buNone/>
             </a:pPr>
-            <a:endParaRPr b="0" lang="en-US" sz="1800" spc="-1" strike="noStrike">
-              <a:solidFill>
-                <a:srgbClr val="404040"/>
-              </a:solidFill>
-              <a:latin typeface="Trebuchet MS"/>
+            <a:endParaRPr b="0" lang="en-IN" sz="3200" spc="-1" strike="noStrike">
+              <a:solidFill>
+                <a:srgbClr val="000000"/>
+              </a:solidFill>
+              <a:latin typeface="Arial"/>
             </a:endParaRPr>
           </a:p>
         </p:txBody>
@@ -4467,7 +4467,7 @@
             <a:spLocks noGrp="1"/>
           </p:cNvSpPr>
           <p:nvPr>
-            <p:ph type="ftr" idx="2"/>
+            <p:ph type="ftr" idx="1"/>
           </p:nvPr>
         </p:nvSpPr>
         <p:spPr/>
@@ -4487,14 +4487,14 @@
             <a:spLocks noGrp="1"/>
           </p:cNvSpPr>
           <p:nvPr>
-            <p:ph type="sldNum" idx="3"/>
+            <p:ph type="sldNum" idx="2"/>
           </p:nvPr>
         </p:nvSpPr>
         <p:spPr/>
         <p:txBody>
           <a:bodyPr/>
           <a:p>
-            <a:fld id="{FFEE6669-2561-41BF-99DF-6DF2A7B8E6DC}" type="slidenum">
+            <a:fld id="{58AECC43-E437-4351-8612-B4A50FA59D53}" type="slidenum">
               <a:t>&lt;#&gt;</a:t>
             </a:fld>
           </a:p>
@@ -4507,7 +4507,7 @@
             <a:spLocks noGrp="1"/>
           </p:cNvSpPr>
           <p:nvPr>
-            <p:ph type="dt" idx="1"/>
+            <p:ph type="dt" idx="3"/>
           </p:nvPr>
         </p:nvSpPr>
         <p:spPr/>
@@ -4571,14 +4571,14 @@
             <a:noAutofit/>
           </a:bodyPr>
           <a:p>
-            <a:pPr indent="0">
+            <a:pPr indent="0" algn="ctr">
               <a:buNone/>
             </a:pPr>
-            <a:endParaRPr b="0" lang="en-US" sz="1800" spc="-1" strike="noStrike">
-              <a:solidFill>
-                <a:srgbClr val="000000"/>
-              </a:solidFill>
-              <a:latin typeface="Trebuchet MS"/>
+            <a:endParaRPr b="0" lang="en-IN" sz="4400" spc="-1" strike="noStrike">
+              <a:solidFill>
+                <a:srgbClr val="000000"/>
+              </a:solidFill>
+              <a:latin typeface="Arial"/>
             </a:endParaRPr>
           </a:p>
         </p:txBody>
@@ -4617,11 +4617,11 @@
               </a:spcBef>
               <a:buNone/>
             </a:pPr>
-            <a:endParaRPr b="0" lang="en-US" sz="1800" spc="-1" strike="noStrike">
-              <a:solidFill>
-                <a:srgbClr val="404040"/>
-              </a:solidFill>
-              <a:latin typeface="Trebuchet MS"/>
+            <a:endParaRPr b="0" lang="en-IN" sz="3200" spc="-1" strike="noStrike">
+              <a:solidFill>
+                <a:srgbClr val="000000"/>
+              </a:solidFill>
+              <a:latin typeface="Arial"/>
             </a:endParaRPr>
           </a:p>
         </p:txBody>
@@ -4660,11 +4660,11 @@
               </a:spcBef>
               <a:buNone/>
             </a:pPr>
-            <a:endParaRPr b="0" lang="en-US" sz="1800" spc="-1" strike="noStrike">
-              <a:solidFill>
-                <a:srgbClr val="404040"/>
-              </a:solidFill>
-              <a:latin typeface="Trebuchet MS"/>
+            <a:endParaRPr b="0" lang="en-IN" sz="3200" spc="-1" strike="noStrike">
+              <a:solidFill>
+                <a:srgbClr val="000000"/>
+              </a:solidFill>
+              <a:latin typeface="Arial"/>
             </a:endParaRPr>
           </a:p>
         </p:txBody>
@@ -4703,11 +4703,11 @@
               </a:spcBef>
               <a:buNone/>
             </a:pPr>
-            <a:endParaRPr b="0" lang="en-US" sz="1800" spc="-1" strike="noStrike">
-              <a:solidFill>
-                <a:srgbClr val="404040"/>
-              </a:solidFill>
-              <a:latin typeface="Trebuchet MS"/>
+            <a:endParaRPr b="0" lang="en-IN" sz="3200" spc="-1" strike="noStrike">
+              <a:solidFill>
+                <a:srgbClr val="000000"/>
+              </a:solidFill>
+              <a:latin typeface="Arial"/>
             </a:endParaRPr>
           </a:p>
         </p:txBody>
@@ -4719,7 +4719,7 @@
             <a:spLocks noGrp="1"/>
           </p:cNvSpPr>
           <p:nvPr>
-            <p:ph type="ftr" idx="2"/>
+            <p:ph type="ftr" idx="1"/>
           </p:nvPr>
         </p:nvSpPr>
         <p:spPr/>
@@ -4739,14 +4739,14 @@
             <a:spLocks noGrp="1"/>
           </p:cNvSpPr>
           <p:nvPr>
-            <p:ph type="sldNum" idx="3"/>
+            <p:ph type="sldNum" idx="2"/>
           </p:nvPr>
         </p:nvSpPr>
         <p:spPr/>
         <p:txBody>
           <a:bodyPr/>
           <a:p>
-            <a:fld id="{D63F80D0-2BF9-4A61-81D5-ADD86EF7D9C7}" type="slidenum">
+            <a:fld id="{950C7872-951E-400A-9671-D1D6C4DF9759}" type="slidenum">
               <a:t>&lt;#&gt;</a:t>
             </a:fld>
           </a:p>
@@ -4759,7 +4759,7 @@
             <a:spLocks noGrp="1"/>
           </p:cNvSpPr>
           <p:nvPr>
-            <p:ph type="dt" idx="1"/>
+            <p:ph type="dt" idx="3"/>
           </p:nvPr>
         </p:nvSpPr>
         <p:spPr/>
@@ -4823,14 +4823,14 @@
             <a:noAutofit/>
           </a:bodyPr>
           <a:p>
-            <a:pPr indent="0">
+            <a:pPr indent="0" algn="ctr">
               <a:buNone/>
             </a:pPr>
-            <a:endParaRPr b="0" lang="en-US" sz="1800" spc="-1" strike="noStrike">
-              <a:solidFill>
-                <a:srgbClr val="000000"/>
-              </a:solidFill>
-              <a:latin typeface="Trebuchet MS"/>
+            <a:endParaRPr b="0" lang="en-IN" sz="4400" spc="-1" strike="noStrike">
+              <a:solidFill>
+                <a:srgbClr val="000000"/>
+              </a:solidFill>
+              <a:latin typeface="Arial"/>
             </a:endParaRPr>
           </a:p>
         </p:txBody>
@@ -4869,11 +4869,11 @@
               </a:spcBef>
               <a:buNone/>
             </a:pPr>
-            <a:endParaRPr b="0" lang="en-US" sz="1800" spc="-1" strike="noStrike">
-              <a:solidFill>
-                <a:srgbClr val="404040"/>
-              </a:solidFill>
-              <a:latin typeface="Trebuchet MS"/>
+            <a:endParaRPr b="0" lang="en-IN" sz="3200" spc="-1" strike="noStrike">
+              <a:solidFill>
+                <a:srgbClr val="000000"/>
+              </a:solidFill>
+              <a:latin typeface="Arial"/>
             </a:endParaRPr>
           </a:p>
         </p:txBody>
@@ -4912,11 +4912,11 @@
               </a:spcBef>
               <a:buNone/>
             </a:pPr>
-            <a:endParaRPr b="0" lang="en-US" sz="1800" spc="-1" strike="noStrike">
-              <a:solidFill>
-                <a:srgbClr val="404040"/>
-              </a:solidFill>
-              <a:latin typeface="Trebuchet MS"/>
+            <a:endParaRPr b="0" lang="en-IN" sz="3200" spc="-1" strike="noStrike">
+              <a:solidFill>
+                <a:srgbClr val="000000"/>
+              </a:solidFill>
+              <a:latin typeface="Arial"/>
             </a:endParaRPr>
           </a:p>
         </p:txBody>
@@ -4955,11 +4955,11 @@
               </a:spcBef>
               <a:buNone/>
             </a:pPr>
-            <a:endParaRPr b="0" lang="en-US" sz="1800" spc="-1" strike="noStrike">
-              <a:solidFill>
-                <a:srgbClr val="404040"/>
-              </a:solidFill>
-              <a:latin typeface="Trebuchet MS"/>
+            <a:endParaRPr b="0" lang="en-IN" sz="3200" spc="-1" strike="noStrike">
+              <a:solidFill>
+                <a:srgbClr val="000000"/>
+              </a:solidFill>
+              <a:latin typeface="Arial"/>
             </a:endParaRPr>
           </a:p>
         </p:txBody>
@@ -4971,7 +4971,7 @@
             <a:spLocks noGrp="1"/>
           </p:cNvSpPr>
           <p:nvPr>
-            <p:ph type="ftr" idx="2"/>
+            <p:ph type="ftr" idx="1"/>
           </p:nvPr>
         </p:nvSpPr>
         <p:spPr/>
@@ -4991,14 +4991,14 @@
             <a:spLocks noGrp="1"/>
           </p:cNvSpPr>
           <p:nvPr>
-            <p:ph type="sldNum" idx="3"/>
+            <p:ph type="sldNum" idx="2"/>
           </p:nvPr>
         </p:nvSpPr>
         <p:spPr/>
         <p:txBody>
           <a:bodyPr/>
           <a:p>
-            <a:fld id="{2083DFE4-E4E2-44F9-8B55-ED65C57C008F}" type="slidenum">
+            <a:fld id="{1302BA52-A6C2-4999-B03D-63683B6F7E96}" type="slidenum">
               <a:t>&lt;#&gt;</a:t>
             </a:fld>
           </a:p>
@@ -5011,7 +5011,7 @@
             <a:spLocks noGrp="1"/>
           </p:cNvSpPr>
           <p:nvPr>
-            <p:ph type="dt" idx="1"/>
+            <p:ph type="dt" idx="3"/>
           </p:nvPr>
         </p:nvSpPr>
         <p:spPr/>
@@ -5063,9 +5063,9 @@
         <p:grpSpPr>
           <a:xfrm>
             <a:off x="0" y="-8640"/>
-            <a:ext cx="12191760" cy="6866640"/>
+            <a:ext cx="12191400" cy="6867000"/>
             <a:chOff x="0" y="-8640"/>
-            <a:chExt cx="12191760" cy="6866640"/>
+            <a:chExt cx="12191400" cy="6867000"/>
           </a:xfrm>
         </p:grpSpPr>
         <p:cxnSp>
@@ -5077,7 +5077,7 @@
           <p:spPr>
             <a:xfrm>
               <a:off x="9370800" y="0"/>
-              <a:ext cx="1219680" cy="6858360"/>
+              <a:ext cx="1220040" cy="6858720"/>
             </a:xfrm>
             <a:prstGeom prst="straightConnector1">
               <a:avLst/>
@@ -5101,7 +5101,7 @@
           <p:spPr>
             <a:xfrm flipH="1">
               <a:off x="7425000" y="3681360"/>
-              <a:ext cx="4763880" cy="3177000"/>
+              <a:ext cx="4764240" cy="3177360"/>
             </a:xfrm>
             <a:prstGeom prst="straightConnector1">
               <a:avLst/>
@@ -5125,15 +5125,15 @@
           <p:spPr>
             <a:xfrm>
               <a:off x="9181440" y="-8640"/>
-              <a:ext cx="3007080" cy="6866280"/>
+              <a:ext cx="3006720" cy="6865920"/>
             </a:xfrm>
             <a:custGeom>
               <a:avLst/>
               <a:gdLst>
-                <a:gd name="textAreaLeft" fmla="*/ 0 w 3007080"/>
-                <a:gd name="textAreaRight" fmla="*/ 3007440 w 3007080"/>
-                <a:gd name="textAreaTop" fmla="*/ 0 h 6866280"/>
-                <a:gd name="textAreaBottom" fmla="*/ 6866640 h 6866280"/>
+                <a:gd name="textAreaLeft" fmla="*/ 0 w 3006720"/>
+                <a:gd name="textAreaRight" fmla="*/ 3007440 w 3006720"/>
+                <a:gd name="textAreaTop" fmla="*/ 0 h 6865920"/>
+                <a:gd name="textAreaBottom" fmla="*/ 6866640 h 6865920"/>
               </a:gdLst>
               <a:ahLst/>
               <a:rect l="textAreaLeft" t="textAreaTop" r="textAreaRight" b="textAreaBottom"/>
@@ -5201,6 +5201,7 @@
                   <a:schemeClr val="lt1"/>
                 </a:solidFill>
                 <a:latin typeface="Trebuchet MS"/>
+                <a:ea typeface="DejaVu Sans"/>
               </a:endParaRPr>
             </a:p>
           </p:txBody>
@@ -5214,15 +5215,15 @@
           <p:spPr>
             <a:xfrm>
               <a:off x="9603360" y="-8640"/>
-              <a:ext cx="2588040" cy="6866280"/>
+              <a:ext cx="2587680" cy="6865920"/>
             </a:xfrm>
             <a:custGeom>
               <a:avLst/>
               <a:gdLst>
-                <a:gd name="textAreaLeft" fmla="*/ 0 w 2588040"/>
-                <a:gd name="textAreaRight" fmla="*/ 2588400 w 2588040"/>
-                <a:gd name="textAreaTop" fmla="*/ 0 h 6866280"/>
-                <a:gd name="textAreaBottom" fmla="*/ 6866640 h 6866280"/>
+                <a:gd name="textAreaLeft" fmla="*/ 0 w 2587680"/>
+                <a:gd name="textAreaRight" fmla="*/ 2588400 w 2587680"/>
+                <a:gd name="textAreaTop" fmla="*/ 0 h 6865920"/>
+                <a:gd name="textAreaBottom" fmla="*/ 6866640 h 6865920"/>
               </a:gdLst>
               <a:ahLst/>
               <a:rect l="textAreaLeft" t="textAreaTop" r="textAreaRight" b="textAreaBottom"/>
@@ -5290,6 +5291,7 @@
                   <a:schemeClr val="lt1"/>
                 </a:solidFill>
                 <a:latin typeface="Trebuchet MS"/>
+                <a:ea typeface="DejaVu Sans"/>
               </a:endParaRPr>
             </a:p>
           </p:txBody>
@@ -5303,7 +5305,7 @@
           <p:spPr>
             <a:xfrm>
               <a:off x="8932320" y="3048120"/>
-              <a:ext cx="3259440" cy="3809520"/>
+              <a:ext cx="3259080" cy="3809160"/>
             </a:xfrm>
             <a:prstGeom prst="triangle">
               <a:avLst>
@@ -5354,6 +5356,7 @@
                   <a:schemeClr val="lt1"/>
                 </a:solidFill>
                 <a:latin typeface="Trebuchet MS"/>
+                <a:ea typeface="DejaVu Sans"/>
               </a:endParaRPr>
             </a:p>
           </p:txBody>
@@ -5367,15 +5370,15 @@
           <p:spPr>
             <a:xfrm>
               <a:off x="9334440" y="-8640"/>
-              <a:ext cx="2854080" cy="6866280"/>
+              <a:ext cx="2853720" cy="6865920"/>
             </a:xfrm>
             <a:custGeom>
               <a:avLst/>
               <a:gdLst>
-                <a:gd name="textAreaLeft" fmla="*/ 0 w 2854080"/>
-                <a:gd name="textAreaRight" fmla="*/ 2854440 w 2854080"/>
-                <a:gd name="textAreaTop" fmla="*/ 0 h 6866280"/>
-                <a:gd name="textAreaBottom" fmla="*/ 6866640 h 6866280"/>
+                <a:gd name="textAreaLeft" fmla="*/ 0 w 2853720"/>
+                <a:gd name="textAreaRight" fmla="*/ 2854440 w 2853720"/>
+                <a:gd name="textAreaTop" fmla="*/ 0 h 6865920"/>
+                <a:gd name="textAreaBottom" fmla="*/ 6866640 h 6865920"/>
               </a:gdLst>
               <a:ahLst/>
               <a:rect l="textAreaLeft" t="textAreaTop" r="textAreaRight" b="textAreaBottom"/>
@@ -5444,6 +5447,7 @@
                   <a:schemeClr val="lt1"/>
                 </a:solidFill>
                 <a:latin typeface="Trebuchet MS"/>
+                <a:ea typeface="DejaVu Sans"/>
               </a:endParaRPr>
             </a:p>
           </p:txBody>
@@ -5457,15 +5461,15 @@
           <p:spPr>
             <a:xfrm>
               <a:off x="10898640" y="-8640"/>
-              <a:ext cx="1289880" cy="6866280"/>
+              <a:ext cx="1289520" cy="6865920"/>
             </a:xfrm>
             <a:custGeom>
               <a:avLst/>
               <a:gdLst>
-                <a:gd name="textAreaLeft" fmla="*/ 0 w 1289880"/>
-                <a:gd name="textAreaRight" fmla="*/ 1290240 w 1289880"/>
-                <a:gd name="textAreaTop" fmla="*/ 0 h 6866280"/>
-                <a:gd name="textAreaBottom" fmla="*/ 6866640 h 6866280"/>
+                <a:gd name="textAreaLeft" fmla="*/ 0 w 1289520"/>
+                <a:gd name="textAreaRight" fmla="*/ 1290240 w 1289520"/>
+                <a:gd name="textAreaTop" fmla="*/ 0 h 6865920"/>
+                <a:gd name="textAreaBottom" fmla="*/ 6866640 h 6865920"/>
               </a:gdLst>
               <a:ahLst/>
               <a:rect l="textAreaLeft" t="textAreaTop" r="textAreaRight" b="textAreaBottom"/>
@@ -5533,6 +5537,7 @@
                   <a:schemeClr val="lt1"/>
                 </a:solidFill>
                 <a:latin typeface="Trebuchet MS"/>
+                <a:ea typeface="DejaVu Sans"/>
               </a:endParaRPr>
             </a:p>
           </p:txBody>
@@ -5546,15 +5551,15 @@
           <p:spPr>
             <a:xfrm>
               <a:off x="10938960" y="-8640"/>
-              <a:ext cx="1249560" cy="6866280"/>
+              <a:ext cx="1249200" cy="6865920"/>
             </a:xfrm>
             <a:custGeom>
               <a:avLst/>
               <a:gdLst>
-                <a:gd name="textAreaLeft" fmla="*/ 0 w 1249560"/>
-                <a:gd name="textAreaRight" fmla="*/ 1249920 w 1249560"/>
-                <a:gd name="textAreaTop" fmla="*/ 0 h 6866280"/>
-                <a:gd name="textAreaBottom" fmla="*/ 6866640 h 6866280"/>
+                <a:gd name="textAreaLeft" fmla="*/ 0 w 1249200"/>
+                <a:gd name="textAreaRight" fmla="*/ 1249920 w 1249200"/>
+                <a:gd name="textAreaTop" fmla="*/ 0 h 6865920"/>
+                <a:gd name="textAreaBottom" fmla="*/ 6866640 h 6865920"/>
               </a:gdLst>
               <a:ahLst/>
               <a:rect l="textAreaLeft" t="textAreaTop" r="textAreaRight" b="textAreaBottom"/>
@@ -5623,6 +5628,7 @@
                   <a:schemeClr val="lt1"/>
                 </a:solidFill>
                 <a:latin typeface="Trebuchet MS"/>
+                <a:ea typeface="DejaVu Sans"/>
               </a:endParaRPr>
             </a:p>
           </p:txBody>
@@ -5636,7 +5642,7 @@
           <p:spPr>
             <a:xfrm>
               <a:off x="10371600" y="3589920"/>
-              <a:ext cx="1816920" cy="3267720"/>
+              <a:ext cx="1816560" cy="3267360"/>
             </a:xfrm>
             <a:prstGeom prst="triangle">
               <a:avLst>
@@ -5687,6 +5693,7 @@
                   <a:schemeClr val="lt1"/>
                 </a:solidFill>
                 <a:latin typeface="Trebuchet MS"/>
+                <a:ea typeface="DejaVu Sans"/>
               </a:endParaRPr>
             </a:p>
           </p:txBody>
@@ -5700,7 +5707,7 @@
           <p:spPr>
             <a:xfrm>
               <a:off x="0" y="4013280"/>
-              <a:ext cx="448200" cy="2844360"/>
+              <a:ext cx="447840" cy="2844000"/>
             </a:xfrm>
             <a:prstGeom prst="triangle">
               <a:avLst>
@@ -5750,6 +5757,7 @@
                   <a:schemeClr val="lt1"/>
                 </a:solidFill>
                 <a:latin typeface="Trebuchet MS"/>
+                <a:ea typeface="DejaVu Sans"/>
               </a:endParaRPr>
             </a:p>
           </p:txBody>
@@ -5764,9 +5772,9 @@
         <p:grpSpPr>
           <a:xfrm>
             <a:off x="0" y="-8640"/>
-            <a:ext cx="12191760" cy="6866640"/>
+            <a:ext cx="12191400" cy="6867000"/>
             <a:chOff x="0" y="-8640"/>
-            <a:chExt cx="12191760" cy="6866640"/>
+            <a:chExt cx="12191400" cy="6867000"/>
           </a:xfrm>
         </p:grpSpPr>
         <p:sp>
@@ -5778,15 +5786,15 @@
           <p:spPr>
             <a:xfrm>
               <a:off x="0" y="-7920"/>
-              <a:ext cx="863280" cy="5697720"/>
+              <a:ext cx="862920" cy="5697360"/>
             </a:xfrm>
             <a:custGeom>
               <a:avLst/>
               <a:gdLst>
-                <a:gd name="textAreaLeft" fmla="*/ 0 w 863280"/>
-                <a:gd name="textAreaRight" fmla="*/ 863640 w 863280"/>
-                <a:gd name="textAreaTop" fmla="*/ 0 h 5697720"/>
-                <a:gd name="textAreaBottom" fmla="*/ 5698080 h 5697720"/>
+                <a:gd name="textAreaLeft" fmla="*/ 0 w 862920"/>
+                <a:gd name="textAreaRight" fmla="*/ 863640 w 862920"/>
+                <a:gd name="textAreaTop" fmla="*/ 0 h 5697360"/>
+                <a:gd name="textAreaBottom" fmla="*/ 5698080 h 5697360"/>
               </a:gdLst>
               <a:ahLst/>
               <a:rect l="textAreaLeft" t="textAreaTop" r="textAreaRight" b="textAreaBottom"/>
@@ -5844,11 +5852,17 @@
               <a:noAutofit/>
             </a:bodyPr>
             <a:p>
+              <a:pPr>
+                <a:lnSpc>
+                  <a:spcPct val="100000"/>
+                </a:lnSpc>
+              </a:pPr>
               <a:endParaRPr b="0" lang="en-IN" sz="1800" spc="-1" strike="noStrike">
                 <a:solidFill>
                   <a:srgbClr val="000000"/>
                 </a:solidFill>
                 <a:latin typeface="Arial"/>
+                <a:ea typeface="DejaVu Sans"/>
               </a:endParaRPr>
             </a:p>
           </p:txBody>
@@ -5862,7 +5876,7 @@
           <p:spPr>
             <a:xfrm>
               <a:off x="9370800" y="0"/>
-              <a:ext cx="1219680" cy="6858360"/>
+              <a:ext cx="1220040" cy="6858720"/>
             </a:xfrm>
             <a:prstGeom prst="straightConnector1">
               <a:avLst/>
@@ -5886,7 +5900,7 @@
           <p:spPr>
             <a:xfrm flipH="1">
               <a:off x="7425000" y="3681360"/>
-              <a:ext cx="4763880" cy="3177000"/>
+              <a:ext cx="4764240" cy="3177360"/>
             </a:xfrm>
             <a:prstGeom prst="straightConnector1">
               <a:avLst/>
@@ -5910,15 +5924,15 @@
           <p:spPr>
             <a:xfrm>
               <a:off x="9181440" y="-8640"/>
-              <a:ext cx="3007080" cy="6866280"/>
+              <a:ext cx="3006720" cy="6865920"/>
             </a:xfrm>
             <a:custGeom>
               <a:avLst/>
               <a:gdLst>
-                <a:gd name="textAreaLeft" fmla="*/ 0 w 3007080"/>
-                <a:gd name="textAreaRight" fmla="*/ 3007440 w 3007080"/>
-                <a:gd name="textAreaTop" fmla="*/ 0 h 6866280"/>
-                <a:gd name="textAreaBottom" fmla="*/ 6866640 h 6866280"/>
+                <a:gd name="textAreaLeft" fmla="*/ 0 w 3006720"/>
+                <a:gd name="textAreaRight" fmla="*/ 3007440 w 3006720"/>
+                <a:gd name="textAreaTop" fmla="*/ 0 h 6865920"/>
+                <a:gd name="textAreaBottom" fmla="*/ 6866640 h 6865920"/>
               </a:gdLst>
               <a:ahLst/>
               <a:rect l="textAreaLeft" t="textAreaTop" r="textAreaRight" b="textAreaBottom"/>
@@ -5976,11 +5990,17 @@
               <a:noAutofit/>
             </a:bodyPr>
             <a:p>
+              <a:pPr>
+                <a:lnSpc>
+                  <a:spcPct val="100000"/>
+                </a:lnSpc>
+              </a:pPr>
               <a:endParaRPr b="0" lang="en-IN" sz="1800" spc="-1" strike="noStrike">
                 <a:solidFill>
                   <a:srgbClr val="000000"/>
                 </a:solidFill>
                 <a:latin typeface="Arial"/>
+                <a:ea typeface="DejaVu Sans"/>
               </a:endParaRPr>
             </a:p>
           </p:txBody>
@@ -5994,15 +6014,15 @@
           <p:spPr>
             <a:xfrm>
               <a:off x="9603360" y="-8640"/>
-              <a:ext cx="2588040" cy="6866280"/>
+              <a:ext cx="2587680" cy="6865920"/>
             </a:xfrm>
             <a:custGeom>
               <a:avLst/>
               <a:gdLst>
-                <a:gd name="textAreaLeft" fmla="*/ 0 w 2588040"/>
-                <a:gd name="textAreaRight" fmla="*/ 2588400 w 2588040"/>
-                <a:gd name="textAreaTop" fmla="*/ 0 h 6866280"/>
-                <a:gd name="textAreaBottom" fmla="*/ 6866640 h 6866280"/>
+                <a:gd name="textAreaLeft" fmla="*/ 0 w 2587680"/>
+                <a:gd name="textAreaRight" fmla="*/ 2588400 w 2587680"/>
+                <a:gd name="textAreaTop" fmla="*/ 0 h 6865920"/>
+                <a:gd name="textAreaBottom" fmla="*/ 6866640 h 6865920"/>
               </a:gdLst>
               <a:ahLst/>
               <a:rect l="textAreaLeft" t="textAreaTop" r="textAreaRight" b="textAreaBottom"/>
@@ -6060,11 +6080,17 @@
               <a:noAutofit/>
             </a:bodyPr>
             <a:p>
+              <a:pPr>
+                <a:lnSpc>
+                  <a:spcPct val="100000"/>
+                </a:lnSpc>
+              </a:pPr>
               <a:endParaRPr b="0" lang="en-IN" sz="1800" spc="-1" strike="noStrike">
                 <a:solidFill>
                   <a:srgbClr val="000000"/>
                 </a:solidFill>
                 <a:latin typeface="Arial"/>
+                <a:ea typeface="DejaVu Sans"/>
               </a:endParaRPr>
             </a:p>
           </p:txBody>
@@ -6078,7 +6104,7 @@
           <p:spPr>
             <a:xfrm>
               <a:off x="8932320" y="3048120"/>
-              <a:ext cx="3259440" cy="3809520"/>
+              <a:ext cx="3259080" cy="3809160"/>
             </a:xfrm>
             <a:prstGeom prst="triangle">
               <a:avLst>
@@ -6119,11 +6145,17 @@
               <a:noAutofit/>
             </a:bodyPr>
             <a:p>
+              <a:pPr>
+                <a:lnSpc>
+                  <a:spcPct val="100000"/>
+                </a:lnSpc>
+              </a:pPr>
               <a:endParaRPr b="0" lang="en-IN" sz="1800" spc="-1" strike="noStrike">
                 <a:solidFill>
                   <a:srgbClr val="000000"/>
                 </a:solidFill>
                 <a:latin typeface="Arial"/>
+                <a:ea typeface="DejaVu Sans"/>
               </a:endParaRPr>
             </a:p>
           </p:txBody>
@@ -6137,15 +6169,15 @@
           <p:spPr>
             <a:xfrm>
               <a:off x="9334440" y="-8640"/>
-              <a:ext cx="2854080" cy="6866280"/>
+              <a:ext cx="2853720" cy="6865920"/>
             </a:xfrm>
             <a:custGeom>
               <a:avLst/>
               <a:gdLst>
-                <a:gd name="textAreaLeft" fmla="*/ 0 w 2854080"/>
-                <a:gd name="textAreaRight" fmla="*/ 2854440 w 2854080"/>
-                <a:gd name="textAreaTop" fmla="*/ 0 h 6866280"/>
-                <a:gd name="textAreaBottom" fmla="*/ 6866640 h 6866280"/>
+                <a:gd name="textAreaLeft" fmla="*/ 0 w 2853720"/>
+                <a:gd name="textAreaRight" fmla="*/ 2854440 w 2853720"/>
+                <a:gd name="textAreaTop" fmla="*/ 0 h 6865920"/>
+                <a:gd name="textAreaBottom" fmla="*/ 6866640 h 6865920"/>
               </a:gdLst>
               <a:ahLst/>
               <a:rect l="textAreaLeft" t="textAreaTop" r="textAreaRight" b="textAreaBottom"/>
@@ -6204,11 +6236,17 @@
               <a:noAutofit/>
             </a:bodyPr>
             <a:p>
+              <a:pPr>
+                <a:lnSpc>
+                  <a:spcPct val="100000"/>
+                </a:lnSpc>
+              </a:pPr>
               <a:endParaRPr b="0" lang="en-IN" sz="1800" spc="-1" strike="noStrike">
                 <a:solidFill>
                   <a:srgbClr val="000000"/>
                 </a:solidFill>
                 <a:latin typeface="Arial"/>
+                <a:ea typeface="DejaVu Sans"/>
               </a:endParaRPr>
             </a:p>
           </p:txBody>
@@ -6222,15 +6260,15 @@
           <p:spPr>
             <a:xfrm>
               <a:off x="10898640" y="-8640"/>
-              <a:ext cx="1289880" cy="6866280"/>
+              <a:ext cx="1289520" cy="6865920"/>
             </a:xfrm>
             <a:custGeom>
               <a:avLst/>
               <a:gdLst>
-                <a:gd name="textAreaLeft" fmla="*/ 0 w 1289880"/>
-                <a:gd name="textAreaRight" fmla="*/ 1290240 w 1289880"/>
-                <a:gd name="textAreaTop" fmla="*/ 0 h 6866280"/>
-                <a:gd name="textAreaBottom" fmla="*/ 6866640 h 6866280"/>
+                <a:gd name="textAreaLeft" fmla="*/ 0 w 1289520"/>
+                <a:gd name="textAreaRight" fmla="*/ 1290240 w 1289520"/>
+                <a:gd name="textAreaTop" fmla="*/ 0 h 6865920"/>
+                <a:gd name="textAreaBottom" fmla="*/ 6866640 h 6865920"/>
               </a:gdLst>
               <a:ahLst/>
               <a:rect l="textAreaLeft" t="textAreaTop" r="textAreaRight" b="textAreaBottom"/>
@@ -6288,11 +6326,17 @@
               <a:noAutofit/>
             </a:bodyPr>
             <a:p>
+              <a:pPr>
+                <a:lnSpc>
+                  <a:spcPct val="100000"/>
+                </a:lnSpc>
+              </a:pPr>
               <a:endParaRPr b="0" lang="en-IN" sz="1800" spc="-1" strike="noStrike">
                 <a:solidFill>
                   <a:srgbClr val="000000"/>
                 </a:solidFill>
                 <a:latin typeface="Arial"/>
+                <a:ea typeface="DejaVu Sans"/>
               </a:endParaRPr>
             </a:p>
           </p:txBody>
@@ -6306,15 +6350,15 @@
           <p:spPr>
             <a:xfrm>
               <a:off x="10938960" y="-8640"/>
-              <a:ext cx="1249560" cy="6866280"/>
+              <a:ext cx="1249200" cy="6865920"/>
             </a:xfrm>
             <a:custGeom>
               <a:avLst/>
               <a:gdLst>
-                <a:gd name="textAreaLeft" fmla="*/ 0 w 1249560"/>
-                <a:gd name="textAreaRight" fmla="*/ 1249920 w 1249560"/>
-                <a:gd name="textAreaTop" fmla="*/ 0 h 6866280"/>
-                <a:gd name="textAreaBottom" fmla="*/ 6866640 h 6866280"/>
+                <a:gd name="textAreaLeft" fmla="*/ 0 w 1249200"/>
+                <a:gd name="textAreaRight" fmla="*/ 1249920 w 1249200"/>
+                <a:gd name="textAreaTop" fmla="*/ 0 h 6865920"/>
+                <a:gd name="textAreaBottom" fmla="*/ 6866640 h 6865920"/>
               </a:gdLst>
               <a:ahLst/>
               <a:rect l="textAreaLeft" t="textAreaTop" r="textAreaRight" b="textAreaBottom"/>
@@ -6373,11 +6417,17 @@
               <a:noAutofit/>
             </a:bodyPr>
             <a:p>
+              <a:pPr>
+                <a:lnSpc>
+                  <a:spcPct val="100000"/>
+                </a:lnSpc>
+              </a:pPr>
               <a:endParaRPr b="0" lang="en-IN" sz="1800" spc="-1" strike="noStrike">
                 <a:solidFill>
                   <a:srgbClr val="000000"/>
                 </a:solidFill>
                 <a:latin typeface="Arial"/>
+                <a:ea typeface="DejaVu Sans"/>
               </a:endParaRPr>
             </a:p>
           </p:txBody>
@@ -6391,7 +6441,7 @@
           <p:spPr>
             <a:xfrm>
               <a:off x="10371600" y="3589920"/>
-              <a:ext cx="1816920" cy="3267720"/>
+              <a:ext cx="1816560" cy="3267360"/>
             </a:xfrm>
             <a:prstGeom prst="triangle">
               <a:avLst>
@@ -6432,11 +6482,17 @@
               <a:noAutofit/>
             </a:bodyPr>
             <a:p>
+              <a:pPr>
+                <a:lnSpc>
+                  <a:spcPct val="100000"/>
+                </a:lnSpc>
+              </a:pPr>
               <a:endParaRPr b="0" lang="en-IN" sz="1800" spc="-1" strike="noStrike">
                 <a:solidFill>
                   <a:srgbClr val="000000"/>
                 </a:solidFill>
                 <a:latin typeface="Arial"/>
+                <a:ea typeface="DejaVu Sans"/>
               </a:endParaRPr>
             </a:p>
           </p:txBody>
@@ -6454,8 +6510,8 @@
         </p:nvSpPr>
         <p:spPr>
           <a:xfrm>
-            <a:off x="1506960" y="2404440"/>
-            <a:ext cx="7766640" cy="1645920"/>
+            <a:off x="609480" y="273600"/>
+            <a:ext cx="10972080" cy="1144440"/>
           </a:xfrm>
           <a:prstGeom prst="rect">
             <a:avLst/>
@@ -6466,30 +6522,27 @@
           </a:ln>
         </p:spPr>
         <p:txBody>
-          <a:bodyPr anchor="b">
+          <a:bodyPr lIns="0" rIns="0" tIns="0" bIns="0" anchor="ctr">
             <a:noAutofit/>
           </a:bodyPr>
           <a:p>
-            <a:pPr indent="0" algn="r">
-              <a:lnSpc>
-                <a:spcPct val="100000"/>
-              </a:lnSpc>
+            <a:pPr indent="0">
               <a:buNone/>
             </a:pPr>
             <a:r>
-              <a:rPr b="0" lang="en-US" sz="5400" spc="-1" strike="noStrike">
+              <a:rPr b="0" lang="en-IN" sz="1800" spc="-1" strike="noStrike">
                 <a:solidFill>
-                  <a:schemeClr val="accent1"/>
+                  <a:srgbClr val="000000"/>
                 </a:solidFill>
-                <a:latin typeface="Trebuchet MS"/>
+                <a:latin typeface="Arial"/>
               </a:rPr>
-              <a:t>Click to edit Master title style</a:t>
+              <a:t>Click to edit the title text format</a:t>
             </a:r>
-            <a:endParaRPr b="0" lang="en-US" sz="5400" spc="-1" strike="noStrike">
-              <a:solidFill>
-                <a:srgbClr val="000000"/>
-              </a:solidFill>
-              <a:latin typeface="Trebuchet MS"/>
+            <a:endParaRPr b="0" lang="en-IN" sz="1800" spc="-1" strike="noStrike">
+              <a:solidFill>
+                <a:srgbClr val="000000"/>
+              </a:solidFill>
+              <a:latin typeface="Arial"/>
             </a:endParaRPr>
           </a:p>
         </p:txBody>
@@ -6501,13 +6554,13 @@
             <a:spLocks noGrp="1"/>
           </p:cNvSpPr>
           <p:nvPr>
-            <p:ph type="dt" idx="1"/>
+            <p:ph type="ftr" idx="1"/>
           </p:nvPr>
         </p:nvSpPr>
         <p:spPr>
           <a:xfrm>
-            <a:off x="7205040" y="6041520"/>
-            <a:ext cx="911520" cy="364680"/>
+            <a:off x="677160" y="6041520"/>
+            <a:ext cx="6296760" cy="364320"/>
           </a:xfrm>
           <a:prstGeom prst="rect">
             <a:avLst/>
@@ -6518,78 +6571,18 @@
           </a:ln>
         </p:spPr>
         <p:txBody>
-          <a:bodyPr anchor="ctr">
+          <a:bodyPr lIns="90000" rIns="90000" tIns="45000" bIns="45000" anchor="ctr">
             <a:noAutofit/>
           </a:bodyPr>
           <a:lstStyle>
-            <a:lvl1pPr indent="0" algn="r">
+            <a:lvl1pPr indent="0" algn="ctr">
               <a:lnSpc>
                 <a:spcPct val="100000"/>
               </a:lnSpc>
               <a:buNone/>
-              <a:defRPr b="0" lang="en-US" sz="900" spc="-1" strike="noStrike">
-                <a:solidFill>
-                  <a:srgbClr val="8b8b8b"/>
-                </a:solidFill>
-                <a:latin typeface="Trebuchet MS"/>
-              </a:defRPr>
-            </a:lvl1pPr>
-          </a:lstStyle>
-          <a:p>
-            <a:pPr indent="0" algn="r">
-              <a:lnSpc>
-                <a:spcPct val="100000"/>
-              </a:lnSpc>
-              <a:buNone/>
-            </a:pPr>
-            <a:r>
-              <a:rPr b="0" lang="en-US" sz="900" spc="-1" strike="noStrike">
-                <a:solidFill>
-                  <a:srgbClr val="8b8b8b"/>
-                </a:solidFill>
-                <a:latin typeface="Trebuchet MS"/>
-              </a:rPr>
-              <a:t>&lt;date/time&gt;</a:t>
-            </a:r>
-            <a:endParaRPr b="0" lang="en-IN" sz="900" spc="-1" strike="noStrike">
-              <a:solidFill>
-                <a:srgbClr val="000000"/>
-              </a:solidFill>
-              <a:latin typeface="Times New Roman"/>
-            </a:endParaRPr>
-          </a:p>
-        </p:txBody>
-      </p:sp>
-      <p:sp>
-        <p:nvSpPr>
-          <p:cNvPr id="24" name="PlaceHolder 3"/>
-          <p:cNvSpPr>
-            <a:spLocks noGrp="1"/>
-          </p:cNvSpPr>
-          <p:nvPr>
-            <p:ph type="ftr" idx="2"/>
-          </p:nvPr>
-        </p:nvSpPr>
-        <p:spPr>
-          <a:xfrm>
-            <a:off x="677160" y="6041520"/>
-            <a:ext cx="6297120" cy="364680"/>
-          </a:xfrm>
-          <a:prstGeom prst="rect">
-            <a:avLst/>
-          </a:prstGeom>
-          <a:noFill/>
-          <a:ln w="0">
-            <a:noFill/>
-          </a:ln>
-        </p:spPr>
-        <p:txBody>
-          <a:bodyPr anchor="ctr">
-            <a:noAutofit/>
-          </a:bodyPr>
-          <a:lstStyle>
-            <a:lvl1pPr indent="0" algn="ctr">
-              <a:buNone/>
+              <a:tabLst>
+                <a:tab algn="l" pos="0"/>
+              </a:tabLst>
               <a:defRPr b="0" lang="en-IN" sz="1400" spc="-1" strike="noStrike">
                 <a:solidFill>
                   <a:srgbClr val="000000"/>
@@ -6600,7 +6593,13 @@
           </a:lstStyle>
           <a:p>
             <a:pPr indent="0" algn="ctr">
+              <a:lnSpc>
+                <a:spcPct val="100000"/>
+              </a:lnSpc>
               <a:buNone/>
+              <a:tabLst>
+                <a:tab algn="l" pos="0"/>
+              </a:tabLst>
             </a:pPr>
             <a:r>
               <a:rPr b="0" lang="en-IN" sz="1400" spc="-1" strike="noStrike">
@@ -6622,18 +6621,18 @@
       </p:sp>
       <p:sp>
         <p:nvSpPr>
-          <p:cNvPr id="25" name="PlaceHolder 4"/>
-          <p:cNvSpPr>
-            <a:spLocks noGrp="1"/>
-          </p:cNvSpPr>
-          <p:nvPr>
-            <p:ph type="sldNum" idx="3"/>
+          <p:cNvPr id="24" name="PlaceHolder 3"/>
+          <p:cNvSpPr>
+            <a:spLocks noGrp="1"/>
+          </p:cNvSpPr>
+          <p:nvPr>
+            <p:ph type="sldNum" idx="2"/>
           </p:nvPr>
         </p:nvSpPr>
         <p:spPr>
           <a:xfrm>
             <a:off x="8590680" y="6041520"/>
-            <a:ext cx="682920" cy="364680"/>
+            <a:ext cx="682560" cy="364320"/>
           </a:xfrm>
           <a:prstGeom prst="rect">
             <a:avLst/>
@@ -6644,7 +6643,7 @@
           </a:ln>
         </p:spPr>
         <p:txBody>
-          <a:bodyPr anchor="ctr">
+          <a:bodyPr lIns="90000" rIns="90000" tIns="45000" bIns="45000" anchor="ctr">
             <a:noAutofit/>
           </a:bodyPr>
           <a:lstStyle>
@@ -6653,6 +6652,9 @@
                 <a:spcPct val="100000"/>
               </a:lnSpc>
               <a:buNone/>
+              <a:tabLst>
+                <a:tab algn="l" pos="0"/>
+              </a:tabLst>
               <a:defRPr b="0" lang="en-US" sz="900" spc="-1" strike="noStrike">
                 <a:solidFill>
                   <a:schemeClr val="accent1"/>
@@ -6667,8 +6669,11 @@
                 <a:spcPct val="100000"/>
               </a:lnSpc>
               <a:buNone/>
-            </a:pPr>
-            <a:fld id="{7D983014-2A65-4FA4-9DAD-9C17C53FC03B}" type="slidenum">
+              <a:tabLst>
+                <a:tab algn="l" pos="0"/>
+              </a:tabLst>
+            </a:pPr>
+            <a:fld id="{5A87BD5A-A6BB-4B1D-97C4-1F8C4A201BA2}" type="slidenum">
               <a:rPr b="0" lang="en-US" sz="900" spc="-1" strike="noStrike">
                 <a:solidFill>
                   <a:schemeClr val="accent1"/>
@@ -6678,6 +6683,66 @@
               <a:t>&lt;number&gt;</a:t>
             </a:fld>
             <a:endParaRPr b="0" lang="en-IN" sz="900" spc="-1" strike="noStrike">
+              <a:solidFill>
+                <a:srgbClr val="000000"/>
+              </a:solidFill>
+              <a:latin typeface="Times New Roman"/>
+            </a:endParaRPr>
+          </a:p>
+        </p:txBody>
+      </p:sp>
+      <p:sp>
+        <p:nvSpPr>
+          <p:cNvPr id="25" name="PlaceHolder 4"/>
+          <p:cNvSpPr>
+            <a:spLocks noGrp="1"/>
+          </p:cNvSpPr>
+          <p:nvPr>
+            <p:ph type="dt" idx="3"/>
+          </p:nvPr>
+        </p:nvSpPr>
+        <p:spPr>
+          <a:xfrm>
+            <a:off x="7205040" y="6041520"/>
+            <a:ext cx="911160" cy="364320"/>
+          </a:xfrm>
+          <a:prstGeom prst="rect">
+            <a:avLst/>
+          </a:prstGeom>
+          <a:noFill/>
+          <a:ln w="0">
+            <a:noFill/>
+          </a:ln>
+        </p:spPr>
+        <p:txBody>
+          <a:bodyPr lIns="90000" rIns="90000" tIns="45000" bIns="45000" anchor="ctr">
+            <a:noAutofit/>
+          </a:bodyPr>
+          <a:lstStyle>
+            <a:lvl1pPr indent="0">
+              <a:buNone/>
+              <a:defRPr b="0" lang="en-IN" sz="1400" spc="-1" strike="noStrike">
+                <a:solidFill>
+                  <a:srgbClr val="000000"/>
+                </a:solidFill>
+                <a:latin typeface="Times New Roman"/>
+              </a:defRPr>
+            </a:lvl1pPr>
+          </a:lstStyle>
+          <a:p>
+            <a:pPr indent="0">
+              <a:buNone/>
+            </a:pPr>
+            <a:r>
+              <a:rPr b="0" lang="en-IN" sz="1400" spc="-1" strike="noStrike">
+                <a:solidFill>
+                  <a:srgbClr val="000000"/>
+                </a:solidFill>
+                <a:latin typeface="Times New Roman"/>
+              </a:rPr>
+              <a:t>&lt;date/time&gt;</a:t>
+            </a:r>
+            <a:endParaRPr b="0" lang="en-IN" sz="1400" spc="-1" strike="noStrike">
               <a:solidFill>
                 <a:srgbClr val="000000"/>
               </a:solidFill>
@@ -6726,19 +6791,19 @@
               <a:buChar char=""/>
             </a:pPr>
             <a:r>
-              <a:rPr b="0" lang="en-US" sz="1800" spc="-1" strike="noStrike">
+              <a:rPr b="0" lang="en-IN" sz="3200" spc="-1" strike="noStrike">
                 <a:solidFill>
-                  <a:srgbClr val="404040"/>
+                  <a:srgbClr val="000000"/>
                 </a:solidFill>
-                <a:latin typeface="Trebuchet MS"/>
+                <a:latin typeface="Arial"/>
               </a:rPr>
               <a:t>Click to edit the outline text format</a:t>
             </a:r>
-            <a:endParaRPr b="0" lang="en-US" sz="1800" spc="-1" strike="noStrike">
-              <a:solidFill>
-                <a:srgbClr val="404040"/>
-              </a:solidFill>
-              <a:latin typeface="Trebuchet MS"/>
+            <a:endParaRPr b="0" lang="en-IN" sz="3200" spc="-1" strike="noStrike">
+              <a:solidFill>
+                <a:srgbClr val="000000"/>
+              </a:solidFill>
+              <a:latin typeface="Arial"/>
             </a:endParaRPr>
           </a:p>
           <a:p>
@@ -6754,19 +6819,19 @@
               <a:buChar char=""/>
             </a:pPr>
             <a:r>
-              <a:rPr b="0" lang="en-US" sz="1400" spc="-1" strike="noStrike">
+              <a:rPr b="0" lang="en-IN" sz="2800" spc="-1" strike="noStrike">
                 <a:solidFill>
-                  <a:srgbClr val="404040"/>
+                  <a:srgbClr val="000000"/>
                 </a:solidFill>
-                <a:latin typeface="Trebuchet MS"/>
+                <a:latin typeface="Arial"/>
               </a:rPr>
               <a:t>Second Outline Level</a:t>
             </a:r>
-            <a:endParaRPr b="0" lang="en-US" sz="1400" spc="-1" strike="noStrike">
-              <a:solidFill>
-                <a:srgbClr val="404040"/>
-              </a:solidFill>
-              <a:latin typeface="Trebuchet MS"/>
+            <a:endParaRPr b="0" lang="en-IN" sz="2800" spc="-1" strike="noStrike">
+              <a:solidFill>
+                <a:srgbClr val="000000"/>
+              </a:solidFill>
+              <a:latin typeface="Arial"/>
             </a:endParaRPr>
           </a:p>
           <a:p>
@@ -6782,19 +6847,19 @@
               <a:buChar char=""/>
             </a:pPr>
             <a:r>
-              <a:rPr b="0" lang="en-US" sz="1200" spc="-1" strike="noStrike">
+              <a:rPr b="0" lang="en-IN" sz="2400" spc="-1" strike="noStrike">
                 <a:solidFill>
-                  <a:srgbClr val="404040"/>
+                  <a:srgbClr val="000000"/>
                 </a:solidFill>
-                <a:latin typeface="Trebuchet MS"/>
+                <a:latin typeface="Arial"/>
               </a:rPr>
               <a:t>Third Outline Level</a:t>
             </a:r>
-            <a:endParaRPr b="0" lang="en-US" sz="1200" spc="-1" strike="noStrike">
-              <a:solidFill>
-                <a:srgbClr val="404040"/>
-              </a:solidFill>
-              <a:latin typeface="Trebuchet MS"/>
+            <a:endParaRPr b="0" lang="en-IN" sz="2400" spc="-1" strike="noStrike">
+              <a:solidFill>
+                <a:srgbClr val="000000"/>
+              </a:solidFill>
+              <a:latin typeface="Arial"/>
             </a:endParaRPr>
           </a:p>
           <a:p>
@@ -6810,19 +6875,19 @@
               <a:buChar char=""/>
             </a:pPr>
             <a:r>
-              <a:rPr b="0" lang="en-US" sz="1200" spc="-1" strike="noStrike">
+              <a:rPr b="0" lang="en-IN" sz="2000" spc="-1" strike="noStrike">
                 <a:solidFill>
-                  <a:srgbClr val="404040"/>
+                  <a:srgbClr val="000000"/>
                 </a:solidFill>
-                <a:latin typeface="Trebuchet MS"/>
+                <a:latin typeface="Arial"/>
               </a:rPr>
               <a:t>Fourth Outline Level</a:t>
             </a:r>
-            <a:endParaRPr b="0" lang="en-US" sz="1200" spc="-1" strike="noStrike">
-              <a:solidFill>
-                <a:srgbClr val="404040"/>
-              </a:solidFill>
-              <a:latin typeface="Trebuchet MS"/>
+            <a:endParaRPr b="0" lang="en-IN" sz="2000" spc="-1" strike="noStrike">
+              <a:solidFill>
+                <a:srgbClr val="000000"/>
+              </a:solidFill>
+              <a:latin typeface="Arial"/>
             </a:endParaRPr>
           </a:p>
           <a:p>
@@ -6838,19 +6903,19 @@
               <a:buChar char=""/>
             </a:pPr>
             <a:r>
-              <a:rPr b="0" lang="en-US" sz="2000" spc="-1" strike="noStrike">
+              <a:rPr b="0" lang="en-IN" sz="2000" spc="-1" strike="noStrike">
                 <a:solidFill>
-                  <a:srgbClr val="404040"/>
+                  <a:srgbClr val="000000"/>
                 </a:solidFill>
-                <a:latin typeface="Trebuchet MS"/>
+                <a:latin typeface="Arial"/>
               </a:rPr>
               <a:t>Fifth Outline Level</a:t>
             </a:r>
-            <a:endParaRPr b="0" lang="en-US" sz="2000" spc="-1" strike="noStrike">
-              <a:solidFill>
-                <a:srgbClr val="404040"/>
-              </a:solidFill>
-              <a:latin typeface="Trebuchet MS"/>
+            <a:endParaRPr b="0" lang="en-IN" sz="2000" spc="-1" strike="noStrike">
+              <a:solidFill>
+                <a:srgbClr val="000000"/>
+              </a:solidFill>
+              <a:latin typeface="Arial"/>
             </a:endParaRPr>
           </a:p>
           <a:p>
@@ -6866,19 +6931,19 @@
               <a:buChar char=""/>
             </a:pPr>
             <a:r>
-              <a:rPr b="0" lang="en-US" sz="2000" spc="-1" strike="noStrike">
+              <a:rPr b="0" lang="en-IN" sz="2000" spc="-1" strike="noStrike">
                 <a:solidFill>
-                  <a:srgbClr val="404040"/>
+                  <a:srgbClr val="000000"/>
                 </a:solidFill>
-                <a:latin typeface="Trebuchet MS"/>
+                <a:latin typeface="Arial"/>
               </a:rPr>
               <a:t>Sixth Outline Level</a:t>
             </a:r>
-            <a:endParaRPr b="0" lang="en-US" sz="2000" spc="-1" strike="noStrike">
-              <a:solidFill>
-                <a:srgbClr val="404040"/>
-              </a:solidFill>
-              <a:latin typeface="Trebuchet MS"/>
+            <a:endParaRPr b="0" lang="en-IN" sz="2000" spc="-1" strike="noStrike">
+              <a:solidFill>
+                <a:srgbClr val="000000"/>
+              </a:solidFill>
+              <a:latin typeface="Arial"/>
             </a:endParaRPr>
           </a:p>
           <a:p>
@@ -6894,19 +6959,19 @@
               <a:buChar char=""/>
             </a:pPr>
             <a:r>
-              <a:rPr b="0" lang="en-US" sz="2000" spc="-1" strike="noStrike">
+              <a:rPr b="0" lang="en-IN" sz="2000" spc="-1" strike="noStrike">
                 <a:solidFill>
-                  <a:srgbClr val="404040"/>
+                  <a:srgbClr val="000000"/>
                 </a:solidFill>
-                <a:latin typeface="Trebuchet MS"/>
+                <a:latin typeface="Arial"/>
               </a:rPr>
               <a:t>Seventh Outline Level</a:t>
             </a:r>
-            <a:endParaRPr b="0" lang="en-US" sz="2000" spc="-1" strike="noStrike">
-              <a:solidFill>
-                <a:srgbClr val="404040"/>
-              </a:solidFill>
-              <a:latin typeface="Trebuchet MS"/>
+            <a:endParaRPr b="0" lang="en-IN" sz="2000" spc="-1" strike="noStrike">
+              <a:solidFill>
+                <a:srgbClr val="000000"/>
+              </a:solidFill>
+              <a:latin typeface="Arial"/>
             </a:endParaRPr>
           </a:p>
         </p:txBody>
@@ -6964,9 +7029,9 @@
         <p:grpSpPr>
           <a:xfrm>
             <a:off x="0" y="-8640"/>
-            <a:ext cx="12191760" cy="6866640"/>
+            <a:ext cx="12191400" cy="6867000"/>
             <a:chOff x="0" y="-8640"/>
-            <a:chExt cx="12191760" cy="6866640"/>
+            <a:chExt cx="12191400" cy="6867000"/>
           </a:xfrm>
         </p:grpSpPr>
         <p:cxnSp>
@@ -6978,7 +7043,7 @@
           <p:spPr>
             <a:xfrm>
               <a:off x="9370800" y="0"/>
-              <a:ext cx="1219680" cy="6858360"/>
+              <a:ext cx="1220040" cy="6858720"/>
             </a:xfrm>
             <a:prstGeom prst="straightConnector1">
               <a:avLst/>
@@ -7002,7 +7067,7 @@
           <p:spPr>
             <a:xfrm flipH="1">
               <a:off x="7425000" y="3681360"/>
-              <a:ext cx="4763880" cy="3177000"/>
+              <a:ext cx="4764240" cy="3177360"/>
             </a:xfrm>
             <a:prstGeom prst="straightConnector1">
               <a:avLst/>
@@ -7026,15 +7091,15 @@
           <p:spPr>
             <a:xfrm>
               <a:off x="9181440" y="-8640"/>
-              <a:ext cx="3007080" cy="6866280"/>
+              <a:ext cx="3006720" cy="6865920"/>
             </a:xfrm>
             <a:custGeom>
               <a:avLst/>
               <a:gdLst>
-                <a:gd name="textAreaLeft" fmla="*/ 0 w 3007080"/>
-                <a:gd name="textAreaRight" fmla="*/ 3007440 w 3007080"/>
-                <a:gd name="textAreaTop" fmla="*/ 0 h 6866280"/>
-                <a:gd name="textAreaBottom" fmla="*/ 6866640 h 6866280"/>
+                <a:gd name="textAreaLeft" fmla="*/ 0 w 3006720"/>
+                <a:gd name="textAreaRight" fmla="*/ 3007440 w 3006720"/>
+                <a:gd name="textAreaTop" fmla="*/ 0 h 6865920"/>
+                <a:gd name="textAreaBottom" fmla="*/ 6866640 h 6865920"/>
               </a:gdLst>
               <a:ahLst/>
               <a:rect l="textAreaLeft" t="textAreaTop" r="textAreaRight" b="textAreaBottom"/>
@@ -7102,6 +7167,7 @@
                   <a:schemeClr val="lt1"/>
                 </a:solidFill>
                 <a:latin typeface="Trebuchet MS"/>
+                <a:ea typeface="DejaVu Sans"/>
               </a:endParaRPr>
             </a:p>
           </p:txBody>
@@ -7115,15 +7181,15 @@
           <p:spPr>
             <a:xfrm>
               <a:off x="9603360" y="-8640"/>
-              <a:ext cx="2588040" cy="6866280"/>
+              <a:ext cx="2587680" cy="6865920"/>
             </a:xfrm>
             <a:custGeom>
               <a:avLst/>
               <a:gdLst>
-                <a:gd name="textAreaLeft" fmla="*/ 0 w 2588040"/>
-                <a:gd name="textAreaRight" fmla="*/ 2588400 w 2588040"/>
-                <a:gd name="textAreaTop" fmla="*/ 0 h 6866280"/>
-                <a:gd name="textAreaBottom" fmla="*/ 6866640 h 6866280"/>
+                <a:gd name="textAreaLeft" fmla="*/ 0 w 2587680"/>
+                <a:gd name="textAreaRight" fmla="*/ 2588400 w 2587680"/>
+                <a:gd name="textAreaTop" fmla="*/ 0 h 6865920"/>
+                <a:gd name="textAreaBottom" fmla="*/ 6866640 h 6865920"/>
               </a:gdLst>
               <a:ahLst/>
               <a:rect l="textAreaLeft" t="textAreaTop" r="textAreaRight" b="textAreaBottom"/>
@@ -7191,6 +7257,7 @@
                   <a:schemeClr val="lt1"/>
                 </a:solidFill>
                 <a:latin typeface="Trebuchet MS"/>
+                <a:ea typeface="DejaVu Sans"/>
               </a:endParaRPr>
             </a:p>
           </p:txBody>
@@ -7204,7 +7271,7 @@
           <p:spPr>
             <a:xfrm>
               <a:off x="8932320" y="3048120"/>
-              <a:ext cx="3259440" cy="3809520"/>
+              <a:ext cx="3259080" cy="3809160"/>
             </a:xfrm>
             <a:prstGeom prst="triangle">
               <a:avLst>
@@ -7255,6 +7322,7 @@
                   <a:schemeClr val="lt1"/>
                 </a:solidFill>
                 <a:latin typeface="Trebuchet MS"/>
+                <a:ea typeface="DejaVu Sans"/>
               </a:endParaRPr>
             </a:p>
           </p:txBody>
@@ -7268,15 +7336,15 @@
           <p:spPr>
             <a:xfrm>
               <a:off x="9334440" y="-8640"/>
-              <a:ext cx="2854080" cy="6866280"/>
+              <a:ext cx="2853720" cy="6865920"/>
             </a:xfrm>
             <a:custGeom>
               <a:avLst/>
               <a:gdLst>
-                <a:gd name="textAreaLeft" fmla="*/ 0 w 2854080"/>
-                <a:gd name="textAreaRight" fmla="*/ 2854440 w 2854080"/>
-                <a:gd name="textAreaTop" fmla="*/ 0 h 6866280"/>
-                <a:gd name="textAreaBottom" fmla="*/ 6866640 h 6866280"/>
+                <a:gd name="textAreaLeft" fmla="*/ 0 w 2853720"/>
+                <a:gd name="textAreaRight" fmla="*/ 2854440 w 2853720"/>
+                <a:gd name="textAreaTop" fmla="*/ 0 h 6865920"/>
+                <a:gd name="textAreaBottom" fmla="*/ 6866640 h 6865920"/>
               </a:gdLst>
               <a:ahLst/>
               <a:rect l="textAreaLeft" t="textAreaTop" r="textAreaRight" b="textAreaBottom"/>
@@ -7345,6 +7413,7 @@
                   <a:schemeClr val="lt1"/>
                 </a:solidFill>
                 <a:latin typeface="Trebuchet MS"/>
+                <a:ea typeface="DejaVu Sans"/>
               </a:endParaRPr>
             </a:p>
           </p:txBody>
@@ -7358,15 +7427,15 @@
           <p:spPr>
             <a:xfrm>
               <a:off x="10898640" y="-8640"/>
-              <a:ext cx="1289880" cy="6866280"/>
+              <a:ext cx="1289520" cy="6865920"/>
             </a:xfrm>
             <a:custGeom>
               <a:avLst/>
               <a:gdLst>
-                <a:gd name="textAreaLeft" fmla="*/ 0 w 1289880"/>
-                <a:gd name="textAreaRight" fmla="*/ 1290240 w 1289880"/>
-                <a:gd name="textAreaTop" fmla="*/ 0 h 6866280"/>
-                <a:gd name="textAreaBottom" fmla="*/ 6866640 h 6866280"/>
+                <a:gd name="textAreaLeft" fmla="*/ 0 w 1289520"/>
+                <a:gd name="textAreaRight" fmla="*/ 1290240 w 1289520"/>
+                <a:gd name="textAreaTop" fmla="*/ 0 h 6865920"/>
+                <a:gd name="textAreaBottom" fmla="*/ 6866640 h 6865920"/>
               </a:gdLst>
               <a:ahLst/>
               <a:rect l="textAreaLeft" t="textAreaTop" r="textAreaRight" b="textAreaBottom"/>
@@ -7434,6 +7503,7 @@
                   <a:schemeClr val="lt1"/>
                 </a:solidFill>
                 <a:latin typeface="Trebuchet MS"/>
+                <a:ea typeface="DejaVu Sans"/>
               </a:endParaRPr>
             </a:p>
           </p:txBody>
@@ -7447,15 +7517,15 @@
           <p:spPr>
             <a:xfrm>
               <a:off x="10938960" y="-8640"/>
-              <a:ext cx="1249560" cy="6866280"/>
+              <a:ext cx="1249200" cy="6865920"/>
             </a:xfrm>
             <a:custGeom>
               <a:avLst/>
               <a:gdLst>
-                <a:gd name="textAreaLeft" fmla="*/ 0 w 1249560"/>
-                <a:gd name="textAreaRight" fmla="*/ 1249920 w 1249560"/>
-                <a:gd name="textAreaTop" fmla="*/ 0 h 6866280"/>
-                <a:gd name="textAreaBottom" fmla="*/ 6866640 h 6866280"/>
+                <a:gd name="textAreaLeft" fmla="*/ 0 w 1249200"/>
+                <a:gd name="textAreaRight" fmla="*/ 1249920 w 1249200"/>
+                <a:gd name="textAreaTop" fmla="*/ 0 h 6865920"/>
+                <a:gd name="textAreaBottom" fmla="*/ 6866640 h 6865920"/>
               </a:gdLst>
               <a:ahLst/>
               <a:rect l="textAreaLeft" t="textAreaTop" r="textAreaRight" b="textAreaBottom"/>
@@ -7524,6 +7594,7 @@
                   <a:schemeClr val="lt1"/>
                 </a:solidFill>
                 <a:latin typeface="Trebuchet MS"/>
+                <a:ea typeface="DejaVu Sans"/>
               </a:endParaRPr>
             </a:p>
           </p:txBody>
@@ -7537,7 +7608,7 @@
           <p:spPr>
             <a:xfrm>
               <a:off x="10371600" y="3589920"/>
-              <a:ext cx="1816920" cy="3267720"/>
+              <a:ext cx="1816560" cy="3267360"/>
             </a:xfrm>
             <a:prstGeom prst="triangle">
               <a:avLst>
@@ -7588,6 +7659,7 @@
                   <a:schemeClr val="lt1"/>
                 </a:solidFill>
                 <a:latin typeface="Trebuchet MS"/>
+                <a:ea typeface="DejaVu Sans"/>
               </a:endParaRPr>
             </a:p>
           </p:txBody>
@@ -7601,7 +7673,7 @@
           <p:spPr>
             <a:xfrm>
               <a:off x="0" y="4013280"/>
-              <a:ext cx="448200" cy="2844360"/>
+              <a:ext cx="447840" cy="2844000"/>
             </a:xfrm>
             <a:prstGeom prst="triangle">
               <a:avLst>
@@ -7651,6 +7723,7 @@
                   <a:schemeClr val="lt1"/>
                 </a:solidFill>
                 <a:latin typeface="Trebuchet MS"/>
+                <a:ea typeface="DejaVu Sans"/>
               </a:endParaRPr>
             </a:p>
           </p:txBody>
@@ -7663,13 +7736,13 @@
             <a:spLocks noGrp="1"/>
           </p:cNvSpPr>
           <p:nvPr>
-            <p:ph type="dt" idx="4"/>
+            <p:ph type="ftr" idx="4"/>
           </p:nvPr>
         </p:nvSpPr>
         <p:spPr>
           <a:xfrm>
-            <a:off x="7205040" y="6041520"/>
-            <a:ext cx="911520" cy="364680"/>
+            <a:off x="677160" y="6041520"/>
+            <a:ext cx="6296760" cy="364320"/>
           </a:xfrm>
           <a:prstGeom prst="rect">
             <a:avLst/>
@@ -7680,78 +7753,18 @@
           </a:ln>
         </p:spPr>
         <p:txBody>
-          <a:bodyPr anchor="ctr">
+          <a:bodyPr lIns="90000" rIns="90000" tIns="45000" bIns="45000" anchor="ctr">
             <a:noAutofit/>
           </a:bodyPr>
           <a:lstStyle>
-            <a:lvl1pPr indent="0" algn="r">
+            <a:lvl1pPr indent="0" algn="ctr">
               <a:lnSpc>
                 <a:spcPct val="100000"/>
               </a:lnSpc>
               <a:buNone/>
-              <a:defRPr b="0" lang="en-US" sz="900" spc="-1" strike="noStrike">
-                <a:solidFill>
-                  <a:srgbClr val="8b8b8b"/>
-                </a:solidFill>
-                <a:latin typeface="Trebuchet MS"/>
-              </a:defRPr>
-            </a:lvl1pPr>
-          </a:lstStyle>
-          <a:p>
-            <a:pPr indent="0" algn="r">
-              <a:lnSpc>
-                <a:spcPct val="100000"/>
-              </a:lnSpc>
-              <a:buNone/>
-            </a:pPr>
-            <a:r>
-              <a:rPr b="0" lang="en-US" sz="900" spc="-1" strike="noStrike">
-                <a:solidFill>
-                  <a:srgbClr val="8b8b8b"/>
-                </a:solidFill>
-                <a:latin typeface="Trebuchet MS"/>
-              </a:rPr>
-              <a:t>&lt;date/time&gt;</a:t>
-            </a:r>
-            <a:endParaRPr b="0" lang="en-IN" sz="900" spc="-1" strike="noStrike">
-              <a:solidFill>
-                <a:srgbClr val="000000"/>
-              </a:solidFill>
-              <a:latin typeface="Times New Roman"/>
-            </a:endParaRPr>
-          </a:p>
-        </p:txBody>
-      </p:sp>
-      <p:sp>
-        <p:nvSpPr>
-          <p:cNvPr id="75" name="PlaceHolder 2"/>
-          <p:cNvSpPr>
-            <a:spLocks noGrp="1"/>
-          </p:cNvSpPr>
-          <p:nvPr>
-            <p:ph type="ftr" idx="5"/>
-          </p:nvPr>
-        </p:nvSpPr>
-        <p:spPr>
-          <a:xfrm>
-            <a:off x="677160" y="6041520"/>
-            <a:ext cx="6297120" cy="364680"/>
-          </a:xfrm>
-          <a:prstGeom prst="rect">
-            <a:avLst/>
-          </a:prstGeom>
-          <a:noFill/>
-          <a:ln w="0">
-            <a:noFill/>
-          </a:ln>
-        </p:spPr>
-        <p:txBody>
-          <a:bodyPr anchor="ctr">
-            <a:noAutofit/>
-          </a:bodyPr>
-          <a:lstStyle>
-            <a:lvl1pPr indent="0" algn="ctr">
-              <a:buNone/>
+              <a:tabLst>
+                <a:tab algn="l" pos="0"/>
+              </a:tabLst>
               <a:defRPr b="0" lang="en-IN" sz="1400" spc="-1" strike="noStrike">
                 <a:solidFill>
                   <a:srgbClr val="000000"/>
@@ -7762,7 +7775,13 @@
           </a:lstStyle>
           <a:p>
             <a:pPr indent="0" algn="ctr">
+              <a:lnSpc>
+                <a:spcPct val="100000"/>
+              </a:lnSpc>
               <a:buNone/>
+              <a:tabLst>
+                <a:tab algn="l" pos="0"/>
+              </a:tabLst>
             </a:pPr>
             <a:r>
               <a:rPr b="0" lang="en-IN" sz="1400" spc="-1" strike="noStrike">
@@ -7784,18 +7803,18 @@
       </p:sp>
       <p:sp>
         <p:nvSpPr>
-          <p:cNvPr id="76" name="PlaceHolder 3"/>
-          <p:cNvSpPr>
-            <a:spLocks noGrp="1"/>
-          </p:cNvSpPr>
-          <p:nvPr>
-            <p:ph type="sldNum" idx="6"/>
+          <p:cNvPr id="75" name="PlaceHolder 2"/>
+          <p:cNvSpPr>
+            <a:spLocks noGrp="1"/>
+          </p:cNvSpPr>
+          <p:nvPr>
+            <p:ph type="sldNum" idx="5"/>
           </p:nvPr>
         </p:nvSpPr>
         <p:spPr>
           <a:xfrm>
             <a:off x="8590680" y="6041520"/>
-            <a:ext cx="682920" cy="364680"/>
+            <a:ext cx="682560" cy="364320"/>
           </a:xfrm>
           <a:prstGeom prst="rect">
             <a:avLst/>
@@ -7806,7 +7825,7 @@
           </a:ln>
         </p:spPr>
         <p:txBody>
-          <a:bodyPr anchor="ctr">
+          <a:bodyPr lIns="90000" rIns="90000" tIns="45000" bIns="45000" anchor="ctr">
             <a:noAutofit/>
           </a:bodyPr>
           <a:lstStyle>
@@ -7815,6 +7834,9 @@
                 <a:spcPct val="100000"/>
               </a:lnSpc>
               <a:buNone/>
+              <a:tabLst>
+                <a:tab algn="l" pos="0"/>
+              </a:tabLst>
               <a:defRPr b="0" lang="en-US" sz="900" spc="-1" strike="noStrike">
                 <a:solidFill>
                   <a:schemeClr val="accent1"/>
@@ -7829,8 +7851,11 @@
                 <a:spcPct val="100000"/>
               </a:lnSpc>
               <a:buNone/>
-            </a:pPr>
-            <a:fld id="{3ADD7B15-C3BF-46EC-92E7-63FA9D807FA9}" type="slidenum">
+              <a:tabLst>
+                <a:tab algn="l" pos="0"/>
+              </a:tabLst>
+            </a:pPr>
+            <a:fld id="{F1C6CD9E-AF6B-4EC1-AAD7-369560B07FFA}" type="slidenum">
               <a:rPr b="0" lang="en-US" sz="900" spc="-1" strike="noStrike">
                 <a:solidFill>
                   <a:schemeClr val="accent1"/>
@@ -7840,6 +7865,66 @@
               <a:t>&lt;number&gt;</a:t>
             </a:fld>
             <a:endParaRPr b="0" lang="en-IN" sz="900" spc="-1" strike="noStrike">
+              <a:solidFill>
+                <a:srgbClr val="000000"/>
+              </a:solidFill>
+              <a:latin typeface="Times New Roman"/>
+            </a:endParaRPr>
+          </a:p>
+        </p:txBody>
+      </p:sp>
+      <p:sp>
+        <p:nvSpPr>
+          <p:cNvPr id="76" name="PlaceHolder 3"/>
+          <p:cNvSpPr>
+            <a:spLocks noGrp="1"/>
+          </p:cNvSpPr>
+          <p:nvPr>
+            <p:ph type="dt" idx="6"/>
+          </p:nvPr>
+        </p:nvSpPr>
+        <p:spPr>
+          <a:xfrm>
+            <a:off x="7205040" y="6041520"/>
+            <a:ext cx="911160" cy="364320"/>
+          </a:xfrm>
+          <a:prstGeom prst="rect">
+            <a:avLst/>
+          </a:prstGeom>
+          <a:noFill/>
+          <a:ln w="0">
+            <a:noFill/>
+          </a:ln>
+        </p:spPr>
+        <p:txBody>
+          <a:bodyPr lIns="90000" rIns="90000" tIns="45000" bIns="45000" anchor="ctr">
+            <a:noAutofit/>
+          </a:bodyPr>
+          <a:lstStyle>
+            <a:lvl1pPr indent="0">
+              <a:buNone/>
+              <a:defRPr b="0" lang="en-IN" sz="1400" spc="-1" strike="noStrike">
+                <a:solidFill>
+                  <a:srgbClr val="000000"/>
+                </a:solidFill>
+                <a:latin typeface="Times New Roman"/>
+              </a:defRPr>
+            </a:lvl1pPr>
+          </a:lstStyle>
+          <a:p>
+            <a:pPr indent="0">
+              <a:buNone/>
+            </a:pPr>
+            <a:r>
+              <a:rPr b="0" lang="en-IN" sz="1400" spc="-1" strike="noStrike">
+                <a:solidFill>
+                  <a:srgbClr val="000000"/>
+                </a:solidFill>
+                <a:latin typeface="Times New Roman"/>
+              </a:rPr>
+              <a:t>&lt;date/time&gt;</a:t>
+            </a:r>
+            <a:endParaRPr b="0" lang="en-IN" sz="1400" spc="-1" strike="noStrike">
               <a:solidFill>
                 <a:srgbClr val="000000"/>
               </a:solidFill>
@@ -7876,23 +7961,23 @@
             <a:noAutofit/>
           </a:bodyPr>
           <a:p>
-            <a:pPr indent="0">
+            <a:pPr indent="0" algn="ctr">
               <a:buNone/>
             </a:pPr>
             <a:r>
-              <a:rPr b="0" lang="en-US" sz="1800" spc="-1" strike="noStrike">
+              <a:rPr b="0" lang="en-IN" sz="4400" spc="-1" strike="noStrike">
                 <a:solidFill>
                   <a:srgbClr val="000000"/>
                 </a:solidFill>
-                <a:latin typeface="Trebuchet MS"/>
+                <a:latin typeface="Arial"/>
               </a:rPr>
               <a:t>Click to edit the title text format</a:t>
             </a:r>
-            <a:endParaRPr b="0" lang="en-US" sz="1800" spc="-1" strike="noStrike">
-              <a:solidFill>
-                <a:srgbClr val="000000"/>
-              </a:solidFill>
-              <a:latin typeface="Trebuchet MS"/>
+            <a:endParaRPr b="0" lang="en-IN" sz="4400" spc="-1" strike="noStrike">
+              <a:solidFill>
+                <a:srgbClr val="000000"/>
+              </a:solidFill>
+              <a:latin typeface="Arial"/>
             </a:endParaRPr>
           </a:p>
         </p:txBody>
@@ -7937,19 +8022,19 @@
               <a:buChar char=""/>
             </a:pPr>
             <a:r>
-              <a:rPr b="0" lang="en-US" sz="1800" spc="-1" strike="noStrike">
+              <a:rPr b="0" lang="en-IN" sz="3200" spc="-1" strike="noStrike">
                 <a:solidFill>
-                  <a:srgbClr val="404040"/>
+                  <a:srgbClr val="000000"/>
                 </a:solidFill>
-                <a:latin typeface="Trebuchet MS"/>
+                <a:latin typeface="Arial"/>
               </a:rPr>
               <a:t>Click to edit the outline text format</a:t>
             </a:r>
-            <a:endParaRPr b="0" lang="en-US" sz="1800" spc="-1" strike="noStrike">
-              <a:solidFill>
-                <a:srgbClr val="404040"/>
-              </a:solidFill>
-              <a:latin typeface="Trebuchet MS"/>
+            <a:endParaRPr b="0" lang="en-IN" sz="3200" spc="-1" strike="noStrike">
+              <a:solidFill>
+                <a:srgbClr val="000000"/>
+              </a:solidFill>
+              <a:latin typeface="Arial"/>
             </a:endParaRPr>
           </a:p>
           <a:p>
@@ -7965,19 +8050,19 @@
               <a:buChar char=""/>
             </a:pPr>
             <a:r>
-              <a:rPr b="0" lang="en-US" sz="1400" spc="-1" strike="noStrike">
+              <a:rPr b="0" lang="en-IN" sz="2800" spc="-1" strike="noStrike">
                 <a:solidFill>
-                  <a:srgbClr val="404040"/>
+                  <a:srgbClr val="000000"/>
                 </a:solidFill>
-                <a:latin typeface="Trebuchet MS"/>
+                <a:latin typeface="Arial"/>
               </a:rPr>
               <a:t>Second Outline Level</a:t>
             </a:r>
-            <a:endParaRPr b="0" lang="en-US" sz="1400" spc="-1" strike="noStrike">
-              <a:solidFill>
-                <a:srgbClr val="404040"/>
-              </a:solidFill>
-              <a:latin typeface="Trebuchet MS"/>
+            <a:endParaRPr b="0" lang="en-IN" sz="2800" spc="-1" strike="noStrike">
+              <a:solidFill>
+                <a:srgbClr val="000000"/>
+              </a:solidFill>
+              <a:latin typeface="Arial"/>
             </a:endParaRPr>
           </a:p>
           <a:p>
@@ -7993,19 +8078,19 @@
               <a:buChar char=""/>
             </a:pPr>
             <a:r>
-              <a:rPr b="0" lang="en-US" sz="1200" spc="-1" strike="noStrike">
+              <a:rPr b="0" lang="en-IN" sz="2400" spc="-1" strike="noStrike">
                 <a:solidFill>
-                  <a:srgbClr val="404040"/>
+                  <a:srgbClr val="000000"/>
                 </a:solidFill>
-                <a:latin typeface="Trebuchet MS"/>
+                <a:latin typeface="Arial"/>
               </a:rPr>
               <a:t>Third Outline Level</a:t>
             </a:r>
-            <a:endParaRPr b="0" lang="en-US" sz="1200" spc="-1" strike="noStrike">
-              <a:solidFill>
-                <a:srgbClr val="404040"/>
-              </a:solidFill>
-              <a:latin typeface="Trebuchet MS"/>
+            <a:endParaRPr b="0" lang="en-IN" sz="2400" spc="-1" strike="noStrike">
+              <a:solidFill>
+                <a:srgbClr val="000000"/>
+              </a:solidFill>
+              <a:latin typeface="Arial"/>
             </a:endParaRPr>
           </a:p>
           <a:p>
@@ -8021,19 +8106,19 @@
               <a:buChar char=""/>
             </a:pPr>
             <a:r>
-              <a:rPr b="0" lang="en-US" sz="1200" spc="-1" strike="noStrike">
+              <a:rPr b="0" lang="en-IN" sz="2000" spc="-1" strike="noStrike">
                 <a:solidFill>
-                  <a:srgbClr val="404040"/>
+                  <a:srgbClr val="000000"/>
                 </a:solidFill>
-                <a:latin typeface="Trebuchet MS"/>
+                <a:latin typeface="Arial"/>
               </a:rPr>
               <a:t>Fourth Outline Level</a:t>
             </a:r>
-            <a:endParaRPr b="0" lang="en-US" sz="1200" spc="-1" strike="noStrike">
-              <a:solidFill>
-                <a:srgbClr val="404040"/>
-              </a:solidFill>
-              <a:latin typeface="Trebuchet MS"/>
+            <a:endParaRPr b="0" lang="en-IN" sz="2000" spc="-1" strike="noStrike">
+              <a:solidFill>
+                <a:srgbClr val="000000"/>
+              </a:solidFill>
+              <a:latin typeface="Arial"/>
             </a:endParaRPr>
           </a:p>
           <a:p>
@@ -8049,19 +8134,19 @@
               <a:buChar char=""/>
             </a:pPr>
             <a:r>
-              <a:rPr b="0" lang="en-US" sz="2000" spc="-1" strike="noStrike">
+              <a:rPr b="0" lang="en-IN" sz="2000" spc="-1" strike="noStrike">
                 <a:solidFill>
-                  <a:srgbClr val="404040"/>
+                  <a:srgbClr val="000000"/>
                 </a:solidFill>
-                <a:latin typeface="Trebuchet MS"/>
+                <a:latin typeface="Arial"/>
               </a:rPr>
               <a:t>Fifth Outline Level</a:t>
             </a:r>
-            <a:endParaRPr b="0" lang="en-US" sz="2000" spc="-1" strike="noStrike">
-              <a:solidFill>
-                <a:srgbClr val="404040"/>
-              </a:solidFill>
-              <a:latin typeface="Trebuchet MS"/>
+            <a:endParaRPr b="0" lang="en-IN" sz="2000" spc="-1" strike="noStrike">
+              <a:solidFill>
+                <a:srgbClr val="000000"/>
+              </a:solidFill>
+              <a:latin typeface="Arial"/>
             </a:endParaRPr>
           </a:p>
           <a:p>
@@ -8077,19 +8162,19 @@
               <a:buChar char=""/>
             </a:pPr>
             <a:r>
-              <a:rPr b="0" lang="en-US" sz="2000" spc="-1" strike="noStrike">
+              <a:rPr b="0" lang="en-IN" sz="2000" spc="-1" strike="noStrike">
                 <a:solidFill>
-                  <a:srgbClr val="404040"/>
+                  <a:srgbClr val="000000"/>
                 </a:solidFill>
-                <a:latin typeface="Trebuchet MS"/>
+                <a:latin typeface="Arial"/>
               </a:rPr>
               <a:t>Sixth Outline Level</a:t>
             </a:r>
-            <a:endParaRPr b="0" lang="en-US" sz="2000" spc="-1" strike="noStrike">
-              <a:solidFill>
-                <a:srgbClr val="404040"/>
-              </a:solidFill>
-              <a:latin typeface="Trebuchet MS"/>
+            <a:endParaRPr b="0" lang="en-IN" sz="2000" spc="-1" strike="noStrike">
+              <a:solidFill>
+                <a:srgbClr val="000000"/>
+              </a:solidFill>
+              <a:latin typeface="Arial"/>
             </a:endParaRPr>
           </a:p>
           <a:p>
@@ -8105,19 +8190,19 @@
               <a:buChar char=""/>
             </a:pPr>
             <a:r>
-              <a:rPr b="0" lang="en-US" sz="2000" spc="-1" strike="noStrike">
+              <a:rPr b="0" lang="en-IN" sz="2000" spc="-1" strike="noStrike">
                 <a:solidFill>
-                  <a:srgbClr val="404040"/>
+                  <a:srgbClr val="000000"/>
                 </a:solidFill>
-                <a:latin typeface="Trebuchet MS"/>
+                <a:latin typeface="Arial"/>
               </a:rPr>
               <a:t>Seventh Outline Level</a:t>
             </a:r>
-            <a:endParaRPr b="0" lang="en-US" sz="2000" spc="-1" strike="noStrike">
-              <a:solidFill>
-                <a:srgbClr val="404040"/>
-              </a:solidFill>
-              <a:latin typeface="Trebuchet MS"/>
+            <a:endParaRPr b="0" lang="en-IN" sz="2000" spc="-1" strike="noStrike">
+              <a:solidFill>
+                <a:srgbClr val="000000"/>
+              </a:solidFill>
+              <a:latin typeface="Arial"/>
             </a:endParaRPr>
           </a:p>
         </p:txBody>
@@ -8168,7 +8253,7 @@
         <p:spPr>
           <a:xfrm>
             <a:off x="3764520" y="258840"/>
-            <a:ext cx="9513720" cy="3444120"/>
+            <a:ext cx="9513360" cy="3442680"/>
           </a:xfrm>
           <a:prstGeom prst="rect">
             <a:avLst/>
@@ -8185,7 +8270,7 @@
           <a:fontRef idx="minor"/>
         </p:style>
         <p:txBody>
-          <a:bodyPr anchor="t">
+          <a:bodyPr lIns="90000" rIns="90000" tIns="45000" bIns="45000" anchor="t">
             <a:spAutoFit/>
           </a:bodyPr>
           <a:p>
@@ -8200,6 +8285,7 @@
                   <a:srgbClr val="000000"/>
                 </a:solidFill>
                 <a:latin typeface="Bauhaus 93"/>
+                <a:ea typeface="DejaVu Sans"/>
               </a:rPr>
               <a:t>Toy Sales Report Dashboard</a:t>
             </a:r>
@@ -8248,6 +8334,7 @@
                   <a:srgbClr val="000000"/>
                 </a:solidFill>
                 <a:latin typeface="Agency FB"/>
+                <a:ea typeface="DejaVu Sans"/>
               </a:rPr>
               <a:t>Tools Used: Power BI | SQL | Excel    </a:t>
             </a:r>
@@ -8270,6 +8357,7 @@
                   <a:srgbClr val="000000"/>
                 </a:solidFill>
                 <a:latin typeface="Agency FB"/>
+                <a:ea typeface="DejaVu Sans"/>
               </a:rPr>
               <a:t>Your Role: Data Analyst   </a:t>
             </a:r>
@@ -8292,6 +8380,7 @@
                   <a:srgbClr val="000000"/>
                 </a:solidFill>
                 <a:latin typeface="Agency FB"/>
+                <a:ea typeface="DejaVu Sans"/>
               </a:rPr>
               <a:t>Duration: Feb 2025 – Mar 2025</a:t>
             </a:r>
@@ -8340,6 +8429,7 @@
                   <a:srgbClr val="000000"/>
                 </a:solidFill>
                 <a:latin typeface="Agency FB"/>
+                <a:ea typeface="DejaVu Sans"/>
               </a:rPr>
               <a:t>Comprehensive analysis of toy store performance, sales, and inventory metrics</a:t>
             </a:r>
@@ -8374,7 +8464,7 @@
         <p:spPr>
           <a:xfrm>
             <a:off x="3765600" y="4563360"/>
-            <a:ext cx="9513720" cy="394560"/>
+            <a:ext cx="9513360" cy="394560"/>
           </a:xfrm>
           <a:prstGeom prst="rect">
             <a:avLst/>
@@ -8406,6 +8496,7 @@
                   <a:srgbClr val="000000"/>
                 </a:solidFill>
                 <a:latin typeface="Bauhaus 93"/>
+                <a:ea typeface="DejaVu Sans"/>
               </a:rPr>
               <a:t>PRESENTED BY: VAISHNAVI SWAPNIL RAUT</a:t>
             </a:r>
@@ -8431,7 +8522,7 @@
         <p:spPr>
           <a:xfrm>
             <a:off x="-3240" y="0"/>
-            <a:ext cx="4511520" cy="6870960"/>
+            <a:ext cx="4511160" cy="6870600"/>
           </a:xfrm>
           <a:prstGeom prst="rect">
             <a:avLst/>
@@ -8611,7 +8702,7 @@
         <p:spPr>
           <a:xfrm>
             <a:off x="1298160" y="538560"/>
-            <a:ext cx="9313560" cy="5542920"/>
+            <a:ext cx="9313200" cy="5541480"/>
           </a:xfrm>
           <a:prstGeom prst="rect">
             <a:avLst/>
@@ -8628,7 +8719,7 @@
           <a:fontRef idx="minor"/>
         </p:style>
         <p:txBody>
-          <a:bodyPr anchor="t">
+          <a:bodyPr lIns="90000" rIns="90000" tIns="45000" bIns="45000" anchor="t">
             <a:spAutoFit/>
           </a:bodyPr>
           <a:p>
@@ -8651,6 +8742,7 @@
                   <a:srgbClr val="000000"/>
                 </a:solidFill>
                 <a:latin typeface="Bauhaus 93"/>
+                <a:ea typeface="DejaVu Sans"/>
               </a:rPr>
               <a:t>Goal Of Project</a:t>
             </a:r>
@@ -8660,6 +8752,7 @@
                   <a:srgbClr val="000000"/>
                 </a:solidFill>
                 <a:latin typeface="Times New Roman"/>
+                <a:ea typeface="DejaVu Sans"/>
               </a:rPr>
               <a:t>:</a:t>
             </a:r>
@@ -8706,6 +8799,7 @@
                   <a:srgbClr val="000000"/>
                 </a:solidFill>
                 <a:latin typeface="Times New Roman"/>
+                <a:ea typeface="DejaVu Sans"/>
               </a:rPr>
               <a:t> </a:t>
             </a:r>
@@ -8715,6 +8809,7 @@
                   <a:srgbClr val="000000"/>
                 </a:solidFill>
                 <a:latin typeface="Agency FB"/>
+                <a:ea typeface="DejaVu Sans"/>
               </a:rPr>
               <a:t>To analyze toy sales data across multiple store locations to uncover sales trends, location-wise performance, product demand, and inventory insights for better business decision-making.</a:t>
             </a:r>
@@ -8758,6 +8853,7 @@
                   <a:srgbClr val="000000"/>
                 </a:solidFill>
                 <a:latin typeface="Times New Roman"/>
+                <a:ea typeface="DejaVu Sans"/>
               </a:rPr>
               <a:t>Sales Performance</a:t>
             </a:r>
@@ -8785,6 +8881,7 @@
                   <a:srgbClr val="000000"/>
                 </a:solidFill>
                 <a:latin typeface="Times New Roman"/>
+                <a:ea typeface="DejaVu Sans"/>
               </a:rPr>
               <a:t>Inventory Management</a:t>
             </a:r>
@@ -8812,6 +8909,7 @@
                   <a:srgbClr val="000000"/>
                 </a:solidFill>
                 <a:latin typeface="Times New Roman"/>
+                <a:ea typeface="DejaVu Sans"/>
               </a:rPr>
               <a:t>Business Decision-Making</a:t>
             </a:r>
@@ -8918,9 +9016,9 @@
         <p:grpSpPr>
           <a:xfrm>
             <a:off x="0" y="-8640"/>
-            <a:ext cx="12191760" cy="6866640"/>
+            <a:ext cx="12191400" cy="6867000"/>
             <a:chOff x="0" y="-8640"/>
-            <a:chExt cx="12191760" cy="6866640"/>
+            <a:chExt cx="12191400" cy="6867000"/>
           </a:xfrm>
         </p:grpSpPr>
         <p:cxnSp>
@@ -8932,7 +9030,7 @@
           <p:spPr>
             <a:xfrm>
               <a:off x="9370800" y="0"/>
-              <a:ext cx="1219680" cy="6858360"/>
+              <a:ext cx="1220040" cy="6858720"/>
             </a:xfrm>
             <a:prstGeom prst="straightConnector1">
               <a:avLst/>
@@ -8956,7 +9054,7 @@
           <p:spPr>
             <a:xfrm flipH="1">
               <a:off x="7425000" y="3681360"/>
-              <a:ext cx="4763880" cy="3177000"/>
+              <a:ext cx="4764240" cy="3177360"/>
             </a:xfrm>
             <a:prstGeom prst="straightConnector1">
               <a:avLst/>
@@ -8980,15 +9078,15 @@
           <p:spPr>
             <a:xfrm>
               <a:off x="9181440" y="-8640"/>
-              <a:ext cx="3007080" cy="6866280"/>
+              <a:ext cx="3006720" cy="6865920"/>
             </a:xfrm>
             <a:custGeom>
               <a:avLst/>
               <a:gdLst>
-                <a:gd name="textAreaLeft" fmla="*/ 0 w 3007080"/>
-                <a:gd name="textAreaRight" fmla="*/ 3007440 w 3007080"/>
-                <a:gd name="textAreaTop" fmla="*/ 0 h 6866280"/>
-                <a:gd name="textAreaBottom" fmla="*/ 6866640 h 6866280"/>
+                <a:gd name="textAreaLeft" fmla="*/ 0 w 3006720"/>
+                <a:gd name="textAreaRight" fmla="*/ 3007440 w 3006720"/>
+                <a:gd name="textAreaTop" fmla="*/ 0 h 6865920"/>
+                <a:gd name="textAreaBottom" fmla="*/ 6866640 h 6865920"/>
               </a:gdLst>
               <a:ahLst/>
               <a:rect l="textAreaLeft" t="textAreaTop" r="textAreaRight" b="textAreaBottom"/>
@@ -9056,6 +9154,7 @@
                   <a:schemeClr val="lt1"/>
                 </a:solidFill>
                 <a:latin typeface="Trebuchet MS"/>
+                <a:ea typeface="DejaVu Sans"/>
               </a:endParaRPr>
             </a:p>
           </p:txBody>
@@ -9069,15 +9168,15 @@
           <p:spPr>
             <a:xfrm>
               <a:off x="9603360" y="-8640"/>
-              <a:ext cx="2588040" cy="6866280"/>
+              <a:ext cx="2587680" cy="6865920"/>
             </a:xfrm>
             <a:custGeom>
               <a:avLst/>
               <a:gdLst>
-                <a:gd name="textAreaLeft" fmla="*/ 0 w 2588040"/>
-                <a:gd name="textAreaRight" fmla="*/ 2588400 w 2588040"/>
-                <a:gd name="textAreaTop" fmla="*/ 0 h 6866280"/>
-                <a:gd name="textAreaBottom" fmla="*/ 6866640 h 6866280"/>
+                <a:gd name="textAreaLeft" fmla="*/ 0 w 2587680"/>
+                <a:gd name="textAreaRight" fmla="*/ 2588400 w 2587680"/>
+                <a:gd name="textAreaTop" fmla="*/ 0 h 6865920"/>
+                <a:gd name="textAreaBottom" fmla="*/ 6866640 h 6865920"/>
               </a:gdLst>
               <a:ahLst/>
               <a:rect l="textAreaLeft" t="textAreaTop" r="textAreaRight" b="textAreaBottom"/>
@@ -9145,6 +9244,7 @@
                   <a:schemeClr val="lt1"/>
                 </a:solidFill>
                 <a:latin typeface="Trebuchet MS"/>
+                <a:ea typeface="DejaVu Sans"/>
               </a:endParaRPr>
             </a:p>
           </p:txBody>
@@ -9158,7 +9258,7 @@
           <p:spPr>
             <a:xfrm>
               <a:off x="8932320" y="3048120"/>
-              <a:ext cx="3259440" cy="3809520"/>
+              <a:ext cx="3259080" cy="3809160"/>
             </a:xfrm>
             <a:prstGeom prst="triangle">
               <a:avLst>
@@ -9209,6 +9309,7 @@
                   <a:schemeClr val="lt1"/>
                 </a:solidFill>
                 <a:latin typeface="Trebuchet MS"/>
+                <a:ea typeface="DejaVu Sans"/>
               </a:endParaRPr>
             </a:p>
           </p:txBody>
@@ -9222,15 +9323,15 @@
           <p:spPr>
             <a:xfrm>
               <a:off x="9334440" y="-8640"/>
-              <a:ext cx="2854080" cy="6866280"/>
+              <a:ext cx="2853720" cy="6865920"/>
             </a:xfrm>
             <a:custGeom>
               <a:avLst/>
               <a:gdLst>
-                <a:gd name="textAreaLeft" fmla="*/ 0 w 2854080"/>
-                <a:gd name="textAreaRight" fmla="*/ 2854440 w 2854080"/>
-                <a:gd name="textAreaTop" fmla="*/ 0 h 6866280"/>
-                <a:gd name="textAreaBottom" fmla="*/ 6866640 h 6866280"/>
+                <a:gd name="textAreaLeft" fmla="*/ 0 w 2853720"/>
+                <a:gd name="textAreaRight" fmla="*/ 2854440 w 2853720"/>
+                <a:gd name="textAreaTop" fmla="*/ 0 h 6865920"/>
+                <a:gd name="textAreaBottom" fmla="*/ 6866640 h 6865920"/>
               </a:gdLst>
               <a:ahLst/>
               <a:rect l="textAreaLeft" t="textAreaTop" r="textAreaRight" b="textAreaBottom"/>
@@ -9299,6 +9400,7 @@
                   <a:schemeClr val="lt1"/>
                 </a:solidFill>
                 <a:latin typeface="Trebuchet MS"/>
+                <a:ea typeface="DejaVu Sans"/>
               </a:endParaRPr>
             </a:p>
           </p:txBody>
@@ -9312,15 +9414,15 @@
           <p:spPr>
             <a:xfrm>
               <a:off x="10898640" y="-8640"/>
-              <a:ext cx="1289880" cy="6866280"/>
+              <a:ext cx="1289520" cy="6865920"/>
             </a:xfrm>
             <a:custGeom>
               <a:avLst/>
               <a:gdLst>
-                <a:gd name="textAreaLeft" fmla="*/ 0 w 1289880"/>
-                <a:gd name="textAreaRight" fmla="*/ 1290240 w 1289880"/>
-                <a:gd name="textAreaTop" fmla="*/ 0 h 6866280"/>
-                <a:gd name="textAreaBottom" fmla="*/ 6866640 h 6866280"/>
+                <a:gd name="textAreaLeft" fmla="*/ 0 w 1289520"/>
+                <a:gd name="textAreaRight" fmla="*/ 1290240 w 1289520"/>
+                <a:gd name="textAreaTop" fmla="*/ 0 h 6865920"/>
+                <a:gd name="textAreaBottom" fmla="*/ 6866640 h 6865920"/>
               </a:gdLst>
               <a:ahLst/>
               <a:rect l="textAreaLeft" t="textAreaTop" r="textAreaRight" b="textAreaBottom"/>
@@ -9388,6 +9490,7 @@
                   <a:schemeClr val="lt1"/>
                 </a:solidFill>
                 <a:latin typeface="Trebuchet MS"/>
+                <a:ea typeface="DejaVu Sans"/>
               </a:endParaRPr>
             </a:p>
           </p:txBody>
@@ -9401,15 +9504,15 @@
           <p:spPr>
             <a:xfrm>
               <a:off x="10938960" y="-8640"/>
-              <a:ext cx="1249560" cy="6866280"/>
+              <a:ext cx="1249200" cy="6865920"/>
             </a:xfrm>
             <a:custGeom>
               <a:avLst/>
               <a:gdLst>
-                <a:gd name="textAreaLeft" fmla="*/ 0 w 1249560"/>
-                <a:gd name="textAreaRight" fmla="*/ 1249920 w 1249560"/>
-                <a:gd name="textAreaTop" fmla="*/ 0 h 6866280"/>
-                <a:gd name="textAreaBottom" fmla="*/ 6866640 h 6866280"/>
+                <a:gd name="textAreaLeft" fmla="*/ 0 w 1249200"/>
+                <a:gd name="textAreaRight" fmla="*/ 1249920 w 1249200"/>
+                <a:gd name="textAreaTop" fmla="*/ 0 h 6865920"/>
+                <a:gd name="textAreaBottom" fmla="*/ 6866640 h 6865920"/>
               </a:gdLst>
               <a:ahLst/>
               <a:rect l="textAreaLeft" t="textAreaTop" r="textAreaRight" b="textAreaBottom"/>
@@ -9478,6 +9581,7 @@
                   <a:schemeClr val="lt1"/>
                 </a:solidFill>
                 <a:latin typeface="Trebuchet MS"/>
+                <a:ea typeface="DejaVu Sans"/>
               </a:endParaRPr>
             </a:p>
           </p:txBody>
@@ -9491,7 +9595,7 @@
           <p:spPr>
             <a:xfrm>
               <a:off x="10371600" y="3589920"/>
-              <a:ext cx="1816920" cy="3267720"/>
+              <a:ext cx="1816560" cy="3267360"/>
             </a:xfrm>
             <a:prstGeom prst="triangle">
               <a:avLst>
@@ -9542,6 +9646,7 @@
                   <a:schemeClr val="lt1"/>
                 </a:solidFill>
                 <a:latin typeface="Trebuchet MS"/>
+                <a:ea typeface="DejaVu Sans"/>
               </a:endParaRPr>
             </a:p>
           </p:txBody>
@@ -9555,7 +9660,7 @@
           <p:spPr>
             <a:xfrm>
               <a:off x="0" y="4013280"/>
-              <a:ext cx="448200" cy="2844360"/>
+              <a:ext cx="447840" cy="2844000"/>
             </a:xfrm>
             <a:prstGeom prst="triangle">
               <a:avLst>
@@ -9605,6 +9710,7 @@
                   <a:schemeClr val="lt1"/>
                 </a:solidFill>
                 <a:latin typeface="Trebuchet MS"/>
+                <a:ea typeface="DejaVu Sans"/>
               </a:endParaRPr>
             </a:p>
           </p:txBody>
@@ -9619,7 +9725,7 @@
         <p:spPr>
           <a:xfrm>
             <a:off x="4766760" y="267840"/>
-            <a:ext cx="5698800" cy="6056280"/>
+            <a:ext cx="5698440" cy="6055920"/>
           </a:xfrm>
           <a:prstGeom prst="rect">
             <a:avLst/>
@@ -9636,7 +9742,7 @@
           <a:fontRef idx="minor"/>
         </p:style>
         <p:txBody>
-          <a:bodyPr anchor="t">
+          <a:bodyPr lIns="90000" rIns="90000" tIns="45000" bIns="45000" anchor="t">
             <a:normAutofit/>
           </a:bodyPr>
           <a:p>
@@ -9660,6 +9766,7 @@
                   <a:srgbClr val="404040"/>
                 </a:solidFill>
                 <a:latin typeface="Agency FB"/>
+                <a:ea typeface="DejaVu Sans"/>
               </a:rPr>
               <a:t>The toy retail chain was struggling to track and compare sales performance across multiple store locations.</a:t>
             </a:r>
@@ -9707,6 +9814,7 @@
                   <a:srgbClr val="404040"/>
                 </a:solidFill>
                 <a:latin typeface="Agency FB"/>
+                <a:ea typeface="DejaVu Sans"/>
               </a:rPr>
               <a:t>        </a:t>
             </a:r>
@@ -9716,6 +9824,7 @@
                   <a:srgbClr val="404040"/>
                 </a:solidFill>
                 <a:latin typeface="Agency FB"/>
+                <a:ea typeface="DejaVu Sans"/>
               </a:rPr>
               <a:t>Toy store faced challenges such as:</a:t>
             </a:r>
@@ -9763,6 +9872,7 @@
                   <a:srgbClr val="404040"/>
                 </a:solidFill>
                 <a:latin typeface="Agency FB"/>
+                <a:ea typeface="DejaVu Sans"/>
               </a:rPr>
               <a:t>Lack of centralized visibility into sales, profit, and inventory data.</a:t>
             </a:r>
@@ -9810,6 +9920,7 @@
                   <a:srgbClr val="404040"/>
                 </a:solidFill>
                 <a:latin typeface="Agency FB"/>
+                <a:ea typeface="DejaVu Sans"/>
               </a:rPr>
               <a:t>Difficulty identifying high- and low-performing stores or products.</a:t>
             </a:r>
@@ -9857,6 +9968,7 @@
                   <a:srgbClr val="404040"/>
                 </a:solidFill>
                 <a:latin typeface="Agency FB"/>
+                <a:ea typeface="DejaVu Sans"/>
               </a:rPr>
               <a:t>Inefficient inventory distribution causing overstock or stockouts.</a:t>
             </a:r>
@@ -9904,6 +10016,7 @@
                   <a:srgbClr val="404040"/>
                 </a:solidFill>
                 <a:latin typeface="Agency FB"/>
+                <a:ea typeface="DejaVu Sans"/>
               </a:rPr>
               <a:t>Limited insights into location-based and seasonal sales trends.</a:t>
             </a:r>
@@ -9951,6 +10064,7 @@
                   <a:srgbClr val="404040"/>
                 </a:solidFill>
                 <a:latin typeface="Agency FB"/>
+                <a:ea typeface="DejaVu Sans"/>
               </a:rPr>
               <a:t>Manual reporting leading to delayed decision-making</a:t>
             </a:r>
@@ -9960,6 +10074,7 @@
                   <a:srgbClr val="404040"/>
                 </a:solidFill>
                 <a:latin typeface="Trebuchet MS"/>
+                <a:ea typeface="DejaVu Sans"/>
               </a:rPr>
               <a:t>.</a:t>
             </a:r>
@@ -9986,7 +10101,7 @@
         <p:spPr>
           <a:xfrm>
             <a:off x="346680" y="405360"/>
-            <a:ext cx="3942360" cy="5636160"/>
+            <a:ext cx="3942000" cy="5635800"/>
           </a:xfrm>
           <a:prstGeom prst="rect">
             <a:avLst/>
@@ -10042,7 +10157,7 @@
         <p:spPr>
           <a:xfrm>
             <a:off x="0" y="0"/>
-            <a:ext cx="12191760" cy="6857640"/>
+            <a:ext cx="12191400" cy="6857280"/>
           </a:xfrm>
           <a:prstGeom prst="rect">
             <a:avLst/>
@@ -10083,6 +10198,7 @@
                 <a:schemeClr val="lt1"/>
               </a:solidFill>
               <a:latin typeface="Trebuchet MS"/>
+              <a:ea typeface="DejaVu Sans"/>
             </a:endParaRPr>
           </a:p>
         </p:txBody>
@@ -10096,7 +10212,7 @@
         <p:spPr>
           <a:xfrm>
             <a:off x="477000" y="480240"/>
-            <a:ext cx="11237760" cy="5897520"/>
+            <a:ext cx="11237400" cy="5897160"/>
           </a:xfrm>
           <a:prstGeom prst="rect">
             <a:avLst/>
@@ -10140,24 +10256,79 @@
                 <a:schemeClr val="lt1"/>
               </a:solidFill>
               <a:latin typeface="Trebuchet MS"/>
+              <a:ea typeface="DejaVu Sans"/>
+            </a:endParaRPr>
+          </a:p>
+        </p:txBody>
+      </p:sp>
+      <p:sp>
+        <p:nvSpPr>
+          <p:cNvPr id="134" name="Rectangle 1"/>
+          <p:cNvSpPr/>
+          <p:nvPr/>
+        </p:nvSpPr>
+        <p:spPr>
+          <a:xfrm>
+            <a:off x="462240" y="480240"/>
+            <a:ext cx="11417760" cy="6179760"/>
+          </a:xfrm>
+          <a:prstGeom prst="rect">
+            <a:avLst/>
+          </a:prstGeom>
+          <a:solidFill>
+            <a:srgbClr val="fcc318"/>
+          </a:solidFill>
+          <a:ln cap="rnd">
+            <a:solidFill>
+              <a:srgbClr val="ffffff"/>
+            </a:solidFill>
+            <a:round/>
+          </a:ln>
+        </p:spPr>
+        <p:style>
+          <a:lnRef idx="2">
+            <a:schemeClr val="accent1">
+              <a:shade val="50000"/>
+            </a:schemeClr>
+          </a:lnRef>
+          <a:fillRef idx="1">
+            <a:schemeClr val="accent1"/>
+          </a:fillRef>
+          <a:effectRef idx="0">
+            <a:schemeClr val="accent1"/>
+          </a:effectRef>
+          <a:fontRef idx="minor"/>
+        </p:style>
+        <p:txBody>
+          <a:bodyPr lIns="90000" rIns="90000" tIns="45000" bIns="45000" anchor="ctr">
+            <a:noAutofit/>
+          </a:bodyPr>
+          <a:p>
+            <a:endParaRPr b="0" lang="en-US" sz="1800" spc="-1" strike="noStrike">
+              <a:solidFill>
+                <a:schemeClr val="lt1"/>
+              </a:solidFill>
+              <a:latin typeface="Trebuchet MS"/>
+              <a:ea typeface="DejaVu Sans"/>
             </a:endParaRPr>
           </a:p>
         </p:txBody>
       </p:sp>
       <p:pic>
         <p:nvPicPr>
-          <p:cNvPr id="134" name="" descr=""/>
+          <p:cNvPr id="135" name="" descr=""/>
           <p:cNvPicPr/>
           <p:nvPr/>
         </p:nvPicPr>
         <p:blipFill>
           <a:blip r:embed="rId1"/>
+          <a:srcRect l="76" t="1608" r="1611" b="0"/>
           <a:stretch/>
         </p:blipFill>
         <p:spPr>
           <a:xfrm>
-            <a:off x="720000" y="720000"/>
-            <a:ext cx="10800000" cy="5430960"/>
+            <a:off x="540000" y="540000"/>
+            <a:ext cx="11174400" cy="6041880"/>
           </a:xfrm>
           <a:prstGeom prst="rect">
             <a:avLst/>
@@ -10206,28 +10377,28 @@
       </p:grpSpPr>
       <p:grpSp>
         <p:nvGrpSpPr>
-          <p:cNvPr id="135" name="Group 67"/>
+          <p:cNvPr id="136" name="Group 67"/>
           <p:cNvGrpSpPr/>
           <p:nvPr/>
         </p:nvGrpSpPr>
         <p:grpSpPr>
           <a:xfrm>
             <a:off x="0" y="-8640"/>
-            <a:ext cx="12191760" cy="6866640"/>
+            <a:ext cx="12191400" cy="6867000"/>
             <a:chOff x="0" y="-8640"/>
-            <a:chExt cx="12191760" cy="6866640"/>
+            <a:chExt cx="12191400" cy="6867000"/>
           </a:xfrm>
         </p:grpSpPr>
         <p:cxnSp>
           <p:nvCxnSpPr>
-            <p:cNvPr id="136" name="Straight Connector 68"/>
+            <p:cNvPr id="137" name="Straight Connector 68"/>
             <p:cNvCxnSpPr/>
             <p:nvPr/>
           </p:nvCxnSpPr>
           <p:spPr>
             <a:xfrm>
               <a:off x="9370800" y="0"/>
-              <a:ext cx="1219680" cy="6858360"/>
+              <a:ext cx="1220040" cy="6858720"/>
             </a:xfrm>
             <a:prstGeom prst="straightConnector1">
               <a:avLst/>
@@ -10244,14 +10415,14 @@
         </p:cxnSp>
         <p:cxnSp>
           <p:nvCxnSpPr>
-            <p:cNvPr id="137" name="Straight Connector 69"/>
+            <p:cNvPr id="138" name="Straight Connector 69"/>
             <p:cNvCxnSpPr/>
             <p:nvPr/>
           </p:nvCxnSpPr>
           <p:spPr>
             <a:xfrm flipH="1">
               <a:off x="7425000" y="3681360"/>
-              <a:ext cx="4763880" cy="3177000"/>
+              <a:ext cx="4764240" cy="3177360"/>
             </a:xfrm>
             <a:prstGeom prst="straightConnector1">
               <a:avLst/>
@@ -10268,22 +10439,22 @@
         </p:cxnSp>
         <p:sp>
           <p:nvSpPr>
-            <p:cNvPr id="138" name="Rectangle 23"/>
+            <p:cNvPr id="139" name="Rectangle 23"/>
             <p:cNvSpPr/>
             <p:nvPr/>
           </p:nvSpPr>
           <p:spPr>
             <a:xfrm>
               <a:off x="9181440" y="-8640"/>
-              <a:ext cx="3007080" cy="6866280"/>
+              <a:ext cx="3006720" cy="6865920"/>
             </a:xfrm>
             <a:custGeom>
               <a:avLst/>
               <a:gdLst>
-                <a:gd name="textAreaLeft" fmla="*/ 0 w 3007080"/>
-                <a:gd name="textAreaRight" fmla="*/ 3007440 w 3007080"/>
-                <a:gd name="textAreaTop" fmla="*/ 0 h 6866280"/>
-                <a:gd name="textAreaBottom" fmla="*/ 6866640 h 6866280"/>
+                <a:gd name="textAreaLeft" fmla="*/ 0 w 3006720"/>
+                <a:gd name="textAreaRight" fmla="*/ 3007440 w 3006720"/>
+                <a:gd name="textAreaTop" fmla="*/ 0 h 6865920"/>
+                <a:gd name="textAreaBottom" fmla="*/ 6866640 h 6865920"/>
               </a:gdLst>
               <a:ahLst/>
               <a:rect l="textAreaLeft" t="textAreaTop" r="textAreaRight" b="textAreaBottom"/>
@@ -10351,28 +10522,29 @@
                   <a:schemeClr val="lt1"/>
                 </a:solidFill>
                 <a:latin typeface="Trebuchet MS"/>
+                <a:ea typeface="DejaVu Sans"/>
               </a:endParaRPr>
             </a:p>
           </p:txBody>
         </p:sp>
         <p:sp>
           <p:nvSpPr>
-            <p:cNvPr id="139" name="Rectangle 25"/>
+            <p:cNvPr id="140" name="Rectangle 25"/>
             <p:cNvSpPr/>
             <p:nvPr/>
           </p:nvSpPr>
           <p:spPr>
             <a:xfrm>
               <a:off x="9603360" y="-8640"/>
-              <a:ext cx="2588040" cy="6866280"/>
+              <a:ext cx="2587680" cy="6865920"/>
             </a:xfrm>
             <a:custGeom>
               <a:avLst/>
               <a:gdLst>
-                <a:gd name="textAreaLeft" fmla="*/ 0 w 2588040"/>
-                <a:gd name="textAreaRight" fmla="*/ 2588400 w 2588040"/>
-                <a:gd name="textAreaTop" fmla="*/ 0 h 6866280"/>
-                <a:gd name="textAreaBottom" fmla="*/ 6866640 h 6866280"/>
+                <a:gd name="textAreaLeft" fmla="*/ 0 w 2587680"/>
+                <a:gd name="textAreaRight" fmla="*/ 2588400 w 2587680"/>
+                <a:gd name="textAreaTop" fmla="*/ 0 h 6865920"/>
+                <a:gd name="textAreaBottom" fmla="*/ 6866640 h 6865920"/>
               </a:gdLst>
               <a:ahLst/>
               <a:rect l="textAreaLeft" t="textAreaTop" r="textAreaRight" b="textAreaBottom"/>
@@ -10440,20 +10612,21 @@
                   <a:schemeClr val="lt1"/>
                 </a:solidFill>
                 <a:latin typeface="Trebuchet MS"/>
+                <a:ea typeface="DejaVu Sans"/>
               </a:endParaRPr>
             </a:p>
           </p:txBody>
         </p:sp>
         <p:sp>
           <p:nvSpPr>
-            <p:cNvPr id="140" name="Isosceles Triangle 72"/>
+            <p:cNvPr id="141" name="Isosceles Triangle 72"/>
             <p:cNvSpPr/>
             <p:nvPr/>
           </p:nvSpPr>
           <p:spPr>
             <a:xfrm>
               <a:off x="8932320" y="3048120"/>
-              <a:ext cx="3259440" cy="3809520"/>
+              <a:ext cx="3259080" cy="3809160"/>
             </a:xfrm>
             <a:prstGeom prst="triangle">
               <a:avLst>
@@ -10504,28 +10677,29 @@
                   <a:schemeClr val="lt1"/>
                 </a:solidFill>
                 <a:latin typeface="Trebuchet MS"/>
+                <a:ea typeface="DejaVu Sans"/>
               </a:endParaRPr>
             </a:p>
           </p:txBody>
         </p:sp>
         <p:sp>
           <p:nvSpPr>
-            <p:cNvPr id="141" name="Rectangle 27"/>
+            <p:cNvPr id="142" name="Rectangle 27"/>
             <p:cNvSpPr/>
             <p:nvPr/>
           </p:nvSpPr>
           <p:spPr>
             <a:xfrm>
               <a:off x="9334440" y="-8640"/>
-              <a:ext cx="2854080" cy="6866280"/>
+              <a:ext cx="2853720" cy="6865920"/>
             </a:xfrm>
             <a:custGeom>
               <a:avLst/>
               <a:gdLst>
-                <a:gd name="textAreaLeft" fmla="*/ 0 w 2854080"/>
-                <a:gd name="textAreaRight" fmla="*/ 2854440 w 2854080"/>
-                <a:gd name="textAreaTop" fmla="*/ 0 h 6866280"/>
-                <a:gd name="textAreaBottom" fmla="*/ 6866640 h 6866280"/>
+                <a:gd name="textAreaLeft" fmla="*/ 0 w 2853720"/>
+                <a:gd name="textAreaRight" fmla="*/ 2854440 w 2853720"/>
+                <a:gd name="textAreaTop" fmla="*/ 0 h 6865920"/>
+                <a:gd name="textAreaBottom" fmla="*/ 6866640 h 6865920"/>
               </a:gdLst>
               <a:ahLst/>
               <a:rect l="textAreaLeft" t="textAreaTop" r="textAreaRight" b="textAreaBottom"/>
@@ -10594,28 +10768,29 @@
                   <a:schemeClr val="lt1"/>
                 </a:solidFill>
                 <a:latin typeface="Trebuchet MS"/>
+                <a:ea typeface="DejaVu Sans"/>
               </a:endParaRPr>
             </a:p>
           </p:txBody>
         </p:sp>
         <p:sp>
           <p:nvSpPr>
-            <p:cNvPr id="142" name="Rectangle 28"/>
+            <p:cNvPr id="143" name="Rectangle 28"/>
             <p:cNvSpPr/>
             <p:nvPr/>
           </p:nvSpPr>
           <p:spPr>
             <a:xfrm>
               <a:off x="10898640" y="-8640"/>
-              <a:ext cx="1289880" cy="6866280"/>
+              <a:ext cx="1289520" cy="6865920"/>
             </a:xfrm>
             <a:custGeom>
               <a:avLst/>
               <a:gdLst>
-                <a:gd name="textAreaLeft" fmla="*/ 0 w 1289880"/>
-                <a:gd name="textAreaRight" fmla="*/ 1290240 w 1289880"/>
-                <a:gd name="textAreaTop" fmla="*/ 0 h 6866280"/>
-                <a:gd name="textAreaBottom" fmla="*/ 6866640 h 6866280"/>
+                <a:gd name="textAreaLeft" fmla="*/ 0 w 1289520"/>
+                <a:gd name="textAreaRight" fmla="*/ 1290240 w 1289520"/>
+                <a:gd name="textAreaTop" fmla="*/ 0 h 6865920"/>
+                <a:gd name="textAreaBottom" fmla="*/ 6866640 h 6865920"/>
               </a:gdLst>
               <a:ahLst/>
               <a:rect l="textAreaLeft" t="textAreaTop" r="textAreaRight" b="textAreaBottom"/>
@@ -10683,28 +10858,29 @@
                   <a:schemeClr val="lt1"/>
                 </a:solidFill>
                 <a:latin typeface="Trebuchet MS"/>
+                <a:ea typeface="DejaVu Sans"/>
               </a:endParaRPr>
             </a:p>
           </p:txBody>
         </p:sp>
         <p:sp>
           <p:nvSpPr>
-            <p:cNvPr id="143" name="Rectangle 29"/>
+            <p:cNvPr id="144" name="Rectangle 29"/>
             <p:cNvSpPr/>
             <p:nvPr/>
           </p:nvSpPr>
           <p:spPr>
             <a:xfrm>
               <a:off x="10938960" y="-8640"/>
-              <a:ext cx="1249560" cy="6866280"/>
+              <a:ext cx="1249200" cy="6865920"/>
             </a:xfrm>
             <a:custGeom>
               <a:avLst/>
               <a:gdLst>
-                <a:gd name="textAreaLeft" fmla="*/ 0 w 1249560"/>
-                <a:gd name="textAreaRight" fmla="*/ 1249920 w 1249560"/>
-                <a:gd name="textAreaTop" fmla="*/ 0 h 6866280"/>
-                <a:gd name="textAreaBottom" fmla="*/ 6866640 h 6866280"/>
+                <a:gd name="textAreaLeft" fmla="*/ 0 w 1249200"/>
+                <a:gd name="textAreaRight" fmla="*/ 1249920 w 1249200"/>
+                <a:gd name="textAreaTop" fmla="*/ 0 h 6865920"/>
+                <a:gd name="textAreaBottom" fmla="*/ 6866640 h 6865920"/>
               </a:gdLst>
               <a:ahLst/>
               <a:rect l="textAreaLeft" t="textAreaTop" r="textAreaRight" b="textAreaBottom"/>
@@ -10773,20 +10949,21 @@
                   <a:schemeClr val="lt1"/>
                 </a:solidFill>
                 <a:latin typeface="Trebuchet MS"/>
+                <a:ea typeface="DejaVu Sans"/>
               </a:endParaRPr>
             </a:p>
           </p:txBody>
         </p:sp>
         <p:sp>
           <p:nvSpPr>
-            <p:cNvPr id="144" name="Isosceles Triangle 76"/>
+            <p:cNvPr id="145" name="Isosceles Triangle 76"/>
             <p:cNvSpPr/>
             <p:nvPr/>
           </p:nvSpPr>
           <p:spPr>
             <a:xfrm>
               <a:off x="10371600" y="3589920"/>
-              <a:ext cx="1816920" cy="3267720"/>
+              <a:ext cx="1816560" cy="3267360"/>
             </a:xfrm>
             <a:prstGeom prst="triangle">
               <a:avLst>
@@ -10837,20 +11014,21 @@
                   <a:schemeClr val="lt1"/>
                 </a:solidFill>
                 <a:latin typeface="Trebuchet MS"/>
+                <a:ea typeface="DejaVu Sans"/>
               </a:endParaRPr>
             </a:p>
           </p:txBody>
         </p:sp>
         <p:sp>
           <p:nvSpPr>
-            <p:cNvPr id="145" name="Isosceles Triangle 77"/>
+            <p:cNvPr id="146" name="Isosceles Triangle 77"/>
             <p:cNvSpPr/>
             <p:nvPr/>
           </p:nvSpPr>
           <p:spPr>
             <a:xfrm>
               <a:off x="0" y="4013280"/>
-              <a:ext cx="448200" cy="2844360"/>
+              <a:ext cx="447840" cy="2844000"/>
             </a:xfrm>
             <a:prstGeom prst="triangle">
               <a:avLst>
@@ -10900,6 +11078,7 @@
                   <a:schemeClr val="lt1"/>
                 </a:solidFill>
                 <a:latin typeface="Trebuchet MS"/>
+                <a:ea typeface="DejaVu Sans"/>
               </a:endParaRPr>
             </a:p>
           </p:txBody>
@@ -10907,14 +11086,14 @@
       </p:grpSp>
       <p:sp>
         <p:nvSpPr>
-          <p:cNvPr id="146" name="Isosceles Triangle 8"/>
+          <p:cNvPr id="147" name="Isosceles Triangle 8"/>
           <p:cNvSpPr/>
           <p:nvPr/>
         </p:nvSpPr>
         <p:spPr>
           <a:xfrm>
             <a:off x="0" y="4013280"/>
-            <a:ext cx="476280" cy="2844360"/>
+            <a:ext cx="475920" cy="2844000"/>
           </a:xfrm>
           <a:prstGeom prst="triangle">
             <a:avLst>
@@ -10962,20 +11141,21 @@
                 <a:schemeClr val="lt1"/>
               </a:solidFill>
               <a:latin typeface="Trebuchet MS"/>
-            </a:endParaRPr>
-          </a:p>
-        </p:txBody>
-      </p:sp>
-      <p:sp>
-        <p:nvSpPr>
-          <p:cNvPr id="147" name="TextBox 2"/>
+              <a:ea typeface="DejaVu Sans"/>
+            </a:endParaRPr>
+          </a:p>
+        </p:txBody>
+      </p:sp>
+      <p:sp>
+        <p:nvSpPr>
+          <p:cNvPr id="148" name="TextBox 2"/>
           <p:cNvSpPr/>
           <p:nvPr/>
         </p:nvSpPr>
         <p:spPr>
           <a:xfrm>
             <a:off x="572040" y="668160"/>
-            <a:ext cx="8703000" cy="4968360"/>
+            <a:ext cx="8702640" cy="4968360"/>
           </a:xfrm>
           <a:prstGeom prst="rect">
             <a:avLst/>
@@ -11012,6 +11192,7 @@
                   <a:srgbClr val="000000"/>
                 </a:solidFill>
                 <a:latin typeface="Agency FB"/>
+                <a:ea typeface="DejaVu Sans"/>
               </a:rPr>
               <a:t>Strategic Recommendations</a:t>
             </a:r>
@@ -11036,7 +11217,7 @@
             </a:endParaRPr>
           </a:p>
           <a:p>
-            <a:pPr indent="-343080">
+            <a:pPr marL="343080" indent="-343080">
               <a:lnSpc>
                 <a:spcPct val="100000"/>
               </a:lnSpc>
@@ -11052,6 +11233,7 @@
                   <a:srgbClr val="000000"/>
                 </a:solidFill>
                 <a:latin typeface="Agency FB"/>
+                <a:ea typeface="DejaVu Sans"/>
               </a:rPr>
               <a:t>Focus on High-Performing Locations</a:t>
             </a:r>
@@ -11079,6 +11261,7 @@
                   <a:srgbClr val="000000"/>
                 </a:solidFill>
                 <a:latin typeface="Agency FB"/>
+                <a:ea typeface="DejaVu Sans"/>
               </a:rPr>
               <a:t>Invest more in marketing and inventory for Downtown and Commercial area stores to maximize revenue potential.</a:t>
             </a:r>
@@ -11090,7 +11273,7 @@
             </a:endParaRPr>
           </a:p>
           <a:p>
-            <a:pPr indent="-343080">
+            <a:pPr marL="343080" indent="-343080">
               <a:lnSpc>
                 <a:spcPct val="100000"/>
               </a:lnSpc>
@@ -11106,6 +11289,7 @@
                   <a:srgbClr val="000000"/>
                 </a:solidFill>
                 <a:latin typeface="Agency FB"/>
+                <a:ea typeface="DejaVu Sans"/>
               </a:rPr>
               <a:t>Reevaluate Low-Performing Stores</a:t>
             </a:r>
@@ -11133,6 +11317,7 @@
                   <a:srgbClr val="000000"/>
                 </a:solidFill>
                 <a:latin typeface="Agency FB"/>
+                <a:ea typeface="DejaVu Sans"/>
               </a:rPr>
               <a:t>Analyze reasons behind low sales in Residential and Airport areas; consider targeted promotions or store restructuring.</a:t>
             </a:r>
@@ -11144,7 +11329,7 @@
             </a:endParaRPr>
           </a:p>
           <a:p>
-            <a:pPr indent="-343080">
+            <a:pPr marL="343080" indent="-343080">
               <a:lnSpc>
                 <a:spcPct val="100000"/>
               </a:lnSpc>
@@ -11160,6 +11345,7 @@
                   <a:srgbClr val="000000"/>
                 </a:solidFill>
                 <a:latin typeface="Agency FB"/>
+                <a:ea typeface="DejaVu Sans"/>
               </a:rPr>
               <a:t>Optimize Inventory Management</a:t>
             </a:r>
@@ -11187,6 +11373,7 @@
                   <a:srgbClr val="000000"/>
                 </a:solidFill>
                 <a:latin typeface="Agency FB"/>
+                <a:ea typeface="DejaVu Sans"/>
               </a:rPr>
               <a:t>Use demand forecasting and real-time tracking to balance stock levels and reduce overstock or shortages.</a:t>
             </a:r>
@@ -11198,7 +11385,7 @@
             </a:endParaRPr>
           </a:p>
           <a:p>
-            <a:pPr indent="-343080">
+            <a:pPr marL="343080" indent="-343080">
               <a:lnSpc>
                 <a:spcPct val="100000"/>
               </a:lnSpc>
@@ -11214,6 +11401,7 @@
                   <a:srgbClr val="000000"/>
                 </a:solidFill>
                 <a:latin typeface="Agency FB"/>
+                <a:ea typeface="DejaVu Sans"/>
               </a:rPr>
               <a:t>Expand Top-Selling Product Categories</a:t>
             </a:r>
@@ -11241,6 +11429,7 @@
                   <a:srgbClr val="000000"/>
                 </a:solidFill>
                 <a:latin typeface="Agency FB"/>
+                <a:ea typeface="DejaVu Sans"/>
               </a:rPr>
               <a:t>Increase production and visibility of high-demand toys and trending product lines.</a:t>
             </a:r>
@@ -11252,7 +11441,7 @@
             </a:endParaRPr>
           </a:p>
           <a:p>
-            <a:pPr indent="-343080">
+            <a:pPr marL="343080" indent="-343080">
               <a:lnSpc>
                 <a:spcPct val="100000"/>
               </a:lnSpc>
@@ -11268,6 +11457,7 @@
                   <a:srgbClr val="000000"/>
                 </a:solidFill>
                 <a:latin typeface="Agency FB"/>
+                <a:ea typeface="DejaVu Sans"/>
               </a:rPr>
               <a:t>Seasonal Campaign Planning</a:t>
             </a:r>
@@ -11295,6 +11485,7 @@
                   <a:srgbClr val="000000"/>
                 </a:solidFill>
                 <a:latin typeface="Agency FB"/>
+                <a:ea typeface="DejaVu Sans"/>
               </a:rPr>
               <a:t>Launch promotional offers during peak months (March–April, December) to leverage high demand.</a:t>
             </a:r>
@@ -11346,36 +11537,36 @@
       </p:grpSpPr>
       <p:grpSp>
         <p:nvGrpSpPr>
-          <p:cNvPr id="148" name="Group 39"/>
+          <p:cNvPr id="149" name="Group 39"/>
           <p:cNvGrpSpPr/>
           <p:nvPr/>
         </p:nvGrpSpPr>
         <p:grpSpPr>
           <a:xfrm>
             <a:off x="0" y="-8640"/>
-            <a:ext cx="12191760" cy="6866640"/>
+            <a:ext cx="12191400" cy="6867000"/>
             <a:chOff x="0" y="-8640"/>
-            <a:chExt cx="12191760" cy="6866640"/>
+            <a:chExt cx="12191400" cy="6867000"/>
           </a:xfrm>
         </p:grpSpPr>
         <p:sp>
           <p:nvSpPr>
-            <p:cNvPr id="149" name="Freeform 14"/>
+            <p:cNvPr id="150" name="Freeform 14"/>
             <p:cNvSpPr/>
             <p:nvPr/>
           </p:nvSpPr>
           <p:spPr>
             <a:xfrm>
               <a:off x="0" y="-7920"/>
-              <a:ext cx="863280" cy="5697720"/>
+              <a:ext cx="862920" cy="5697360"/>
             </a:xfrm>
             <a:custGeom>
               <a:avLst/>
               <a:gdLst>
-                <a:gd name="textAreaLeft" fmla="*/ 0 w 863280"/>
-                <a:gd name="textAreaRight" fmla="*/ 863640 w 863280"/>
-                <a:gd name="textAreaTop" fmla="*/ 0 h 5697720"/>
-                <a:gd name="textAreaBottom" fmla="*/ 5698080 h 5697720"/>
+                <a:gd name="textAreaLeft" fmla="*/ 0 w 862920"/>
+                <a:gd name="textAreaRight" fmla="*/ 863640 w 862920"/>
+                <a:gd name="textAreaTop" fmla="*/ 0 h 5697360"/>
+                <a:gd name="textAreaBottom" fmla="*/ 5698080 h 5697360"/>
               </a:gdLst>
               <a:ahLst/>
               <a:rect l="textAreaLeft" t="textAreaTop" r="textAreaRight" b="textAreaBottom"/>
@@ -11443,20 +11634,21 @@
                   <a:schemeClr val="lt1"/>
                 </a:solidFill>
                 <a:latin typeface="Trebuchet MS"/>
+                <a:ea typeface="DejaVu Sans"/>
               </a:endParaRPr>
             </a:p>
           </p:txBody>
         </p:sp>
         <p:cxnSp>
           <p:nvCxnSpPr>
-            <p:cNvPr id="150" name="Straight Connector 11"/>
+            <p:cNvPr id="151" name="Straight Connector 11"/>
             <p:cNvCxnSpPr/>
             <p:nvPr/>
           </p:nvCxnSpPr>
           <p:spPr>
             <a:xfrm>
               <a:off x="9370800" y="0"/>
-              <a:ext cx="1219680" cy="6858360"/>
+              <a:ext cx="1220040" cy="6858720"/>
             </a:xfrm>
             <a:prstGeom prst="straightConnector1">
               <a:avLst/>
@@ -11473,14 +11665,14 @@
         </p:cxnSp>
         <p:cxnSp>
           <p:nvCxnSpPr>
-            <p:cNvPr id="151" name="Straight Connector 12"/>
+            <p:cNvPr id="152" name="Straight Connector 12"/>
             <p:cNvCxnSpPr/>
             <p:nvPr/>
           </p:nvCxnSpPr>
           <p:spPr>
             <a:xfrm flipH="1">
               <a:off x="7425000" y="3681360"/>
-              <a:ext cx="4763880" cy="3177000"/>
+              <a:ext cx="4764240" cy="3177360"/>
             </a:xfrm>
             <a:prstGeom prst="straightConnector1">
               <a:avLst/>
@@ -11497,22 +11689,22 @@
         </p:cxnSp>
         <p:sp>
           <p:nvSpPr>
-            <p:cNvPr id="152" name="Rectangle 23"/>
+            <p:cNvPr id="153" name="Rectangle 23"/>
             <p:cNvSpPr/>
             <p:nvPr/>
           </p:nvSpPr>
           <p:spPr>
             <a:xfrm>
               <a:off x="9181440" y="-8640"/>
-              <a:ext cx="3007080" cy="6866280"/>
+              <a:ext cx="3006720" cy="6865920"/>
             </a:xfrm>
             <a:custGeom>
               <a:avLst/>
               <a:gdLst>
-                <a:gd name="textAreaLeft" fmla="*/ 0 w 3007080"/>
-                <a:gd name="textAreaRight" fmla="*/ 3007440 w 3007080"/>
-                <a:gd name="textAreaTop" fmla="*/ 0 h 6866280"/>
-                <a:gd name="textAreaBottom" fmla="*/ 6866640 h 6866280"/>
+                <a:gd name="textAreaLeft" fmla="*/ 0 w 3006720"/>
+                <a:gd name="textAreaRight" fmla="*/ 3007440 w 3006720"/>
+                <a:gd name="textAreaTop" fmla="*/ 0 h 6865920"/>
+                <a:gd name="textAreaBottom" fmla="*/ 6866640 h 6865920"/>
               </a:gdLst>
               <a:ahLst/>
               <a:rect l="textAreaLeft" t="textAreaTop" r="textAreaRight" b="textAreaBottom"/>
@@ -11580,28 +11772,29 @@
                   <a:schemeClr val="lt1"/>
                 </a:solidFill>
                 <a:latin typeface="Trebuchet MS"/>
+                <a:ea typeface="DejaVu Sans"/>
               </a:endParaRPr>
             </a:p>
           </p:txBody>
         </p:sp>
         <p:sp>
           <p:nvSpPr>
-            <p:cNvPr id="153" name="Rectangle 25"/>
+            <p:cNvPr id="154" name="Rectangle 25"/>
             <p:cNvSpPr/>
             <p:nvPr/>
           </p:nvSpPr>
           <p:spPr>
             <a:xfrm>
               <a:off x="9603360" y="-8640"/>
-              <a:ext cx="2588040" cy="6866280"/>
+              <a:ext cx="2587680" cy="6865920"/>
             </a:xfrm>
             <a:custGeom>
               <a:avLst/>
               <a:gdLst>
-                <a:gd name="textAreaLeft" fmla="*/ 0 w 2588040"/>
-                <a:gd name="textAreaRight" fmla="*/ 2588400 w 2588040"/>
-                <a:gd name="textAreaTop" fmla="*/ 0 h 6866280"/>
-                <a:gd name="textAreaBottom" fmla="*/ 6866640 h 6866280"/>
+                <a:gd name="textAreaLeft" fmla="*/ 0 w 2587680"/>
+                <a:gd name="textAreaRight" fmla="*/ 2588400 w 2587680"/>
+                <a:gd name="textAreaTop" fmla="*/ 0 h 6865920"/>
+                <a:gd name="textAreaBottom" fmla="*/ 6866640 h 6865920"/>
               </a:gdLst>
               <a:ahLst/>
               <a:rect l="textAreaLeft" t="textAreaTop" r="textAreaRight" b="textAreaBottom"/>
@@ -11669,20 +11862,21 @@
                   <a:schemeClr val="lt1"/>
                 </a:solidFill>
                 <a:latin typeface="Trebuchet MS"/>
+                <a:ea typeface="DejaVu Sans"/>
               </a:endParaRPr>
             </a:p>
           </p:txBody>
         </p:sp>
         <p:sp>
           <p:nvSpPr>
-            <p:cNvPr id="154" name="Isosceles Triangle 15"/>
+            <p:cNvPr id="155" name="Isosceles Triangle 15"/>
             <p:cNvSpPr/>
             <p:nvPr/>
           </p:nvSpPr>
           <p:spPr>
             <a:xfrm>
               <a:off x="8932320" y="3048120"/>
-              <a:ext cx="3259440" cy="3809520"/>
+              <a:ext cx="3259080" cy="3809160"/>
             </a:xfrm>
             <a:prstGeom prst="triangle">
               <a:avLst>
@@ -11733,28 +11927,29 @@
                   <a:schemeClr val="lt1"/>
                 </a:solidFill>
                 <a:latin typeface="Trebuchet MS"/>
+                <a:ea typeface="DejaVu Sans"/>
               </a:endParaRPr>
             </a:p>
           </p:txBody>
         </p:sp>
         <p:sp>
           <p:nvSpPr>
-            <p:cNvPr id="155" name="Rectangle 27"/>
+            <p:cNvPr id="156" name="Rectangle 27"/>
             <p:cNvSpPr/>
             <p:nvPr/>
           </p:nvSpPr>
           <p:spPr>
             <a:xfrm>
               <a:off x="9334440" y="-8640"/>
-              <a:ext cx="2854080" cy="6866280"/>
+              <a:ext cx="2853720" cy="6865920"/>
             </a:xfrm>
             <a:custGeom>
               <a:avLst/>
               <a:gdLst>
-                <a:gd name="textAreaLeft" fmla="*/ 0 w 2854080"/>
-                <a:gd name="textAreaRight" fmla="*/ 2854440 w 2854080"/>
-                <a:gd name="textAreaTop" fmla="*/ 0 h 6866280"/>
-                <a:gd name="textAreaBottom" fmla="*/ 6866640 h 6866280"/>
+                <a:gd name="textAreaLeft" fmla="*/ 0 w 2853720"/>
+                <a:gd name="textAreaRight" fmla="*/ 2854440 w 2853720"/>
+                <a:gd name="textAreaTop" fmla="*/ 0 h 6865920"/>
+                <a:gd name="textAreaBottom" fmla="*/ 6866640 h 6865920"/>
               </a:gdLst>
               <a:ahLst/>
               <a:rect l="textAreaLeft" t="textAreaTop" r="textAreaRight" b="textAreaBottom"/>
@@ -11823,28 +12018,29 @@
                   <a:schemeClr val="lt1"/>
                 </a:solidFill>
                 <a:latin typeface="Trebuchet MS"/>
+                <a:ea typeface="DejaVu Sans"/>
               </a:endParaRPr>
             </a:p>
           </p:txBody>
         </p:sp>
         <p:sp>
           <p:nvSpPr>
-            <p:cNvPr id="156" name="Rectangle 28"/>
+            <p:cNvPr id="157" name="Rectangle 28"/>
             <p:cNvSpPr/>
             <p:nvPr/>
           </p:nvSpPr>
           <p:spPr>
             <a:xfrm>
               <a:off x="10898640" y="-8640"/>
-              <a:ext cx="1289880" cy="6866280"/>
+              <a:ext cx="1289520" cy="6865920"/>
             </a:xfrm>
             <a:custGeom>
               <a:avLst/>
               <a:gdLst>
-                <a:gd name="textAreaLeft" fmla="*/ 0 w 1289880"/>
-                <a:gd name="textAreaRight" fmla="*/ 1290240 w 1289880"/>
-                <a:gd name="textAreaTop" fmla="*/ 0 h 6866280"/>
-                <a:gd name="textAreaBottom" fmla="*/ 6866640 h 6866280"/>
+                <a:gd name="textAreaLeft" fmla="*/ 0 w 1289520"/>
+                <a:gd name="textAreaRight" fmla="*/ 1290240 w 1289520"/>
+                <a:gd name="textAreaTop" fmla="*/ 0 h 6865920"/>
+                <a:gd name="textAreaBottom" fmla="*/ 6866640 h 6865920"/>
               </a:gdLst>
               <a:ahLst/>
               <a:rect l="textAreaLeft" t="textAreaTop" r="textAreaRight" b="textAreaBottom"/>
@@ -11912,28 +12108,29 @@
                   <a:schemeClr val="lt1"/>
                 </a:solidFill>
                 <a:latin typeface="Trebuchet MS"/>
+                <a:ea typeface="DejaVu Sans"/>
               </a:endParaRPr>
             </a:p>
           </p:txBody>
         </p:sp>
         <p:sp>
           <p:nvSpPr>
-            <p:cNvPr id="157" name="Rectangle 29"/>
+            <p:cNvPr id="158" name="Rectangle 29"/>
             <p:cNvSpPr/>
             <p:nvPr/>
           </p:nvSpPr>
           <p:spPr>
             <a:xfrm>
               <a:off x="10938960" y="-8640"/>
-              <a:ext cx="1249560" cy="6866280"/>
+              <a:ext cx="1249200" cy="6865920"/>
             </a:xfrm>
             <a:custGeom>
               <a:avLst/>
               <a:gdLst>
-                <a:gd name="textAreaLeft" fmla="*/ 0 w 1249560"/>
-                <a:gd name="textAreaRight" fmla="*/ 1249920 w 1249560"/>
-                <a:gd name="textAreaTop" fmla="*/ 0 h 6866280"/>
-                <a:gd name="textAreaBottom" fmla="*/ 6866640 h 6866280"/>
+                <a:gd name="textAreaLeft" fmla="*/ 0 w 1249200"/>
+                <a:gd name="textAreaRight" fmla="*/ 1249920 w 1249200"/>
+                <a:gd name="textAreaTop" fmla="*/ 0 h 6865920"/>
+                <a:gd name="textAreaBottom" fmla="*/ 6866640 h 6865920"/>
               </a:gdLst>
               <a:ahLst/>
               <a:rect l="textAreaLeft" t="textAreaTop" r="textAreaRight" b="textAreaBottom"/>
@@ -12002,20 +12199,21 @@
                   <a:schemeClr val="lt1"/>
                 </a:solidFill>
                 <a:latin typeface="Trebuchet MS"/>
+                <a:ea typeface="DejaVu Sans"/>
               </a:endParaRPr>
             </a:p>
           </p:txBody>
         </p:sp>
         <p:sp>
           <p:nvSpPr>
-            <p:cNvPr id="158" name="Isosceles Triangle 19"/>
+            <p:cNvPr id="159" name="Isosceles Triangle 19"/>
             <p:cNvSpPr/>
             <p:nvPr/>
           </p:nvSpPr>
           <p:spPr>
             <a:xfrm>
               <a:off x="10371600" y="3589920"/>
-              <a:ext cx="1816920" cy="3267720"/>
+              <a:ext cx="1816560" cy="3267360"/>
             </a:xfrm>
             <a:prstGeom prst="triangle">
               <a:avLst>
@@ -12066,6 +12264,7 @@
                   <a:schemeClr val="lt1"/>
                 </a:solidFill>
                 <a:latin typeface="Trebuchet MS"/>
+                <a:ea typeface="DejaVu Sans"/>
               </a:endParaRPr>
             </a:p>
           </p:txBody>
@@ -12073,22 +12272,22 @@
       </p:grpSp>
       <p:sp>
         <p:nvSpPr>
-          <p:cNvPr id="159" name="Picture 2"/>
+          <p:cNvPr id="160" name="Picture 2"/>
           <p:cNvSpPr/>
           <p:nvPr/>
         </p:nvSpPr>
         <p:spPr>
           <a:xfrm>
             <a:off x="0" y="0"/>
-            <a:ext cx="5394600" cy="6857640"/>
+            <a:ext cx="5394240" cy="6857280"/>
           </a:xfrm>
           <a:custGeom>
             <a:avLst/>
             <a:gdLst>
-              <a:gd name="textAreaLeft" fmla="*/ 0 w 5394600"/>
-              <a:gd name="textAreaRight" fmla="*/ 5394960 w 5394600"/>
-              <a:gd name="textAreaTop" fmla="*/ 0 h 6857640"/>
-              <a:gd name="textAreaBottom" fmla="*/ 6858000 h 6857640"/>
+              <a:gd name="textAreaLeft" fmla="*/ 0 w 5394240"/>
+              <a:gd name="textAreaRight" fmla="*/ 5394960 w 5394240"/>
+              <a:gd name="textAreaTop" fmla="*/ 0 h 6857280"/>
+              <a:gd name="textAreaBottom" fmla="*/ 6858000 h 6857280"/>
             </a:gdLst>
             <a:ahLst/>
             <a:rect l="textAreaLeft" t="textAreaTop" r="textAreaRight" b="textAreaBottom"/>
@@ -12136,25 +12335,31 @@
             <a:noAutofit/>
           </a:bodyPr>
           <a:p>
+            <a:pPr>
+              <a:lnSpc>
+                <a:spcPct val="100000"/>
+              </a:lnSpc>
+            </a:pPr>
             <a:endParaRPr b="0" lang="en-IN" sz="1800" spc="-1" strike="noStrike">
               <a:solidFill>
                 <a:srgbClr val="000000"/>
               </a:solidFill>
               <a:latin typeface="Arial"/>
-            </a:endParaRPr>
-          </a:p>
-        </p:txBody>
-      </p:sp>
-      <p:sp>
-        <p:nvSpPr>
-          <p:cNvPr id="160" name="TextBox 3"/>
+              <a:ea typeface="DejaVu Sans"/>
+            </a:endParaRPr>
+          </a:p>
+        </p:txBody>
+      </p:sp>
+      <p:sp>
+        <p:nvSpPr>
+          <p:cNvPr id="161" name="TextBox 3"/>
           <p:cNvSpPr/>
           <p:nvPr/>
         </p:nvSpPr>
         <p:spPr>
           <a:xfrm>
             <a:off x="5380560" y="1678680"/>
-            <a:ext cx="3887640" cy="2371680"/>
+            <a:ext cx="3887280" cy="2371320"/>
           </a:xfrm>
           <a:prstGeom prst="rect">
             <a:avLst/>
@@ -12171,7 +12376,7 @@
           <a:fontRef idx="minor"/>
         </p:style>
         <p:txBody>
-          <a:bodyPr anchor="b">
+          <a:bodyPr lIns="90000" rIns="90000" tIns="45000" bIns="45000" anchor="b">
             <a:normAutofit/>
           </a:bodyPr>
           <a:p>
@@ -12189,6 +12394,7 @@
                   <a:schemeClr val="accent1"/>
                 </a:solidFill>
                 <a:latin typeface="Trebuchet MS"/>
+                <a:ea typeface="DejaVu Sans"/>
               </a:rPr>
               <a:t>Thank You!</a:t>
             </a:r>
@@ -12245,7 +12451,7 @@
                                           </p:stCondLst>
                                         </p:cTn>
                                         <p:tgtEl>
-                                          <p:spTgt spid="160"/>
+                                          <p:spTgt spid="161"/>
                                         </p:tgtEl>
                                         <p:attrNameLst>
                                           <p:attrName>style.visibility</p:attrName>
@@ -12259,7 +12465,7 @@
                                       <p:cBhvr additive="repl">
                                         <p:cTn id="19" dur="500"/>
                                         <p:tgtEl>
-                                          <p:spTgt spid="160"/>
+                                          <p:spTgt spid="161"/>
                                         </p:tgtEl>
                                       </p:cBhvr>
                                     </p:animEffect>
